--- a/documents/Presentation1.pptx
+++ b/documents/Presentation1.pptx
@@ -3532,309 +3532,30 @@
           <a:chExt cx="0" cy="0"/>
         </a:xfrm>
       </p:grpSpPr>
-      <p:sp>
-        <p:nvSpPr>
-          <p:cNvPr id="4" name="Rectangle 3"/>
-          <p:cNvSpPr/>
-          <p:nvPr/>
-        </p:nvSpPr>
-        <p:spPr>
-          <a:xfrm>
-            <a:off x="5528560" y="233072"/>
-            <a:ext cx="3423901" cy="6270689"/>
-          </a:xfrm>
-          <a:prstGeom prst="rect">
-            <a:avLst/>
-          </a:prstGeom>
-          <a:noFill/>
-          <a:ln w="25400">
-            <a:solidFill>
-              <a:schemeClr val="tx1"/>
-            </a:solidFill>
-          </a:ln>
-        </p:spPr>
-        <p:style>
-          <a:lnRef idx="1">
-            <a:schemeClr val="accent1"/>
-          </a:lnRef>
-          <a:fillRef idx="3">
-            <a:schemeClr val="accent1"/>
-          </a:fillRef>
-          <a:effectRef idx="2">
-            <a:schemeClr val="accent1"/>
-          </a:effectRef>
-          <a:fontRef idx="minor">
-            <a:schemeClr val="lt1"/>
-          </a:fontRef>
-        </p:style>
-        <p:txBody>
-          <a:bodyPr rtlCol="0" anchor="ctr"/>
-          <a:lstStyle/>
-          <a:p>
-            <a:pPr algn="ctr"/>
-            <a:endParaRPr lang="en-US"/>
-          </a:p>
-        </p:txBody>
-      </p:sp>
-      <p:sp>
-        <p:nvSpPr>
-          <p:cNvPr id="9" name="TextBox 8"/>
-          <p:cNvSpPr txBox="1"/>
-          <p:nvPr/>
-        </p:nvSpPr>
-        <p:spPr>
-          <a:xfrm>
-            <a:off x="5528558" y="233070"/>
-            <a:ext cx="3423903" cy="754179"/>
-          </a:xfrm>
-          <a:prstGeom prst="rect">
-            <a:avLst/>
-          </a:prstGeom>
-          <a:noFill/>
-          <a:ln>
-            <a:solidFill>
-              <a:schemeClr val="tx1"/>
-            </a:solidFill>
-          </a:ln>
-        </p:spPr>
-        <p:txBody>
-          <a:bodyPr wrap="square" rtlCol="0">
-            <a:spAutoFit/>
-          </a:bodyPr>
-          <a:lstStyle/>
-          <a:p>
-            <a:r>
-              <a:rPr lang="en-US" sz="900" b="1" dirty="0" err="1" smtClean="0"/>
-              <a:t>MainController</a:t>
-            </a:r>
-            <a:endParaRPr lang="en-US" sz="900" b="1" dirty="0" smtClean="0"/>
-          </a:p>
-        </p:txBody>
-      </p:sp>
-      <p:sp>
-        <p:nvSpPr>
-          <p:cNvPr id="10" name="Oval 9"/>
-          <p:cNvSpPr/>
-          <p:nvPr/>
-        </p:nvSpPr>
-        <p:spPr>
-          <a:xfrm>
-            <a:off x="6046178" y="3084778"/>
-            <a:ext cx="814634" cy="360065"/>
-          </a:xfrm>
-          <a:prstGeom prst="ellipse">
-            <a:avLst/>
-          </a:prstGeom>
-          <a:noFill/>
-          <a:ln w="22225">
-            <a:solidFill>
-              <a:schemeClr val="tx1"/>
-            </a:solidFill>
-            <a:prstDash val="dash"/>
-          </a:ln>
-        </p:spPr>
-        <p:style>
-          <a:lnRef idx="1">
-            <a:schemeClr val="accent1"/>
-          </a:lnRef>
-          <a:fillRef idx="3">
-            <a:schemeClr val="accent1"/>
-          </a:fillRef>
-          <a:effectRef idx="2">
-            <a:schemeClr val="accent1"/>
-          </a:effectRef>
-          <a:fontRef idx="minor">
-            <a:schemeClr val="lt1"/>
-          </a:fontRef>
-        </p:style>
-        <p:txBody>
-          <a:bodyPr rtlCol="0" anchor="ctr"/>
-          <a:lstStyle/>
-          <a:p>
-            <a:pPr algn="ctr"/>
-            <a:endParaRPr lang="en-US"/>
-          </a:p>
-        </p:txBody>
-      </p:sp>
-      <p:sp>
-        <p:nvSpPr>
-          <p:cNvPr id="8" name="Rectangle 7"/>
-          <p:cNvSpPr/>
-          <p:nvPr/>
-        </p:nvSpPr>
-        <p:spPr>
-          <a:xfrm>
-            <a:off x="3167298" y="4568332"/>
-            <a:ext cx="2158475" cy="1935430"/>
-          </a:xfrm>
-          <a:prstGeom prst="rect">
-            <a:avLst/>
-          </a:prstGeom>
-          <a:noFill/>
-          <a:ln w="25400">
-            <a:solidFill>
-              <a:schemeClr val="tx1"/>
-            </a:solidFill>
-          </a:ln>
-        </p:spPr>
-        <p:style>
-          <a:lnRef idx="1">
-            <a:schemeClr val="accent1"/>
-          </a:lnRef>
-          <a:fillRef idx="3">
-            <a:schemeClr val="accent1"/>
-          </a:fillRef>
-          <a:effectRef idx="2">
-            <a:schemeClr val="accent1"/>
-          </a:effectRef>
-          <a:fontRef idx="minor">
-            <a:schemeClr val="lt1"/>
-          </a:fontRef>
-        </p:style>
-        <p:txBody>
-          <a:bodyPr rtlCol="0" anchor="ctr"/>
-          <a:lstStyle/>
-          <a:p>
-            <a:pPr algn="ctr"/>
-            <a:endParaRPr lang="en-US"/>
-          </a:p>
-        </p:txBody>
-      </p:sp>
-      <p:sp>
-        <p:nvSpPr>
-          <p:cNvPr id="14" name="TextBox 13"/>
-          <p:cNvSpPr txBox="1"/>
-          <p:nvPr/>
-        </p:nvSpPr>
-        <p:spPr>
-          <a:xfrm>
-            <a:off x="3167298" y="4588748"/>
-            <a:ext cx="2158474" cy="267640"/>
-          </a:xfrm>
-          <a:prstGeom prst="rect">
-            <a:avLst/>
-          </a:prstGeom>
-          <a:noFill/>
-          <a:ln>
-            <a:solidFill>
-              <a:schemeClr val="tx1"/>
-            </a:solidFill>
-          </a:ln>
-        </p:spPr>
-        <p:txBody>
-          <a:bodyPr wrap="square" rtlCol="0">
-            <a:spAutoFit/>
-          </a:bodyPr>
-          <a:lstStyle/>
-          <a:p>
-            <a:r>
-              <a:rPr lang="en-US" sz="1000" b="1" dirty="0" smtClean="0"/>
-              <a:t>App</a:t>
-            </a:r>
-          </a:p>
-        </p:txBody>
-      </p:sp>
-      <p:sp>
-        <p:nvSpPr>
-          <p:cNvPr id="15" name="Oval 14"/>
-          <p:cNvSpPr/>
-          <p:nvPr/>
-        </p:nvSpPr>
-        <p:spPr>
-          <a:xfrm>
-            <a:off x="3464564" y="5134039"/>
-            <a:ext cx="1466310" cy="391388"/>
-          </a:xfrm>
-          <a:prstGeom prst="ellipse">
-            <a:avLst/>
-          </a:prstGeom>
-          <a:noFill/>
-          <a:ln w="22225">
-            <a:solidFill>
-              <a:schemeClr val="tx1"/>
-            </a:solidFill>
-            <a:prstDash val="dash"/>
-          </a:ln>
-        </p:spPr>
-        <p:style>
-          <a:lnRef idx="1">
-            <a:schemeClr val="accent1"/>
-          </a:lnRef>
-          <a:fillRef idx="3">
-            <a:schemeClr val="accent1"/>
-          </a:fillRef>
-          <a:effectRef idx="2">
-            <a:schemeClr val="accent1"/>
-          </a:effectRef>
-          <a:fontRef idx="minor">
-            <a:schemeClr val="lt1"/>
-          </a:fontRef>
-        </p:style>
-        <p:txBody>
-          <a:bodyPr rtlCol="0" anchor="ctr"/>
-          <a:lstStyle/>
-          <a:p>
-            <a:pPr algn="ctr"/>
-            <a:endParaRPr lang="en-US"/>
-          </a:p>
-        </p:txBody>
-      </p:sp>
-      <p:sp>
-        <p:nvSpPr>
-          <p:cNvPr id="17" name="TextBox 16"/>
-          <p:cNvSpPr txBox="1"/>
-          <p:nvPr/>
-        </p:nvSpPr>
-        <p:spPr>
-          <a:xfrm>
-            <a:off x="3733337" y="5157583"/>
-            <a:ext cx="1086545" cy="276999"/>
-          </a:xfrm>
-          <a:prstGeom prst="rect">
-            <a:avLst/>
-          </a:prstGeom>
-          <a:noFill/>
-          <a:ln>
-            <a:noFill/>
-          </a:ln>
-        </p:spPr>
-        <p:txBody>
-          <a:bodyPr wrap="square" rtlCol="0">
-            <a:spAutoFit/>
-          </a:bodyPr>
-          <a:lstStyle/>
-          <a:p>
-            <a:r>
-              <a:rPr lang="en-US" sz="1200" dirty="0" smtClean="0"/>
-              <a:t>App thread</a:t>
-            </a:r>
-          </a:p>
-        </p:txBody>
-      </p:sp>
       <p:grpSp>
         <p:nvGrpSpPr>
-          <p:cNvPr id="28" name="Group 27"/>
+          <p:cNvPr id="249" name="Group 248"/>
           <p:cNvGrpSpPr/>
           <p:nvPr/>
         </p:nvGrpSpPr>
         <p:grpSpPr>
           <a:xfrm>
-            <a:off x="7251655" y="1191170"/>
-            <a:ext cx="1548538" cy="1780535"/>
-            <a:chOff x="312875" y="2055064"/>
-            <a:chExt cx="1548538" cy="1780535"/>
+            <a:off x="196727" y="233070"/>
+            <a:ext cx="8755734" cy="6270692"/>
+            <a:chOff x="196727" y="233070"/>
+            <a:chExt cx="8755734" cy="6270692"/>
           </a:xfrm>
         </p:grpSpPr>
         <p:sp>
           <p:nvSpPr>
-            <p:cNvPr id="21" name="Rectangle 20"/>
+            <p:cNvPr id="4" name="Rectangle 3"/>
             <p:cNvSpPr/>
             <p:nvPr/>
           </p:nvSpPr>
           <p:spPr>
             <a:xfrm>
-              <a:off x="312876" y="2055064"/>
-              <a:ext cx="1548537" cy="1780535"/>
+              <a:off x="5528560" y="233072"/>
+              <a:ext cx="3423901" cy="6270689"/>
             </a:xfrm>
             <a:prstGeom prst="rect">
               <a:avLst/>
@@ -3871,14 +3592,14 @@
         </p:sp>
         <p:sp>
           <p:nvSpPr>
-            <p:cNvPr id="23" name="TextBox 22"/>
+            <p:cNvPr id="9" name="TextBox 8"/>
             <p:cNvSpPr txBox="1"/>
             <p:nvPr/>
           </p:nvSpPr>
           <p:spPr>
             <a:xfrm>
-              <a:off x="312875" y="2074163"/>
-              <a:ext cx="1548538" cy="230832"/>
+              <a:off x="5528558" y="233070"/>
+              <a:ext cx="3423903" cy="754179"/>
             </a:xfrm>
             <a:prstGeom prst="rect">
               <a:avLst/>
@@ -3898,37 +3619,67 @@
             <a:p>
               <a:r>
                 <a:rPr lang="en-US" sz="900" b="1" dirty="0" err="1" smtClean="0"/>
-                <a:t>SwingUpController</a:t>
+                <a:t>MainController</a:t>
               </a:r>
               <a:endParaRPr lang="en-US" sz="900" b="1" dirty="0" smtClean="0"/>
             </a:p>
           </p:txBody>
         </p:sp>
-      </p:grpSp>
-      <p:grpSp>
-        <p:nvGrpSpPr>
-          <p:cNvPr id="31" name="Group 30"/>
-          <p:cNvGrpSpPr/>
-          <p:nvPr/>
-        </p:nvGrpSpPr>
-        <p:grpSpPr>
-          <a:xfrm>
-            <a:off x="201703" y="247329"/>
-            <a:ext cx="2826776" cy="5759602"/>
-            <a:chOff x="214667" y="2009426"/>
-            <a:chExt cx="1548537" cy="1529941"/>
-          </a:xfrm>
-        </p:grpSpPr>
         <p:sp>
           <p:nvSpPr>
-            <p:cNvPr id="7" name="Rectangle 6"/>
+            <p:cNvPr id="10" name="Oval 9"/>
             <p:cNvSpPr/>
             <p:nvPr/>
           </p:nvSpPr>
           <p:spPr>
             <a:xfrm>
-              <a:off x="214667" y="2009426"/>
-              <a:ext cx="1548537" cy="1529941"/>
+              <a:off x="6046178" y="3084778"/>
+              <a:ext cx="814634" cy="360065"/>
+            </a:xfrm>
+            <a:prstGeom prst="ellipse">
+              <a:avLst/>
+            </a:prstGeom>
+            <a:noFill/>
+            <a:ln w="22225">
+              <a:solidFill>
+                <a:schemeClr val="tx1"/>
+              </a:solidFill>
+              <a:prstDash val="dash"/>
+            </a:ln>
+          </p:spPr>
+          <p:style>
+            <a:lnRef idx="1">
+              <a:schemeClr val="accent1"/>
+            </a:lnRef>
+            <a:fillRef idx="3">
+              <a:schemeClr val="accent1"/>
+            </a:fillRef>
+            <a:effectRef idx="2">
+              <a:schemeClr val="accent1"/>
+            </a:effectRef>
+            <a:fontRef idx="minor">
+              <a:schemeClr val="lt1"/>
+            </a:fontRef>
+          </p:style>
+          <p:txBody>
+            <a:bodyPr rtlCol="0" anchor="ctr"/>
+            <a:lstStyle/>
+            <a:p>
+              <a:pPr algn="ctr"/>
+              <a:endParaRPr lang="en-US"/>
+            </a:p>
+          </p:txBody>
+        </p:sp>
+        <p:sp>
+          <p:nvSpPr>
+            <p:cNvPr id="8" name="Rectangle 7"/>
+            <p:cNvSpPr/>
+            <p:nvPr/>
+          </p:nvSpPr>
+          <p:spPr>
+            <a:xfrm>
+              <a:off x="3167298" y="4568332"/>
+              <a:ext cx="2158475" cy="1935430"/>
             </a:xfrm>
             <a:prstGeom prst="rect">
               <a:avLst/>
@@ -3965,14 +3716,14 @@
         </p:sp>
         <p:sp>
           <p:nvSpPr>
-            <p:cNvPr id="20" name="TextBox 19"/>
+            <p:cNvPr id="14" name="TextBox 13"/>
             <p:cNvSpPr txBox="1"/>
             <p:nvPr/>
           </p:nvSpPr>
           <p:spPr>
             <a:xfrm>
-              <a:off x="214667" y="2009447"/>
-              <a:ext cx="1541435" cy="65404"/>
+              <a:off x="3167298" y="4588748"/>
+              <a:ext cx="2158474" cy="267640"/>
             </a:xfrm>
             <a:prstGeom prst="rect">
               <a:avLst/>
@@ -3991,1277 +3742,32 @@
             <a:lstStyle/>
             <a:p>
               <a:r>
-                <a:rPr lang="en-US" sz="1000" b="1" dirty="0" err="1" smtClean="0"/>
-                <a:t>FurutaGUI</a:t>
-              </a:r>
-              <a:endParaRPr lang="en-US" sz="1000" b="1" dirty="0" smtClean="0"/>
-            </a:p>
-          </p:txBody>
-        </p:sp>
-      </p:grpSp>
-      <p:sp>
-        <p:nvSpPr>
-          <p:cNvPr id="42" name="TextBox 41"/>
-          <p:cNvSpPr txBox="1"/>
-          <p:nvPr/>
-        </p:nvSpPr>
-        <p:spPr>
-          <a:xfrm>
-            <a:off x="2078928" y="3874605"/>
-            <a:ext cx="949181" cy="200055"/>
-          </a:xfrm>
-          <a:prstGeom prst="rect">
-            <a:avLst/>
-          </a:prstGeom>
-          <a:noFill/>
-          <a:ln>
-            <a:solidFill>
-              <a:schemeClr val="tx1"/>
-            </a:solidFill>
-          </a:ln>
-        </p:spPr>
-        <p:txBody>
-          <a:bodyPr wrap="square" rtlCol="0">
-            <a:spAutoFit/>
-          </a:bodyPr>
-          <a:lstStyle/>
-          <a:p>
-            <a:r>
-              <a:rPr lang="en-US" sz="700" dirty="0" err="1" smtClean="0"/>
-              <a:t>putControlDataPoint</a:t>
-            </a:r>
-            <a:endParaRPr lang="en-US" sz="700" dirty="0" smtClean="0"/>
-          </a:p>
-        </p:txBody>
-      </p:sp>
-      <p:grpSp>
-        <p:nvGrpSpPr>
-          <p:cNvPr id="45" name="Group 44"/>
-          <p:cNvGrpSpPr/>
-          <p:nvPr/>
-        </p:nvGrpSpPr>
-        <p:grpSpPr>
-          <a:xfrm>
-            <a:off x="396922" y="610856"/>
-            <a:ext cx="2030832" cy="711610"/>
-            <a:chOff x="256166" y="1949935"/>
-            <a:chExt cx="2030832" cy="711610"/>
-          </a:xfrm>
-        </p:grpSpPr>
-        <p:sp>
-          <p:nvSpPr>
-            <p:cNvPr id="13" name="TextBox 12"/>
-            <p:cNvSpPr txBox="1"/>
-            <p:nvPr/>
-          </p:nvSpPr>
-          <p:spPr>
-            <a:xfrm>
-              <a:off x="1938172" y="2330194"/>
-              <a:ext cx="348825" cy="200055"/>
-            </a:xfrm>
-            <a:prstGeom prst="rect">
-              <a:avLst/>
-            </a:prstGeom>
-            <a:noFill/>
-            <a:ln>
-              <a:solidFill>
-                <a:schemeClr val="tx1"/>
-              </a:solidFill>
-            </a:ln>
-          </p:spPr>
-          <p:txBody>
-            <a:bodyPr wrap="square" rtlCol="0">
-              <a:spAutoFit/>
-            </a:bodyPr>
-            <a:lstStyle/>
-            <a:p>
-              <a:r>
-                <a:rPr lang="en-US" sz="700" dirty="0" smtClean="0"/>
-                <a:t>put</a:t>
+                <a:rPr lang="en-US" sz="1000" b="1" dirty="0" smtClean="0"/>
+                <a:t>App</a:t>
               </a:r>
             </a:p>
           </p:txBody>
         </p:sp>
-        <p:grpSp>
-          <p:nvGrpSpPr>
-            <p:cNvPr id="33" name="Group 32"/>
-            <p:cNvGrpSpPr/>
-            <p:nvPr/>
-          </p:nvGrpSpPr>
-          <p:grpSpPr>
-            <a:xfrm>
-              <a:off x="256166" y="1949935"/>
-              <a:ext cx="921099" cy="360065"/>
-              <a:chOff x="423325" y="2504492"/>
-              <a:chExt cx="921099" cy="360065"/>
-            </a:xfrm>
-          </p:grpSpPr>
-          <p:sp>
-            <p:nvSpPr>
-              <p:cNvPr id="16" name="Oval 15"/>
-              <p:cNvSpPr/>
-              <p:nvPr/>
-            </p:nvSpPr>
-            <p:spPr>
-              <a:xfrm>
-                <a:off x="423325" y="2504492"/>
-                <a:ext cx="814634" cy="360065"/>
-              </a:xfrm>
-              <a:prstGeom prst="ellipse">
-                <a:avLst/>
-              </a:prstGeom>
-              <a:noFill/>
-              <a:ln w="22225">
-                <a:solidFill>
-                  <a:schemeClr val="tx1"/>
-                </a:solidFill>
-                <a:prstDash val="dash"/>
-              </a:ln>
-            </p:spPr>
-            <p:style>
-              <a:lnRef idx="1">
-                <a:schemeClr val="accent1"/>
-              </a:lnRef>
-              <a:fillRef idx="3">
-                <a:schemeClr val="accent1"/>
-              </a:fillRef>
-              <a:effectRef idx="2">
-                <a:schemeClr val="accent1"/>
-              </a:effectRef>
-              <a:fontRef idx="minor">
-                <a:schemeClr val="lt1"/>
-              </a:fontRef>
-            </p:style>
-            <p:txBody>
-              <a:bodyPr rtlCol="0" anchor="ctr"/>
-              <a:lstStyle/>
-              <a:p>
-                <a:pPr algn="ctr"/>
-                <a:endParaRPr lang="en-US"/>
-              </a:p>
-            </p:txBody>
-          </p:sp>
-          <p:sp>
-            <p:nvSpPr>
-              <p:cNvPr id="32" name="TextBox 31"/>
-              <p:cNvSpPr txBox="1"/>
-              <p:nvPr/>
-            </p:nvSpPr>
-            <p:spPr>
-              <a:xfrm>
-                <a:off x="423325" y="2521250"/>
-                <a:ext cx="921099" cy="230832"/>
-              </a:xfrm>
-              <a:prstGeom prst="rect">
-                <a:avLst/>
-              </a:prstGeom>
-              <a:noFill/>
-              <a:ln>
-                <a:noFill/>
-              </a:ln>
-            </p:spPr>
-            <p:txBody>
-              <a:bodyPr wrap="square" rtlCol="0">
-                <a:spAutoFit/>
-              </a:bodyPr>
-              <a:lstStyle/>
-              <a:p>
-                <a:r>
-                  <a:rPr lang="en-US" sz="900" dirty="0" smtClean="0"/>
-                  <a:t>Plotter thread</a:t>
-                </a:r>
-                <a:endParaRPr lang="en-US" sz="1000" dirty="0" smtClean="0"/>
-              </a:p>
-            </p:txBody>
-          </p:sp>
-        </p:grpSp>
-        <p:grpSp>
-          <p:nvGrpSpPr>
-            <p:cNvPr id="40" name="Group 39"/>
-            <p:cNvGrpSpPr/>
-            <p:nvPr/>
-          </p:nvGrpSpPr>
-          <p:grpSpPr>
-            <a:xfrm>
-              <a:off x="1324212" y="2009063"/>
-              <a:ext cx="962786" cy="652482"/>
-              <a:chOff x="1734497" y="2653627"/>
-              <a:chExt cx="1279147" cy="852127"/>
-            </a:xfrm>
-          </p:grpSpPr>
-          <p:sp>
-            <p:nvSpPr>
-              <p:cNvPr id="38" name="Rectangle 37"/>
-              <p:cNvSpPr/>
-              <p:nvPr/>
-            </p:nvSpPr>
-            <p:spPr>
-              <a:xfrm>
-                <a:off x="1734500" y="2654551"/>
-                <a:ext cx="1279144" cy="851203"/>
-              </a:xfrm>
-              <a:prstGeom prst="rect">
-                <a:avLst/>
-              </a:prstGeom>
-              <a:noFill/>
-              <a:ln w="25400">
-                <a:solidFill>
-                  <a:schemeClr val="tx1"/>
-                </a:solidFill>
-              </a:ln>
-            </p:spPr>
-            <p:style>
-              <a:lnRef idx="1">
-                <a:schemeClr val="accent1"/>
-              </a:lnRef>
-              <a:fillRef idx="3">
-                <a:schemeClr val="accent1"/>
-              </a:fillRef>
-              <a:effectRef idx="2">
-                <a:schemeClr val="accent1"/>
-              </a:effectRef>
-              <a:fontRef idx="minor">
-                <a:schemeClr val="lt1"/>
-              </a:fontRef>
-            </p:style>
-            <p:txBody>
-              <a:bodyPr rtlCol="0" anchor="ctr"/>
-              <a:lstStyle/>
-              <a:p>
-                <a:pPr algn="ctr"/>
-                <a:endParaRPr lang="en-US"/>
-              </a:p>
-            </p:txBody>
-          </p:sp>
-          <p:sp>
-            <p:nvSpPr>
-              <p:cNvPr id="39" name="TextBox 38"/>
-              <p:cNvSpPr txBox="1"/>
-              <p:nvPr/>
-            </p:nvSpPr>
-            <p:spPr>
-              <a:xfrm>
-                <a:off x="1734497" y="2653627"/>
-                <a:ext cx="1279146" cy="301461"/>
-              </a:xfrm>
-              <a:prstGeom prst="rect">
-                <a:avLst/>
-              </a:prstGeom>
-              <a:noFill/>
-              <a:ln>
-                <a:solidFill>
-                  <a:schemeClr val="tx1"/>
-                </a:solidFill>
-              </a:ln>
-            </p:spPr>
-            <p:txBody>
-              <a:bodyPr wrap="square" rtlCol="0">
-                <a:spAutoFit/>
-              </a:bodyPr>
-              <a:lstStyle/>
-              <a:p>
-                <a:r>
-                  <a:rPr lang="en-US" sz="900" b="1" dirty="0" smtClean="0"/>
-                  <a:t>Monitor</a:t>
-                </a:r>
-              </a:p>
-            </p:txBody>
-          </p:sp>
-        </p:grpSp>
         <p:sp>
           <p:nvSpPr>
-            <p:cNvPr id="41" name="TextBox 40"/>
-            <p:cNvSpPr txBox="1"/>
-            <p:nvPr/>
-          </p:nvSpPr>
-          <p:spPr>
-            <a:xfrm>
-              <a:off x="1324214" y="2326864"/>
-              <a:ext cx="348825" cy="200055"/>
-            </a:xfrm>
-            <a:prstGeom prst="rect">
-              <a:avLst/>
-            </a:prstGeom>
-            <a:noFill/>
-            <a:ln>
-              <a:solidFill>
-                <a:schemeClr val="tx1"/>
-              </a:solidFill>
-            </a:ln>
-          </p:spPr>
-          <p:txBody>
-            <a:bodyPr wrap="square" rtlCol="0">
-              <a:spAutoFit/>
-            </a:bodyPr>
-            <a:lstStyle/>
-            <a:p>
-              <a:r>
-                <a:rPr lang="en-US" sz="700" dirty="0" smtClean="0"/>
-                <a:t>get</a:t>
-              </a:r>
-            </a:p>
-          </p:txBody>
-        </p:sp>
-        <p:cxnSp>
-          <p:nvCxnSpPr>
-            <p:cNvPr id="44" name="Straight Arrow Connector 43"/>
-            <p:cNvCxnSpPr>
-              <a:stCxn id="16" idx="5"/>
-              <a:endCxn id="41" idx="1"/>
-            </p:cNvCxnSpPr>
-            <p:nvPr/>
-          </p:nvCxnSpPr>
-          <p:spPr>
-            <a:xfrm>
-              <a:off x="951500" y="2257270"/>
-              <a:ext cx="372714" cy="169622"/>
-            </a:xfrm>
-            <a:prstGeom prst="straightConnector1">
-              <a:avLst/>
-            </a:prstGeom>
-            <a:ln>
-              <a:solidFill>
-                <a:schemeClr val="tx1"/>
-              </a:solidFill>
-              <a:tailEnd type="arrow"/>
-            </a:ln>
-          </p:spPr>
-          <p:style>
-            <a:lnRef idx="2">
-              <a:schemeClr val="accent1"/>
-            </a:lnRef>
-            <a:fillRef idx="0">
-              <a:schemeClr val="accent1"/>
-            </a:fillRef>
-            <a:effectRef idx="1">
-              <a:schemeClr val="accent1"/>
-            </a:effectRef>
-            <a:fontRef idx="minor">
-              <a:schemeClr val="tx1"/>
-            </a:fontRef>
-          </p:style>
-        </p:cxnSp>
-      </p:grpSp>
-      <p:grpSp>
-        <p:nvGrpSpPr>
-          <p:cNvPr id="46" name="Group 45"/>
-          <p:cNvGrpSpPr/>
-          <p:nvPr/>
-        </p:nvGrpSpPr>
-        <p:grpSpPr>
-          <a:xfrm>
-            <a:off x="449553" y="1867293"/>
-            <a:ext cx="2044445" cy="711608"/>
-            <a:chOff x="256166" y="1949935"/>
-            <a:chExt cx="2044445" cy="711608"/>
-          </a:xfrm>
-        </p:grpSpPr>
-        <p:sp>
-          <p:nvSpPr>
-            <p:cNvPr id="47" name="TextBox 46"/>
-            <p:cNvSpPr txBox="1"/>
-            <p:nvPr/>
-          </p:nvSpPr>
-          <p:spPr>
-            <a:xfrm>
-              <a:off x="1938172" y="2324345"/>
-              <a:ext cx="348825" cy="200055"/>
-            </a:xfrm>
-            <a:prstGeom prst="rect">
-              <a:avLst/>
-            </a:prstGeom>
-            <a:noFill/>
-            <a:ln>
-              <a:solidFill>
-                <a:schemeClr val="tx1"/>
-              </a:solidFill>
-            </a:ln>
-          </p:spPr>
-          <p:txBody>
-            <a:bodyPr wrap="square" rtlCol="0">
-              <a:spAutoFit/>
-            </a:bodyPr>
-            <a:lstStyle/>
-            <a:p>
-              <a:r>
-                <a:rPr lang="en-US" sz="700" dirty="0" smtClean="0"/>
-                <a:t>put</a:t>
-              </a:r>
-            </a:p>
-          </p:txBody>
-        </p:sp>
-        <p:grpSp>
-          <p:nvGrpSpPr>
-            <p:cNvPr id="48" name="Group 47"/>
-            <p:cNvGrpSpPr/>
-            <p:nvPr/>
-          </p:nvGrpSpPr>
-          <p:grpSpPr>
-            <a:xfrm>
-              <a:off x="256166" y="1949935"/>
-              <a:ext cx="921099" cy="360065"/>
-              <a:chOff x="423325" y="2504492"/>
-              <a:chExt cx="921099" cy="360065"/>
-            </a:xfrm>
-          </p:grpSpPr>
-          <p:sp>
-            <p:nvSpPr>
-              <p:cNvPr id="54" name="Oval 53"/>
-              <p:cNvSpPr/>
-              <p:nvPr/>
-            </p:nvSpPr>
-            <p:spPr>
-              <a:xfrm>
-                <a:off x="423325" y="2504492"/>
-                <a:ext cx="814634" cy="360065"/>
-              </a:xfrm>
-              <a:prstGeom prst="ellipse">
-                <a:avLst/>
-              </a:prstGeom>
-              <a:noFill/>
-              <a:ln w="22225">
-                <a:solidFill>
-                  <a:schemeClr val="tx1"/>
-                </a:solidFill>
-                <a:prstDash val="dash"/>
-              </a:ln>
-            </p:spPr>
-            <p:style>
-              <a:lnRef idx="1">
-                <a:schemeClr val="accent1"/>
-              </a:lnRef>
-              <a:fillRef idx="3">
-                <a:schemeClr val="accent1"/>
-              </a:fillRef>
-              <a:effectRef idx="2">
-                <a:schemeClr val="accent1"/>
-              </a:effectRef>
-              <a:fontRef idx="minor">
-                <a:schemeClr val="lt1"/>
-              </a:fontRef>
-            </p:style>
-            <p:txBody>
-              <a:bodyPr rtlCol="0" anchor="ctr"/>
-              <a:lstStyle/>
-              <a:p>
-                <a:pPr algn="ctr"/>
-                <a:endParaRPr lang="en-US"/>
-              </a:p>
-            </p:txBody>
-          </p:sp>
-          <p:sp>
-            <p:nvSpPr>
-              <p:cNvPr id="55" name="TextBox 54"/>
-              <p:cNvSpPr txBox="1"/>
-              <p:nvPr/>
-            </p:nvSpPr>
-            <p:spPr>
-              <a:xfrm>
-                <a:off x="423325" y="2521250"/>
-                <a:ext cx="921099" cy="230832"/>
-              </a:xfrm>
-              <a:prstGeom prst="rect">
-                <a:avLst/>
-              </a:prstGeom>
-              <a:noFill/>
-              <a:ln>
-                <a:noFill/>
-              </a:ln>
-            </p:spPr>
-            <p:txBody>
-              <a:bodyPr wrap="square" rtlCol="0">
-                <a:spAutoFit/>
-              </a:bodyPr>
-              <a:lstStyle/>
-              <a:p>
-                <a:r>
-                  <a:rPr lang="en-US" sz="900" dirty="0" smtClean="0"/>
-                  <a:t>Plotter thread</a:t>
-                </a:r>
-                <a:endParaRPr lang="en-US" sz="1000" dirty="0" smtClean="0"/>
-              </a:p>
-            </p:txBody>
-          </p:sp>
-        </p:grpSp>
-        <p:grpSp>
-          <p:nvGrpSpPr>
-            <p:cNvPr id="49" name="Group 48"/>
-            <p:cNvGrpSpPr/>
-            <p:nvPr/>
-          </p:nvGrpSpPr>
-          <p:grpSpPr>
-            <a:xfrm>
-              <a:off x="1324213" y="2009769"/>
-              <a:ext cx="976398" cy="651774"/>
-              <a:chOff x="1734499" y="2654551"/>
-              <a:chExt cx="1297232" cy="851203"/>
-            </a:xfrm>
-          </p:grpSpPr>
-          <p:sp>
-            <p:nvSpPr>
-              <p:cNvPr id="52" name="Rectangle 51"/>
-              <p:cNvSpPr/>
-              <p:nvPr/>
-            </p:nvSpPr>
-            <p:spPr>
-              <a:xfrm>
-                <a:off x="1734500" y="2654551"/>
-                <a:ext cx="1279144" cy="851203"/>
-              </a:xfrm>
-              <a:prstGeom prst="rect">
-                <a:avLst/>
-              </a:prstGeom>
-              <a:noFill/>
-              <a:ln w="25400">
-                <a:solidFill>
-                  <a:schemeClr val="tx1"/>
-                </a:solidFill>
-              </a:ln>
-            </p:spPr>
-            <p:style>
-              <a:lnRef idx="1">
-                <a:schemeClr val="accent1"/>
-              </a:lnRef>
-              <a:fillRef idx="3">
-                <a:schemeClr val="accent1"/>
-              </a:fillRef>
-              <a:effectRef idx="2">
-                <a:schemeClr val="accent1"/>
-              </a:effectRef>
-              <a:fontRef idx="minor">
-                <a:schemeClr val="lt1"/>
-              </a:fontRef>
-            </p:style>
-            <p:txBody>
-              <a:bodyPr rtlCol="0" anchor="ctr"/>
-              <a:lstStyle/>
-              <a:p>
-                <a:pPr algn="ctr"/>
-                <a:endParaRPr lang="en-US"/>
-              </a:p>
-            </p:txBody>
-          </p:sp>
-          <p:sp>
-            <p:nvSpPr>
-              <p:cNvPr id="53" name="TextBox 52"/>
-              <p:cNvSpPr txBox="1"/>
-              <p:nvPr/>
-            </p:nvSpPr>
-            <p:spPr>
-              <a:xfrm>
-                <a:off x="1734499" y="2663681"/>
-                <a:ext cx="1297232" cy="301462"/>
-              </a:xfrm>
-              <a:prstGeom prst="rect">
-                <a:avLst/>
-              </a:prstGeom>
-              <a:noFill/>
-              <a:ln>
-                <a:solidFill>
-                  <a:schemeClr val="tx1"/>
-                </a:solidFill>
-              </a:ln>
-            </p:spPr>
-            <p:txBody>
-              <a:bodyPr wrap="square" rtlCol="0">
-                <a:spAutoFit/>
-              </a:bodyPr>
-              <a:lstStyle/>
-              <a:p>
-                <a:r>
-                  <a:rPr lang="en-US" sz="900" b="1" dirty="0" smtClean="0"/>
-                  <a:t>Monitor</a:t>
-                </a:r>
-              </a:p>
-            </p:txBody>
-          </p:sp>
-        </p:grpSp>
-        <p:sp>
-          <p:nvSpPr>
-            <p:cNvPr id="50" name="TextBox 49"/>
-            <p:cNvSpPr txBox="1"/>
-            <p:nvPr/>
-          </p:nvSpPr>
-          <p:spPr>
-            <a:xfrm>
-              <a:off x="1324214" y="2326864"/>
-              <a:ext cx="348825" cy="200055"/>
-            </a:xfrm>
-            <a:prstGeom prst="rect">
-              <a:avLst/>
-            </a:prstGeom>
-            <a:noFill/>
-            <a:ln>
-              <a:solidFill>
-                <a:schemeClr val="tx1"/>
-              </a:solidFill>
-            </a:ln>
-          </p:spPr>
-          <p:txBody>
-            <a:bodyPr wrap="square" rtlCol="0">
-              <a:spAutoFit/>
-            </a:bodyPr>
-            <a:lstStyle/>
-            <a:p>
-              <a:r>
-                <a:rPr lang="en-US" sz="700" dirty="0" smtClean="0"/>
-                <a:t>get</a:t>
-              </a:r>
-            </a:p>
-          </p:txBody>
-        </p:sp>
-        <p:cxnSp>
-          <p:nvCxnSpPr>
-            <p:cNvPr id="51" name="Straight Arrow Connector 50"/>
-            <p:cNvCxnSpPr>
-              <a:stCxn id="54" idx="5"/>
-              <a:endCxn id="50" idx="1"/>
-            </p:cNvCxnSpPr>
-            <p:nvPr/>
-          </p:nvCxnSpPr>
-          <p:spPr>
-            <a:xfrm>
-              <a:off x="951500" y="2257270"/>
-              <a:ext cx="372714" cy="169622"/>
-            </a:xfrm>
-            <a:prstGeom prst="straightConnector1">
-              <a:avLst/>
-            </a:prstGeom>
-            <a:ln>
-              <a:solidFill>
-                <a:schemeClr val="tx1"/>
-              </a:solidFill>
-              <a:tailEnd type="arrow"/>
-            </a:ln>
-          </p:spPr>
-          <p:style>
-            <a:lnRef idx="2">
-              <a:schemeClr val="accent1"/>
-            </a:lnRef>
-            <a:fillRef idx="0">
-              <a:schemeClr val="accent1"/>
-            </a:fillRef>
-            <a:effectRef idx="1">
-              <a:schemeClr val="accent1"/>
-            </a:effectRef>
-            <a:fontRef idx="minor">
-              <a:schemeClr val="tx1"/>
-            </a:fontRef>
-          </p:style>
-        </p:cxnSp>
-      </p:grpSp>
-      <p:grpSp>
-        <p:nvGrpSpPr>
-          <p:cNvPr id="56" name="Group 55"/>
-          <p:cNvGrpSpPr/>
-          <p:nvPr/>
-        </p:nvGrpSpPr>
-        <p:grpSpPr>
-          <a:xfrm>
-            <a:off x="463167" y="3059511"/>
-            <a:ext cx="2030831" cy="711608"/>
-            <a:chOff x="256166" y="1949935"/>
-            <a:chExt cx="2030831" cy="711608"/>
-          </a:xfrm>
-        </p:grpSpPr>
-        <p:sp>
-          <p:nvSpPr>
-            <p:cNvPr id="57" name="TextBox 56"/>
-            <p:cNvSpPr txBox="1"/>
-            <p:nvPr/>
-          </p:nvSpPr>
-          <p:spPr>
-            <a:xfrm>
-              <a:off x="1938172" y="2330194"/>
-              <a:ext cx="348825" cy="200055"/>
-            </a:xfrm>
-            <a:prstGeom prst="rect">
-              <a:avLst/>
-            </a:prstGeom>
-            <a:noFill/>
-            <a:ln>
-              <a:solidFill>
-                <a:schemeClr val="tx1"/>
-              </a:solidFill>
-            </a:ln>
-          </p:spPr>
-          <p:txBody>
-            <a:bodyPr wrap="square" rtlCol="0">
-              <a:spAutoFit/>
-            </a:bodyPr>
-            <a:lstStyle/>
-            <a:p>
-              <a:r>
-                <a:rPr lang="en-US" sz="700" dirty="0" smtClean="0"/>
-                <a:t>put</a:t>
-              </a:r>
-            </a:p>
-          </p:txBody>
-        </p:sp>
-        <p:grpSp>
-          <p:nvGrpSpPr>
-            <p:cNvPr id="58" name="Group 57"/>
-            <p:cNvGrpSpPr/>
-            <p:nvPr/>
-          </p:nvGrpSpPr>
-          <p:grpSpPr>
-            <a:xfrm>
-              <a:off x="256166" y="1949935"/>
-              <a:ext cx="921099" cy="360065"/>
-              <a:chOff x="423325" y="2504492"/>
-              <a:chExt cx="921099" cy="360065"/>
-            </a:xfrm>
-          </p:grpSpPr>
-          <p:sp>
-            <p:nvSpPr>
-              <p:cNvPr id="64" name="Oval 63"/>
-              <p:cNvSpPr/>
-              <p:nvPr/>
-            </p:nvSpPr>
-            <p:spPr>
-              <a:xfrm>
-                <a:off x="423325" y="2504492"/>
-                <a:ext cx="814634" cy="360065"/>
-              </a:xfrm>
-              <a:prstGeom prst="ellipse">
-                <a:avLst/>
-              </a:prstGeom>
-              <a:noFill/>
-              <a:ln w="22225">
-                <a:solidFill>
-                  <a:schemeClr val="tx1"/>
-                </a:solidFill>
-                <a:prstDash val="dash"/>
-              </a:ln>
-            </p:spPr>
-            <p:style>
-              <a:lnRef idx="1">
-                <a:schemeClr val="accent1"/>
-              </a:lnRef>
-              <a:fillRef idx="3">
-                <a:schemeClr val="accent1"/>
-              </a:fillRef>
-              <a:effectRef idx="2">
-                <a:schemeClr val="accent1"/>
-              </a:effectRef>
-              <a:fontRef idx="minor">
-                <a:schemeClr val="lt1"/>
-              </a:fontRef>
-            </p:style>
-            <p:txBody>
-              <a:bodyPr rtlCol="0" anchor="ctr"/>
-              <a:lstStyle/>
-              <a:p>
-                <a:pPr algn="ctr"/>
-                <a:endParaRPr lang="en-US"/>
-              </a:p>
-            </p:txBody>
-          </p:sp>
-          <p:sp>
-            <p:nvSpPr>
-              <p:cNvPr id="65" name="TextBox 64"/>
-              <p:cNvSpPr txBox="1"/>
-              <p:nvPr/>
-            </p:nvSpPr>
-            <p:spPr>
-              <a:xfrm>
-                <a:off x="423325" y="2521250"/>
-                <a:ext cx="921099" cy="230832"/>
-              </a:xfrm>
-              <a:prstGeom prst="rect">
-                <a:avLst/>
-              </a:prstGeom>
-              <a:noFill/>
-              <a:ln>
-                <a:noFill/>
-              </a:ln>
-            </p:spPr>
-            <p:txBody>
-              <a:bodyPr wrap="square" rtlCol="0">
-                <a:spAutoFit/>
-              </a:bodyPr>
-              <a:lstStyle/>
-              <a:p>
-                <a:r>
-                  <a:rPr lang="en-US" sz="900" dirty="0" smtClean="0"/>
-                  <a:t>Plotter thread</a:t>
-                </a:r>
-                <a:endParaRPr lang="en-US" sz="1000" dirty="0" smtClean="0"/>
-              </a:p>
-            </p:txBody>
-          </p:sp>
-        </p:grpSp>
-        <p:grpSp>
-          <p:nvGrpSpPr>
-            <p:cNvPr id="59" name="Group 58"/>
-            <p:cNvGrpSpPr/>
-            <p:nvPr/>
-          </p:nvGrpSpPr>
-          <p:grpSpPr>
-            <a:xfrm>
-              <a:off x="1324213" y="2009769"/>
-              <a:ext cx="962784" cy="651774"/>
-              <a:chOff x="1734499" y="2654551"/>
-              <a:chExt cx="1279145" cy="851203"/>
-            </a:xfrm>
-          </p:grpSpPr>
-          <p:sp>
-            <p:nvSpPr>
-              <p:cNvPr id="62" name="Rectangle 61"/>
-              <p:cNvSpPr/>
-              <p:nvPr/>
-            </p:nvSpPr>
-            <p:spPr>
-              <a:xfrm>
-                <a:off x="1734500" y="2654551"/>
-                <a:ext cx="1279144" cy="851203"/>
-              </a:xfrm>
-              <a:prstGeom prst="rect">
-                <a:avLst/>
-              </a:prstGeom>
-              <a:noFill/>
-              <a:ln w="25400">
-                <a:solidFill>
-                  <a:schemeClr val="tx1"/>
-                </a:solidFill>
-              </a:ln>
-            </p:spPr>
-            <p:style>
-              <a:lnRef idx="1">
-                <a:schemeClr val="accent1"/>
-              </a:lnRef>
-              <a:fillRef idx="3">
-                <a:schemeClr val="accent1"/>
-              </a:fillRef>
-              <a:effectRef idx="2">
-                <a:schemeClr val="accent1"/>
-              </a:effectRef>
-              <a:fontRef idx="minor">
-                <a:schemeClr val="lt1"/>
-              </a:fontRef>
-            </p:style>
-            <p:txBody>
-              <a:bodyPr rtlCol="0" anchor="ctr"/>
-              <a:lstStyle/>
-              <a:p>
-                <a:pPr algn="ctr"/>
-                <a:endParaRPr lang="en-US"/>
-              </a:p>
-            </p:txBody>
-          </p:sp>
-          <p:sp>
-            <p:nvSpPr>
-              <p:cNvPr id="63" name="TextBox 62"/>
-              <p:cNvSpPr txBox="1"/>
-              <p:nvPr/>
-            </p:nvSpPr>
-            <p:spPr>
-              <a:xfrm>
-                <a:off x="1734499" y="2673732"/>
-                <a:ext cx="1279145" cy="301462"/>
-              </a:xfrm>
-              <a:prstGeom prst="rect">
-                <a:avLst/>
-              </a:prstGeom>
-              <a:noFill/>
-              <a:ln>
-                <a:solidFill>
-                  <a:schemeClr val="tx1"/>
-                </a:solidFill>
-              </a:ln>
-            </p:spPr>
-            <p:txBody>
-              <a:bodyPr wrap="square" rtlCol="0">
-                <a:spAutoFit/>
-              </a:bodyPr>
-              <a:lstStyle/>
-              <a:p>
-                <a:r>
-                  <a:rPr lang="en-US" sz="900" b="1" dirty="0" smtClean="0"/>
-                  <a:t>Monitor</a:t>
-                </a:r>
-              </a:p>
-            </p:txBody>
-          </p:sp>
-        </p:grpSp>
-        <p:sp>
-          <p:nvSpPr>
-            <p:cNvPr id="60" name="TextBox 59"/>
-            <p:cNvSpPr txBox="1"/>
-            <p:nvPr/>
-          </p:nvSpPr>
-          <p:spPr>
-            <a:xfrm>
-              <a:off x="1324214" y="2326864"/>
-              <a:ext cx="348825" cy="200055"/>
-            </a:xfrm>
-            <a:prstGeom prst="rect">
-              <a:avLst/>
-            </a:prstGeom>
-            <a:noFill/>
-            <a:ln>
-              <a:solidFill>
-                <a:schemeClr val="tx1"/>
-              </a:solidFill>
-            </a:ln>
-          </p:spPr>
-          <p:txBody>
-            <a:bodyPr wrap="square" rtlCol="0">
-              <a:spAutoFit/>
-            </a:bodyPr>
-            <a:lstStyle/>
-            <a:p>
-              <a:r>
-                <a:rPr lang="en-US" sz="700" dirty="0" smtClean="0"/>
-                <a:t>get</a:t>
-              </a:r>
-            </a:p>
-          </p:txBody>
-        </p:sp>
-        <p:cxnSp>
-          <p:nvCxnSpPr>
-            <p:cNvPr id="61" name="Straight Arrow Connector 60"/>
-            <p:cNvCxnSpPr>
-              <a:stCxn id="64" idx="5"/>
-              <a:endCxn id="60" idx="1"/>
-            </p:cNvCxnSpPr>
-            <p:nvPr/>
-          </p:nvCxnSpPr>
-          <p:spPr>
-            <a:xfrm>
-              <a:off x="951500" y="2257270"/>
-              <a:ext cx="372714" cy="169622"/>
-            </a:xfrm>
-            <a:prstGeom prst="straightConnector1">
-              <a:avLst/>
-            </a:prstGeom>
-            <a:ln>
-              <a:solidFill>
-                <a:schemeClr val="tx1"/>
-              </a:solidFill>
-              <a:tailEnd type="arrow"/>
-            </a:ln>
-          </p:spPr>
-          <p:style>
-            <a:lnRef idx="2">
-              <a:schemeClr val="accent1"/>
-            </a:lnRef>
-            <a:fillRef idx="0">
-              <a:schemeClr val="accent1"/>
-            </a:fillRef>
-            <a:effectRef idx="1">
-              <a:schemeClr val="accent1"/>
-            </a:effectRef>
-            <a:fontRef idx="minor">
-              <a:schemeClr val="tx1"/>
-            </a:fontRef>
-          </p:style>
-        </p:cxnSp>
-      </p:grpSp>
-      <p:sp>
-        <p:nvSpPr>
-          <p:cNvPr id="66" name="TextBox 65"/>
-          <p:cNvSpPr txBox="1"/>
-          <p:nvPr/>
-        </p:nvSpPr>
-        <p:spPr>
-          <a:xfrm>
-            <a:off x="2214941" y="2715920"/>
-            <a:ext cx="813538" cy="200055"/>
-          </a:xfrm>
-          <a:prstGeom prst="rect">
-            <a:avLst/>
-          </a:prstGeom>
-          <a:noFill/>
-          <a:ln>
-            <a:solidFill>
-              <a:schemeClr val="tx1"/>
-            </a:solidFill>
-          </a:ln>
-        </p:spPr>
-        <p:txBody>
-          <a:bodyPr wrap="square" rtlCol="0">
-            <a:spAutoFit/>
-          </a:bodyPr>
-          <a:lstStyle/>
-          <a:p>
-            <a:r>
-              <a:rPr lang="en-US" sz="700" dirty="0" err="1" smtClean="0"/>
-              <a:t>putRLSDataPoint</a:t>
-            </a:r>
-            <a:endParaRPr lang="en-US" sz="700" dirty="0" smtClean="0"/>
-          </a:p>
-        </p:txBody>
-      </p:sp>
-      <p:sp>
-        <p:nvSpPr>
-          <p:cNvPr id="67" name="TextBox 66"/>
-          <p:cNvSpPr txBox="1"/>
-          <p:nvPr/>
-        </p:nvSpPr>
-        <p:spPr>
-          <a:xfrm>
-            <a:off x="1813795" y="1526778"/>
-            <a:ext cx="1201720" cy="200055"/>
-          </a:xfrm>
-          <a:prstGeom prst="rect">
-            <a:avLst/>
-          </a:prstGeom>
-          <a:noFill/>
-          <a:ln>
-            <a:solidFill>
-              <a:schemeClr val="tx1"/>
-            </a:solidFill>
-          </a:ln>
-        </p:spPr>
-        <p:txBody>
-          <a:bodyPr wrap="square" rtlCol="0">
-            <a:spAutoFit/>
-          </a:bodyPr>
-          <a:lstStyle/>
-          <a:p>
-            <a:r>
-              <a:rPr lang="en-US" sz="700" dirty="0" err="1" smtClean="0"/>
-              <a:t>putMeasurementDataPoint</a:t>
-            </a:r>
-            <a:endParaRPr lang="en-US" sz="700" dirty="0" smtClean="0"/>
-          </a:p>
-        </p:txBody>
-      </p:sp>
-      <p:cxnSp>
-        <p:nvCxnSpPr>
-          <p:cNvPr id="69" name="Elbow Connector 68"/>
-          <p:cNvCxnSpPr>
-            <a:stCxn id="13" idx="3"/>
-            <a:endCxn id="67" idx="1"/>
-          </p:cNvCxnSpPr>
-          <p:nvPr/>
-        </p:nvCxnSpPr>
-        <p:spPr>
-          <a:xfrm flipH="1">
-            <a:off x="1813795" y="1091143"/>
-            <a:ext cx="613958" cy="535663"/>
-          </a:xfrm>
-          <a:prstGeom prst="bentConnector5">
-            <a:avLst>
-              <a:gd name="adj1" fmla="val -37234"/>
-              <a:gd name="adj2" fmla="val 62932"/>
-              <a:gd name="adj3" fmla="val 137234"/>
-            </a:avLst>
-          </a:prstGeom>
-          <a:ln>
-            <a:solidFill>
-              <a:schemeClr val="tx1"/>
-            </a:solidFill>
-            <a:tailEnd type="arrow"/>
-          </a:ln>
-        </p:spPr>
-        <p:style>
-          <a:lnRef idx="2">
-            <a:schemeClr val="accent1"/>
-          </a:lnRef>
-          <a:fillRef idx="0">
-            <a:schemeClr val="accent1"/>
-          </a:fillRef>
-          <a:effectRef idx="1">
-            <a:schemeClr val="accent1"/>
-          </a:effectRef>
-          <a:fontRef idx="minor">
-            <a:schemeClr val="tx1"/>
-          </a:fontRef>
-        </p:style>
-      </p:cxnSp>
-      <p:cxnSp>
-        <p:nvCxnSpPr>
-          <p:cNvPr id="71" name="Elbow Connector 70"/>
-          <p:cNvCxnSpPr>
-            <a:stCxn id="47" idx="3"/>
-            <a:endCxn id="66" idx="1"/>
-          </p:cNvCxnSpPr>
-          <p:nvPr/>
-        </p:nvCxnSpPr>
-        <p:spPr>
-          <a:xfrm flipH="1">
-            <a:off x="2214941" y="2341731"/>
-            <a:ext cx="265443" cy="474217"/>
-          </a:xfrm>
-          <a:prstGeom prst="bentConnector5">
-            <a:avLst>
-              <a:gd name="adj1" fmla="val -86120"/>
-              <a:gd name="adj2" fmla="val 62985"/>
-              <a:gd name="adj3" fmla="val 186120"/>
-            </a:avLst>
-          </a:prstGeom>
-          <a:ln>
-            <a:solidFill>
-              <a:schemeClr val="tx1"/>
-            </a:solidFill>
-            <a:tailEnd type="arrow"/>
-          </a:ln>
-        </p:spPr>
-        <p:style>
-          <a:lnRef idx="2">
-            <a:schemeClr val="accent1"/>
-          </a:lnRef>
-          <a:fillRef idx="0">
-            <a:schemeClr val="accent1"/>
-          </a:fillRef>
-          <a:effectRef idx="1">
-            <a:schemeClr val="accent1"/>
-          </a:effectRef>
-          <a:fontRef idx="minor">
-            <a:schemeClr val="tx1"/>
-          </a:fontRef>
-        </p:style>
-      </p:cxnSp>
-      <p:cxnSp>
-        <p:nvCxnSpPr>
-          <p:cNvPr id="78" name="Straight Arrow Connector 77"/>
-          <p:cNvCxnSpPr>
-            <a:stCxn id="10" idx="2"/>
-            <a:endCxn id="76" idx="3"/>
-          </p:cNvCxnSpPr>
-          <p:nvPr/>
-        </p:nvCxnSpPr>
-        <p:spPr>
-          <a:xfrm flipH="1">
-            <a:off x="4915361" y="3264811"/>
-            <a:ext cx="1130817" cy="0"/>
-          </a:xfrm>
-          <a:prstGeom prst="straightConnector1">
-            <a:avLst/>
-          </a:prstGeom>
-          <a:ln>
-            <a:solidFill>
-              <a:schemeClr val="tx1"/>
-            </a:solidFill>
-            <a:tailEnd type="arrow"/>
-          </a:ln>
-        </p:spPr>
-        <p:style>
-          <a:lnRef idx="2">
-            <a:schemeClr val="accent1"/>
-          </a:lnRef>
-          <a:fillRef idx="0">
-            <a:schemeClr val="accent1"/>
-          </a:fillRef>
-          <a:effectRef idx="1">
-            <a:schemeClr val="accent1"/>
-          </a:effectRef>
-          <a:fontRef idx="minor">
-            <a:schemeClr val="tx1"/>
-          </a:fontRef>
-        </p:style>
-      </p:cxnSp>
-      <p:sp>
-        <p:nvSpPr>
-          <p:cNvPr id="80" name="TextBox 79"/>
-          <p:cNvSpPr txBox="1"/>
-          <p:nvPr/>
-        </p:nvSpPr>
-        <p:spPr>
-          <a:xfrm>
-            <a:off x="6046178" y="3079935"/>
-            <a:ext cx="921099" cy="369332"/>
-          </a:xfrm>
-          <a:prstGeom prst="rect">
-            <a:avLst/>
-          </a:prstGeom>
-          <a:noFill/>
-          <a:ln>
-            <a:noFill/>
-          </a:ln>
-        </p:spPr>
-        <p:txBody>
-          <a:bodyPr wrap="square" rtlCol="0">
-            <a:spAutoFit/>
-          </a:bodyPr>
-          <a:lstStyle/>
-          <a:p>
-            <a:r>
-              <a:rPr lang="en-US" sz="900" dirty="0" smtClean="0"/>
-              <a:t>Controller thread</a:t>
-            </a:r>
-            <a:endParaRPr lang="en-US" sz="1000" dirty="0" smtClean="0"/>
-          </a:p>
-        </p:txBody>
-      </p:sp>
-      <p:cxnSp>
-        <p:nvCxnSpPr>
-          <p:cNvPr id="85" name="Elbow Connector 84"/>
-          <p:cNvCxnSpPr>
-            <a:stCxn id="57" idx="3"/>
-            <a:endCxn id="42" idx="1"/>
-          </p:cNvCxnSpPr>
-          <p:nvPr/>
-        </p:nvCxnSpPr>
-        <p:spPr>
-          <a:xfrm flipH="1">
-            <a:off x="2078928" y="3539798"/>
-            <a:ext cx="415070" cy="434835"/>
-          </a:xfrm>
-          <a:prstGeom prst="bentConnector5">
-            <a:avLst>
-              <a:gd name="adj1" fmla="val -55075"/>
-              <a:gd name="adj2" fmla="val 64161"/>
-              <a:gd name="adj3" fmla="val 155075"/>
-            </a:avLst>
-          </a:prstGeom>
-          <a:ln>
-            <a:solidFill>
-              <a:schemeClr val="tx1"/>
-            </a:solidFill>
-            <a:tailEnd type="arrow"/>
-          </a:ln>
-        </p:spPr>
-        <p:style>
-          <a:lnRef idx="2">
-            <a:schemeClr val="accent1"/>
-          </a:lnRef>
-          <a:fillRef idx="0">
-            <a:schemeClr val="accent1"/>
-          </a:fillRef>
-          <a:effectRef idx="1">
-            <a:schemeClr val="accent1"/>
-          </a:effectRef>
-          <a:fontRef idx="minor">
-            <a:schemeClr val="tx1"/>
-          </a:fontRef>
-        </p:style>
-      </p:cxnSp>
-      <p:grpSp>
-        <p:nvGrpSpPr>
-          <p:cNvPr id="22" name="Group 21"/>
-          <p:cNvGrpSpPr/>
-          <p:nvPr/>
-        </p:nvGrpSpPr>
-        <p:grpSpPr>
-          <a:xfrm>
-            <a:off x="3388255" y="610856"/>
-            <a:ext cx="1542621" cy="3375488"/>
-            <a:chOff x="312875" y="2053440"/>
-            <a:chExt cx="1548538" cy="1780535"/>
-          </a:xfrm>
-        </p:grpSpPr>
-        <p:sp>
-          <p:nvSpPr>
-            <p:cNvPr id="6" name="Rectangle 5"/>
+            <p:cNvPr id="15" name="Oval 14"/>
             <p:cNvSpPr/>
             <p:nvPr/>
           </p:nvSpPr>
           <p:spPr>
             <a:xfrm>
-              <a:off x="312876" y="2053440"/>
-              <a:ext cx="1548537" cy="1780535"/>
+              <a:off x="3464564" y="5134039"/>
+              <a:ext cx="1466310" cy="391388"/>
             </a:xfrm>
-            <a:prstGeom prst="rect">
+            <a:prstGeom prst="ellipse">
               <a:avLst/>
             </a:prstGeom>
             <a:noFill/>
-            <a:ln w="25400">
+            <a:ln w="22225">
               <a:solidFill>
                 <a:schemeClr val="tx1"/>
               </a:solidFill>
+              <a:prstDash val="dash"/>
             </a:ln>
           </p:spPr>
           <p:style>
@@ -5289,23 +3795,21 @@
         </p:sp>
         <p:sp>
           <p:nvSpPr>
-            <p:cNvPr id="19" name="TextBox 18"/>
+            <p:cNvPr id="17" name="TextBox 16"/>
             <p:cNvSpPr txBox="1"/>
             <p:nvPr/>
           </p:nvSpPr>
           <p:spPr>
             <a:xfrm>
-              <a:off x="312875" y="2053441"/>
-              <a:ext cx="1548538" cy="130601"/>
+              <a:off x="3733337" y="5157583"/>
+              <a:ext cx="1086545" cy="276999"/>
             </a:xfrm>
             <a:prstGeom prst="rect">
               <a:avLst/>
             </a:prstGeom>
             <a:noFill/>
             <a:ln>
-              <a:solidFill>
-                <a:schemeClr val="tx1"/>
-              </a:solidFill>
+              <a:noFill/>
             </a:ln>
           </p:spPr>
           <p:txBody>
@@ -5315,458 +3819,35 @@
             <a:lstStyle/>
             <a:p>
               <a:r>
-                <a:rPr lang="en-US" sz="1000" b="1" dirty="0" err="1" smtClean="0"/>
-                <a:t>CommunicationManager</a:t>
+                <a:rPr lang="en-US" sz="1200" dirty="0" smtClean="0"/>
+                <a:t>App thread</a:t>
               </a:r>
-              <a:endParaRPr lang="en-US" sz="1000" b="1" dirty="0" smtClean="0"/>
             </a:p>
           </p:txBody>
         </p:sp>
-      </p:grpSp>
-      <p:sp>
-        <p:nvSpPr>
-          <p:cNvPr id="76" name="TextBox 75"/>
-          <p:cNvSpPr txBox="1"/>
-          <p:nvPr/>
-        </p:nvSpPr>
-        <p:spPr>
-          <a:xfrm>
-            <a:off x="4356173" y="3162776"/>
-            <a:ext cx="559188" cy="204070"/>
-          </a:xfrm>
-          <a:prstGeom prst="rect">
-            <a:avLst/>
-          </a:prstGeom>
-          <a:noFill/>
-          <a:ln>
-            <a:solidFill>
-              <a:schemeClr val="tx1"/>
-            </a:solidFill>
-          </a:ln>
-        </p:spPr>
-        <p:txBody>
-          <a:bodyPr wrap="square" rtlCol="0">
-            <a:spAutoFit/>
-          </a:bodyPr>
-          <a:lstStyle/>
-          <a:p>
-            <a:r>
-              <a:rPr lang="en-US" sz="700" dirty="0" err="1" smtClean="0"/>
-              <a:t>readInput</a:t>
-            </a:r>
-            <a:endParaRPr lang="en-US" sz="700" dirty="0" smtClean="0"/>
-          </a:p>
-        </p:txBody>
-      </p:sp>
-      <p:sp>
-        <p:nvSpPr>
-          <p:cNvPr id="94" name="TextBox 93"/>
-          <p:cNvSpPr txBox="1"/>
-          <p:nvPr/>
-        </p:nvSpPr>
-        <p:spPr>
-          <a:xfrm>
-            <a:off x="4251219" y="2715920"/>
-            <a:ext cx="685805" cy="200055"/>
-          </a:xfrm>
-          <a:prstGeom prst="rect">
-            <a:avLst/>
-          </a:prstGeom>
-          <a:noFill/>
-          <a:ln>
-            <a:solidFill>
-              <a:schemeClr val="tx1"/>
-            </a:solidFill>
-          </a:ln>
-        </p:spPr>
-        <p:txBody>
-          <a:bodyPr wrap="square" rtlCol="0">
-            <a:spAutoFit/>
-          </a:bodyPr>
-          <a:lstStyle/>
-          <a:p>
-            <a:r>
-              <a:rPr lang="en-US" sz="700" dirty="0" err="1" smtClean="0"/>
-              <a:t>writeOutput</a:t>
-            </a:r>
-            <a:endParaRPr lang="en-US" sz="700" dirty="0" smtClean="0"/>
-          </a:p>
-        </p:txBody>
-      </p:sp>
-      <p:sp>
-        <p:nvSpPr>
-          <p:cNvPr id="98" name="TextBox 97"/>
-          <p:cNvSpPr txBox="1"/>
-          <p:nvPr/>
-        </p:nvSpPr>
-        <p:spPr>
-          <a:xfrm>
-            <a:off x="5533277" y="1884051"/>
-            <a:ext cx="1161604" cy="200055"/>
-          </a:xfrm>
-          <a:prstGeom prst="rect">
-            <a:avLst/>
-          </a:prstGeom>
-          <a:noFill/>
-          <a:ln>
-            <a:solidFill>
-              <a:schemeClr val="tx1"/>
-            </a:solidFill>
-          </a:ln>
-        </p:spPr>
-        <p:txBody>
-          <a:bodyPr wrap="square" rtlCol="0">
-            <a:spAutoFit/>
-          </a:bodyPr>
-          <a:lstStyle/>
-          <a:p>
-            <a:r>
-              <a:rPr lang="en-US" sz="700" dirty="0" err="1" smtClean="0"/>
-              <a:t>setControllerParameters</a:t>
-            </a:r>
-            <a:endParaRPr lang="en-US" sz="700" dirty="0" smtClean="0"/>
-          </a:p>
-        </p:txBody>
-      </p:sp>
-      <p:sp>
-        <p:nvSpPr>
-          <p:cNvPr id="99" name="TextBox 98"/>
-          <p:cNvSpPr txBox="1"/>
-          <p:nvPr/>
-        </p:nvSpPr>
-        <p:spPr>
-          <a:xfrm>
-            <a:off x="5528558" y="2203934"/>
-            <a:ext cx="889977" cy="200055"/>
-          </a:xfrm>
-          <a:prstGeom prst="rect">
-            <a:avLst/>
-          </a:prstGeom>
-          <a:noFill/>
-          <a:ln>
-            <a:solidFill>
-              <a:schemeClr val="tx1"/>
-            </a:solidFill>
-          </a:ln>
-        </p:spPr>
-        <p:txBody>
-          <a:bodyPr wrap="square" rtlCol="0">
-            <a:spAutoFit/>
-          </a:bodyPr>
-          <a:lstStyle/>
-          <a:p>
-            <a:r>
-              <a:rPr lang="en-US" sz="700" dirty="0" err="1" smtClean="0"/>
-              <a:t>setRLSParameters</a:t>
-            </a:r>
-            <a:endParaRPr lang="en-US" sz="700" dirty="0" smtClean="0"/>
-          </a:p>
-        </p:txBody>
-      </p:sp>
-      <p:sp>
-        <p:nvSpPr>
-          <p:cNvPr id="103" name="TextBox 102"/>
-          <p:cNvSpPr txBox="1"/>
-          <p:nvPr/>
-        </p:nvSpPr>
-        <p:spPr>
-          <a:xfrm>
-            <a:off x="7342261" y="1882687"/>
-            <a:ext cx="1099400" cy="200055"/>
-          </a:xfrm>
-          <a:prstGeom prst="rect">
-            <a:avLst/>
-          </a:prstGeom>
-          <a:noFill/>
-          <a:ln>
-            <a:solidFill>
-              <a:schemeClr val="tx1"/>
-            </a:solidFill>
-          </a:ln>
-        </p:spPr>
-        <p:txBody>
-          <a:bodyPr wrap="square" rtlCol="0">
-            <a:spAutoFit/>
-          </a:bodyPr>
-          <a:lstStyle/>
-          <a:p>
-            <a:r>
-              <a:rPr lang="en-US" sz="700" dirty="0" err="1" smtClean="0"/>
-              <a:t>setControllerParameters</a:t>
-            </a:r>
-            <a:endParaRPr lang="en-US" sz="700" dirty="0" smtClean="0"/>
-          </a:p>
-        </p:txBody>
-      </p:sp>
-      <p:sp>
-        <p:nvSpPr>
-          <p:cNvPr id="105" name="TextBox 104"/>
-          <p:cNvSpPr txBox="1"/>
-          <p:nvPr/>
-        </p:nvSpPr>
-        <p:spPr>
-          <a:xfrm>
-            <a:off x="8312727" y="2155152"/>
-            <a:ext cx="184666" cy="369332"/>
-          </a:xfrm>
-          <a:prstGeom prst="rect">
-            <a:avLst/>
-          </a:prstGeom>
-          <a:noFill/>
-        </p:spPr>
-        <p:txBody>
-          <a:bodyPr wrap="none" rtlCol="0">
-            <a:spAutoFit/>
-          </a:bodyPr>
-          <a:lstStyle/>
-          <a:p>
-            <a:endParaRPr lang="en-US" dirty="0"/>
-          </a:p>
-        </p:txBody>
-      </p:sp>
-      <p:cxnSp>
-        <p:nvCxnSpPr>
-          <p:cNvPr id="110" name="Straight Arrow Connector 109"/>
-          <p:cNvCxnSpPr>
-            <a:stCxn id="98" idx="3"/>
-            <a:endCxn id="103" idx="1"/>
-          </p:cNvCxnSpPr>
-          <p:nvPr/>
-        </p:nvCxnSpPr>
-        <p:spPr>
-          <a:xfrm flipV="1">
-            <a:off x="6694881" y="1982715"/>
-            <a:ext cx="647380" cy="1364"/>
-          </a:xfrm>
-          <a:prstGeom prst="straightConnector1">
-            <a:avLst/>
-          </a:prstGeom>
-          <a:ln>
-            <a:solidFill>
-              <a:schemeClr val="tx1"/>
-            </a:solidFill>
-            <a:tailEnd type="arrow"/>
-          </a:ln>
-        </p:spPr>
-        <p:style>
-          <a:lnRef idx="2">
-            <a:schemeClr val="accent1"/>
-          </a:lnRef>
-          <a:fillRef idx="0">
-            <a:schemeClr val="accent1"/>
-          </a:fillRef>
-          <a:effectRef idx="1">
-            <a:schemeClr val="accent1"/>
-          </a:effectRef>
-          <a:fontRef idx="minor">
-            <a:schemeClr val="tx1"/>
-          </a:fontRef>
-        </p:style>
-      </p:cxnSp>
-      <p:sp>
-        <p:nvSpPr>
-          <p:cNvPr id="143" name="Freeform 142"/>
-          <p:cNvSpPr/>
-          <p:nvPr/>
-        </p:nvSpPr>
-        <p:spPr>
-          <a:xfrm>
-            <a:off x="4913582" y="2799050"/>
-            <a:ext cx="1290857" cy="303317"/>
-          </a:xfrm>
-          <a:custGeom>
-            <a:avLst/>
-            <a:gdLst>
-              <a:gd name="connsiteX0" fmla="*/ 1290857 w 1290857"/>
-              <a:gd name="connsiteY0" fmla="*/ 303317 h 303317"/>
-              <a:gd name="connsiteX1" fmla="*/ 728710 w 1290857"/>
-              <a:gd name="connsiteY1" fmla="*/ 32640 h 303317"/>
-              <a:gd name="connsiteX2" fmla="*/ 0 w 1290857"/>
-              <a:gd name="connsiteY2" fmla="*/ 1408 h 303317"/>
-            </a:gdLst>
-            <a:ahLst/>
-            <a:cxnLst>
-              <a:cxn ang="0">
-                <a:pos x="connsiteX0" y="connsiteY0"/>
-              </a:cxn>
-              <a:cxn ang="0">
-                <a:pos x="connsiteX1" y="connsiteY1"/>
-              </a:cxn>
-              <a:cxn ang="0">
-                <a:pos x="connsiteX2" y="connsiteY2"/>
-              </a:cxn>
-            </a:cxnLst>
-            <a:rect l="l" t="t" r="r" b="b"/>
-            <a:pathLst>
-              <a:path w="1290857" h="303317">
-                <a:moveTo>
-                  <a:pt x="1290857" y="303317"/>
-                </a:moveTo>
-                <a:cubicBezTo>
-                  <a:pt x="1117355" y="193137"/>
-                  <a:pt x="943853" y="82958"/>
-                  <a:pt x="728710" y="32640"/>
-                </a:cubicBezTo>
-                <a:cubicBezTo>
-                  <a:pt x="513567" y="-17678"/>
-                  <a:pt x="83281" y="6613"/>
-                  <a:pt x="0" y="1408"/>
-                </a:cubicBezTo>
-              </a:path>
-            </a:pathLst>
-          </a:custGeom>
-          <a:ln>
-            <a:solidFill>
-              <a:schemeClr val="tx1"/>
-            </a:solidFill>
-            <a:headEnd type="none"/>
-            <a:tailEnd type="arrow"/>
-          </a:ln>
-        </p:spPr>
-        <p:style>
-          <a:lnRef idx="2">
-            <a:schemeClr val="accent1"/>
-          </a:lnRef>
-          <a:fillRef idx="0">
-            <a:schemeClr val="accent1"/>
-          </a:fillRef>
-          <a:effectRef idx="1">
-            <a:schemeClr val="accent1"/>
-          </a:effectRef>
-          <a:fontRef idx="minor">
-            <a:schemeClr val="tx1"/>
-          </a:fontRef>
-        </p:style>
-        <p:txBody>
-          <a:bodyPr rtlCol="0" anchor="ctr"/>
-          <a:lstStyle/>
-          <a:p>
-            <a:pPr algn="ctr"/>
-            <a:endParaRPr lang="en-US"/>
-          </a:p>
-        </p:txBody>
-      </p:sp>
-      <p:sp>
-        <p:nvSpPr>
-          <p:cNvPr id="149" name="Rectangle 148"/>
-          <p:cNvSpPr/>
-          <p:nvPr/>
-        </p:nvSpPr>
-        <p:spPr>
-          <a:xfrm>
-            <a:off x="7331851" y="1526778"/>
-            <a:ext cx="1371878" cy="1320403"/>
-          </a:xfrm>
-          <a:prstGeom prst="rect">
-            <a:avLst/>
-          </a:prstGeom>
-          <a:ln>
-            <a:solidFill>
-              <a:schemeClr val="tx1"/>
-            </a:solidFill>
-            <a:headEnd type="none"/>
-            <a:tailEnd type="arrow"/>
-          </a:ln>
-        </p:spPr>
-        <p:style>
-          <a:lnRef idx="2">
-            <a:schemeClr val="accent1"/>
-          </a:lnRef>
-          <a:fillRef idx="0">
-            <a:schemeClr val="accent1"/>
-          </a:fillRef>
-          <a:effectRef idx="1">
-            <a:schemeClr val="accent1"/>
-          </a:effectRef>
-          <a:fontRef idx="minor">
-            <a:schemeClr val="tx1"/>
-          </a:fontRef>
-        </p:style>
-        <p:txBody>
-          <a:bodyPr rot="0" spcFirstLastPara="0" vertOverflow="overflow" horzOverflow="overflow" vert="horz" wrap="square" lIns="91440" tIns="45720" rIns="91440" bIns="45720" numCol="1" spcCol="0" rtlCol="0" fromWordArt="0" anchor="ctr" anchorCtr="0" forceAA="0" compatLnSpc="1">
-            <a:prstTxWarp prst="textNoShape">
-              <a:avLst/>
-            </a:prstTxWarp>
-            <a:noAutofit/>
-          </a:bodyPr>
-          <a:lstStyle/>
-          <a:p>
-            <a:pPr algn="ctr"/>
-            <a:endParaRPr lang="en-US"/>
-          </a:p>
-        </p:txBody>
-      </p:sp>
-      <p:sp>
-        <p:nvSpPr>
-          <p:cNvPr id="150" name="TextBox 149"/>
-          <p:cNvSpPr txBox="1"/>
-          <p:nvPr/>
-        </p:nvSpPr>
-        <p:spPr>
-          <a:xfrm>
-            <a:off x="7328631" y="1527395"/>
-            <a:ext cx="1375097" cy="230832"/>
-          </a:xfrm>
-          <a:prstGeom prst="rect">
-            <a:avLst/>
-          </a:prstGeom>
-          <a:noFill/>
-          <a:ln>
-            <a:solidFill>
-              <a:schemeClr val="tx1"/>
-            </a:solidFill>
-          </a:ln>
-        </p:spPr>
-        <p:txBody>
-          <a:bodyPr wrap="square" rtlCol="0">
-            <a:spAutoFit/>
-          </a:bodyPr>
-          <a:lstStyle/>
-          <a:p>
-            <a:r>
-              <a:rPr lang="en-US" sz="900" b="1" dirty="0" smtClean="0"/>
-              <a:t>Monitor</a:t>
-            </a:r>
-          </a:p>
-        </p:txBody>
-      </p:sp>
-      <p:grpSp>
-        <p:nvGrpSpPr>
-          <p:cNvPr id="157" name="Group 156"/>
-          <p:cNvGrpSpPr/>
-          <p:nvPr/>
-        </p:nvGrpSpPr>
-        <p:grpSpPr>
-          <a:xfrm>
-            <a:off x="7251655" y="3098473"/>
-            <a:ext cx="1548537" cy="1780535"/>
-            <a:chOff x="7082322" y="3755512"/>
-            <a:chExt cx="1548537" cy="1780535"/>
-          </a:xfrm>
-        </p:grpSpPr>
         <p:grpSp>
           <p:nvGrpSpPr>
-            <p:cNvPr id="26" name="Group 25"/>
+            <p:cNvPr id="28" name="Group 27"/>
             <p:cNvGrpSpPr/>
             <p:nvPr/>
           </p:nvGrpSpPr>
           <p:grpSpPr>
             <a:xfrm>
-              <a:off x="7082322" y="3755512"/>
-              <a:ext cx="1548537" cy="1780535"/>
-              <a:chOff x="270893" y="3987999"/>
-              <a:chExt cx="1548537" cy="1780535"/>
+              <a:off x="7251655" y="1191170"/>
+              <a:ext cx="1548538" cy="1780535"/>
+              <a:chOff x="312875" y="2055064"/>
+              <a:chExt cx="1548538" cy="1780535"/>
             </a:xfrm>
           </p:grpSpPr>
           <p:sp>
             <p:nvSpPr>
-              <p:cNvPr id="24" name="Rectangle 23"/>
+              <p:cNvPr id="21" name="Rectangle 20"/>
               <p:cNvSpPr/>
               <p:nvPr/>
             </p:nvSpPr>
             <p:spPr>
               <a:xfrm>
-                <a:off x="270893" y="3987999"/>
+                <a:off x="312876" y="2055064"/>
                 <a:ext cx="1548537" cy="1780535"/>
               </a:xfrm>
               <a:prstGeom prst="rect">
@@ -5804,14 +3885,14 @@
           </p:sp>
           <p:sp>
             <p:nvSpPr>
-              <p:cNvPr id="25" name="TextBox 24"/>
+              <p:cNvPr id="23" name="TextBox 22"/>
               <p:cNvSpPr txBox="1"/>
               <p:nvPr/>
             </p:nvSpPr>
             <p:spPr>
               <a:xfrm>
-                <a:off x="270893" y="3987999"/>
-                <a:ext cx="1548537" cy="230832"/>
+                <a:off x="312875" y="2074163"/>
+                <a:ext cx="1548538" cy="230832"/>
               </a:xfrm>
               <a:prstGeom prst="rect">
                 <a:avLst/>
@@ -5831,23 +3912,1511 @@
               <a:p>
                 <a:r>
                   <a:rPr lang="en-US" sz="900" b="1" dirty="0" err="1" smtClean="0"/>
-                  <a:t>TopController</a:t>
+                  <a:t>SwingUpController</a:t>
                 </a:r>
                 <a:endParaRPr lang="en-US" sz="900" b="1" dirty="0" smtClean="0"/>
               </a:p>
             </p:txBody>
           </p:sp>
         </p:grpSp>
+        <p:grpSp>
+          <p:nvGrpSpPr>
+            <p:cNvPr id="31" name="Group 30"/>
+            <p:cNvGrpSpPr/>
+            <p:nvPr/>
+          </p:nvGrpSpPr>
+          <p:grpSpPr>
+            <a:xfrm>
+              <a:off x="201703" y="247329"/>
+              <a:ext cx="2826776" cy="5759602"/>
+              <a:chOff x="214667" y="2009426"/>
+              <a:chExt cx="1548537" cy="1529941"/>
+            </a:xfrm>
+          </p:grpSpPr>
+          <p:sp>
+            <p:nvSpPr>
+              <p:cNvPr id="7" name="Rectangle 6"/>
+              <p:cNvSpPr/>
+              <p:nvPr/>
+            </p:nvSpPr>
+            <p:spPr>
+              <a:xfrm>
+                <a:off x="214667" y="2009426"/>
+                <a:ext cx="1548537" cy="1529941"/>
+              </a:xfrm>
+              <a:prstGeom prst="rect">
+                <a:avLst/>
+              </a:prstGeom>
+              <a:noFill/>
+              <a:ln w="25400">
+                <a:solidFill>
+                  <a:schemeClr val="tx1"/>
+                </a:solidFill>
+              </a:ln>
+            </p:spPr>
+            <p:style>
+              <a:lnRef idx="1">
+                <a:schemeClr val="accent1"/>
+              </a:lnRef>
+              <a:fillRef idx="3">
+                <a:schemeClr val="accent1"/>
+              </a:fillRef>
+              <a:effectRef idx="2">
+                <a:schemeClr val="accent1"/>
+              </a:effectRef>
+              <a:fontRef idx="minor">
+                <a:schemeClr val="lt1"/>
+              </a:fontRef>
+            </p:style>
+            <p:txBody>
+              <a:bodyPr rtlCol="0" anchor="ctr"/>
+              <a:lstStyle/>
+              <a:p>
+                <a:pPr algn="ctr"/>
+                <a:endParaRPr lang="en-US"/>
+              </a:p>
+            </p:txBody>
+          </p:sp>
+          <p:sp>
+            <p:nvSpPr>
+              <p:cNvPr id="20" name="TextBox 19"/>
+              <p:cNvSpPr txBox="1"/>
+              <p:nvPr/>
+            </p:nvSpPr>
+            <p:spPr>
+              <a:xfrm>
+                <a:off x="214667" y="2009447"/>
+                <a:ext cx="1541435" cy="65404"/>
+              </a:xfrm>
+              <a:prstGeom prst="rect">
+                <a:avLst/>
+              </a:prstGeom>
+              <a:noFill/>
+              <a:ln>
+                <a:solidFill>
+                  <a:schemeClr val="tx1"/>
+                </a:solidFill>
+              </a:ln>
+            </p:spPr>
+            <p:txBody>
+              <a:bodyPr wrap="square" rtlCol="0">
+                <a:spAutoFit/>
+              </a:bodyPr>
+              <a:lstStyle/>
+              <a:p>
+                <a:r>
+                  <a:rPr lang="en-US" sz="1000" b="1" dirty="0" err="1" smtClean="0"/>
+                  <a:t>FurutaGUI</a:t>
+                </a:r>
+                <a:endParaRPr lang="en-US" sz="1000" b="1" dirty="0" smtClean="0"/>
+              </a:p>
+            </p:txBody>
+          </p:sp>
+        </p:grpSp>
         <p:sp>
           <p:nvSpPr>
-            <p:cNvPr id="107" name="TextBox 106"/>
+            <p:cNvPr id="42" name="TextBox 41"/>
             <p:cNvSpPr txBox="1"/>
             <p:nvPr/>
           </p:nvSpPr>
           <p:spPr>
             <a:xfrm>
-              <a:off x="7168560" y="4476777"/>
-              <a:ext cx="1209340" cy="200055"/>
+              <a:off x="2078928" y="3874605"/>
+              <a:ext cx="949181" cy="200055"/>
+            </a:xfrm>
+            <a:prstGeom prst="rect">
+              <a:avLst/>
+            </a:prstGeom>
+            <a:noFill/>
+            <a:ln>
+              <a:solidFill>
+                <a:schemeClr val="tx1"/>
+              </a:solidFill>
+            </a:ln>
+          </p:spPr>
+          <p:txBody>
+            <a:bodyPr wrap="square" rtlCol="0">
+              <a:spAutoFit/>
+            </a:bodyPr>
+            <a:lstStyle/>
+            <a:p>
+              <a:r>
+                <a:rPr lang="en-US" sz="700" dirty="0" err="1" smtClean="0"/>
+                <a:t>putControlDataPoint</a:t>
+              </a:r>
+              <a:endParaRPr lang="en-US" sz="700" dirty="0" smtClean="0"/>
+            </a:p>
+          </p:txBody>
+        </p:sp>
+        <p:grpSp>
+          <p:nvGrpSpPr>
+            <p:cNvPr id="45" name="Group 44"/>
+            <p:cNvGrpSpPr/>
+            <p:nvPr/>
+          </p:nvGrpSpPr>
+          <p:grpSpPr>
+            <a:xfrm>
+              <a:off x="396922" y="610856"/>
+              <a:ext cx="2030832" cy="711610"/>
+              <a:chOff x="256166" y="1949935"/>
+              <a:chExt cx="2030832" cy="711610"/>
+            </a:xfrm>
+          </p:grpSpPr>
+          <p:sp>
+            <p:nvSpPr>
+              <p:cNvPr id="13" name="TextBox 12"/>
+              <p:cNvSpPr txBox="1"/>
+              <p:nvPr/>
+            </p:nvSpPr>
+            <p:spPr>
+              <a:xfrm>
+                <a:off x="1938172" y="2330194"/>
+                <a:ext cx="348825" cy="200055"/>
+              </a:xfrm>
+              <a:prstGeom prst="rect">
+                <a:avLst/>
+              </a:prstGeom>
+              <a:noFill/>
+              <a:ln>
+                <a:solidFill>
+                  <a:schemeClr val="tx1"/>
+                </a:solidFill>
+              </a:ln>
+            </p:spPr>
+            <p:txBody>
+              <a:bodyPr wrap="square" rtlCol="0">
+                <a:spAutoFit/>
+              </a:bodyPr>
+              <a:lstStyle/>
+              <a:p>
+                <a:r>
+                  <a:rPr lang="en-US" sz="700" dirty="0" smtClean="0"/>
+                  <a:t>put</a:t>
+                </a:r>
+              </a:p>
+            </p:txBody>
+          </p:sp>
+          <p:grpSp>
+            <p:nvGrpSpPr>
+              <p:cNvPr id="33" name="Group 32"/>
+              <p:cNvGrpSpPr/>
+              <p:nvPr/>
+            </p:nvGrpSpPr>
+            <p:grpSpPr>
+              <a:xfrm>
+                <a:off x="256166" y="1949935"/>
+                <a:ext cx="921099" cy="360065"/>
+                <a:chOff x="423325" y="2504492"/>
+                <a:chExt cx="921099" cy="360065"/>
+              </a:xfrm>
+            </p:grpSpPr>
+            <p:sp>
+              <p:nvSpPr>
+                <p:cNvPr id="16" name="Oval 15"/>
+                <p:cNvSpPr/>
+                <p:nvPr/>
+              </p:nvSpPr>
+              <p:spPr>
+                <a:xfrm>
+                  <a:off x="423325" y="2504492"/>
+                  <a:ext cx="814634" cy="360065"/>
+                </a:xfrm>
+                <a:prstGeom prst="ellipse">
+                  <a:avLst/>
+                </a:prstGeom>
+                <a:noFill/>
+                <a:ln w="22225">
+                  <a:solidFill>
+                    <a:schemeClr val="tx1"/>
+                  </a:solidFill>
+                  <a:prstDash val="dash"/>
+                </a:ln>
+              </p:spPr>
+              <p:style>
+                <a:lnRef idx="1">
+                  <a:schemeClr val="accent1"/>
+                </a:lnRef>
+                <a:fillRef idx="3">
+                  <a:schemeClr val="accent1"/>
+                </a:fillRef>
+                <a:effectRef idx="2">
+                  <a:schemeClr val="accent1"/>
+                </a:effectRef>
+                <a:fontRef idx="minor">
+                  <a:schemeClr val="lt1"/>
+                </a:fontRef>
+              </p:style>
+              <p:txBody>
+                <a:bodyPr rtlCol="0" anchor="ctr"/>
+                <a:lstStyle/>
+                <a:p>
+                  <a:pPr algn="ctr"/>
+                  <a:endParaRPr lang="en-US"/>
+                </a:p>
+              </p:txBody>
+            </p:sp>
+            <p:sp>
+              <p:nvSpPr>
+                <p:cNvPr id="32" name="TextBox 31"/>
+                <p:cNvSpPr txBox="1"/>
+                <p:nvPr/>
+              </p:nvSpPr>
+              <p:spPr>
+                <a:xfrm>
+                  <a:off x="423325" y="2521250"/>
+                  <a:ext cx="921099" cy="230832"/>
+                </a:xfrm>
+                <a:prstGeom prst="rect">
+                  <a:avLst/>
+                </a:prstGeom>
+                <a:noFill/>
+                <a:ln>
+                  <a:noFill/>
+                </a:ln>
+              </p:spPr>
+              <p:txBody>
+                <a:bodyPr wrap="square" rtlCol="0">
+                  <a:spAutoFit/>
+                </a:bodyPr>
+                <a:lstStyle/>
+                <a:p>
+                  <a:r>
+                    <a:rPr lang="en-US" sz="900" dirty="0" smtClean="0"/>
+                    <a:t>Plotter thread</a:t>
+                  </a:r>
+                  <a:endParaRPr lang="en-US" sz="1000" dirty="0" smtClean="0"/>
+                </a:p>
+              </p:txBody>
+            </p:sp>
+          </p:grpSp>
+          <p:grpSp>
+            <p:nvGrpSpPr>
+              <p:cNvPr id="40" name="Group 39"/>
+              <p:cNvGrpSpPr/>
+              <p:nvPr/>
+            </p:nvGrpSpPr>
+            <p:grpSpPr>
+              <a:xfrm>
+                <a:off x="1324212" y="2009063"/>
+                <a:ext cx="962786" cy="652482"/>
+                <a:chOff x="1734497" y="2653627"/>
+                <a:chExt cx="1279147" cy="852127"/>
+              </a:xfrm>
+            </p:grpSpPr>
+            <p:sp>
+              <p:nvSpPr>
+                <p:cNvPr id="38" name="Rectangle 37"/>
+                <p:cNvSpPr/>
+                <p:nvPr/>
+              </p:nvSpPr>
+              <p:spPr>
+                <a:xfrm>
+                  <a:off x="1734500" y="2654551"/>
+                  <a:ext cx="1279144" cy="851203"/>
+                </a:xfrm>
+                <a:prstGeom prst="rect">
+                  <a:avLst/>
+                </a:prstGeom>
+                <a:noFill/>
+                <a:ln w="25400">
+                  <a:solidFill>
+                    <a:schemeClr val="tx1"/>
+                  </a:solidFill>
+                </a:ln>
+              </p:spPr>
+              <p:style>
+                <a:lnRef idx="1">
+                  <a:schemeClr val="accent1"/>
+                </a:lnRef>
+                <a:fillRef idx="3">
+                  <a:schemeClr val="accent1"/>
+                </a:fillRef>
+                <a:effectRef idx="2">
+                  <a:schemeClr val="accent1"/>
+                </a:effectRef>
+                <a:fontRef idx="minor">
+                  <a:schemeClr val="lt1"/>
+                </a:fontRef>
+              </p:style>
+              <p:txBody>
+                <a:bodyPr rtlCol="0" anchor="ctr"/>
+                <a:lstStyle/>
+                <a:p>
+                  <a:pPr algn="ctr"/>
+                  <a:endParaRPr lang="en-US"/>
+                </a:p>
+              </p:txBody>
+            </p:sp>
+            <p:sp>
+              <p:nvSpPr>
+                <p:cNvPr id="39" name="TextBox 38"/>
+                <p:cNvSpPr txBox="1"/>
+                <p:nvPr/>
+              </p:nvSpPr>
+              <p:spPr>
+                <a:xfrm>
+                  <a:off x="1734497" y="2653627"/>
+                  <a:ext cx="1279146" cy="301461"/>
+                </a:xfrm>
+                <a:prstGeom prst="rect">
+                  <a:avLst/>
+                </a:prstGeom>
+                <a:noFill/>
+                <a:ln>
+                  <a:solidFill>
+                    <a:schemeClr val="tx1"/>
+                  </a:solidFill>
+                </a:ln>
+              </p:spPr>
+              <p:txBody>
+                <a:bodyPr wrap="square" rtlCol="0">
+                  <a:spAutoFit/>
+                </a:bodyPr>
+                <a:lstStyle/>
+                <a:p>
+                  <a:r>
+                    <a:rPr lang="en-US" sz="900" b="1" dirty="0" smtClean="0"/>
+                    <a:t>Monitor</a:t>
+                  </a:r>
+                </a:p>
+              </p:txBody>
+            </p:sp>
+          </p:grpSp>
+          <p:sp>
+            <p:nvSpPr>
+              <p:cNvPr id="41" name="TextBox 40"/>
+              <p:cNvSpPr txBox="1"/>
+              <p:nvPr/>
+            </p:nvSpPr>
+            <p:spPr>
+              <a:xfrm>
+                <a:off x="1324214" y="2326864"/>
+                <a:ext cx="348825" cy="200055"/>
+              </a:xfrm>
+              <a:prstGeom prst="rect">
+                <a:avLst/>
+              </a:prstGeom>
+              <a:noFill/>
+              <a:ln>
+                <a:solidFill>
+                  <a:schemeClr val="tx1"/>
+                </a:solidFill>
+              </a:ln>
+            </p:spPr>
+            <p:txBody>
+              <a:bodyPr wrap="square" rtlCol="0">
+                <a:spAutoFit/>
+              </a:bodyPr>
+              <a:lstStyle/>
+              <a:p>
+                <a:r>
+                  <a:rPr lang="en-US" sz="700" dirty="0" smtClean="0"/>
+                  <a:t>get</a:t>
+                </a:r>
+              </a:p>
+            </p:txBody>
+          </p:sp>
+          <p:cxnSp>
+            <p:nvCxnSpPr>
+              <p:cNvPr id="44" name="Straight Arrow Connector 43"/>
+              <p:cNvCxnSpPr>
+                <a:stCxn id="16" idx="5"/>
+                <a:endCxn id="41" idx="1"/>
+              </p:cNvCxnSpPr>
+              <p:nvPr/>
+            </p:nvCxnSpPr>
+            <p:spPr>
+              <a:xfrm>
+                <a:off x="951500" y="2257270"/>
+                <a:ext cx="372714" cy="169622"/>
+              </a:xfrm>
+              <a:prstGeom prst="straightConnector1">
+                <a:avLst/>
+              </a:prstGeom>
+              <a:ln>
+                <a:solidFill>
+                  <a:schemeClr val="tx1"/>
+                </a:solidFill>
+                <a:tailEnd type="arrow"/>
+              </a:ln>
+            </p:spPr>
+            <p:style>
+              <a:lnRef idx="2">
+                <a:schemeClr val="accent1"/>
+              </a:lnRef>
+              <a:fillRef idx="0">
+                <a:schemeClr val="accent1"/>
+              </a:fillRef>
+              <a:effectRef idx="1">
+                <a:schemeClr val="accent1"/>
+              </a:effectRef>
+              <a:fontRef idx="minor">
+                <a:schemeClr val="tx1"/>
+              </a:fontRef>
+            </p:style>
+          </p:cxnSp>
+        </p:grpSp>
+        <p:grpSp>
+          <p:nvGrpSpPr>
+            <p:cNvPr id="46" name="Group 45"/>
+            <p:cNvGrpSpPr/>
+            <p:nvPr/>
+          </p:nvGrpSpPr>
+          <p:grpSpPr>
+            <a:xfrm>
+              <a:off x="449553" y="1867293"/>
+              <a:ext cx="2044445" cy="711608"/>
+              <a:chOff x="256166" y="1949935"/>
+              <a:chExt cx="2044445" cy="711608"/>
+            </a:xfrm>
+          </p:grpSpPr>
+          <p:sp>
+            <p:nvSpPr>
+              <p:cNvPr id="47" name="TextBox 46"/>
+              <p:cNvSpPr txBox="1"/>
+              <p:nvPr/>
+            </p:nvSpPr>
+            <p:spPr>
+              <a:xfrm>
+                <a:off x="1938172" y="2324345"/>
+                <a:ext cx="348825" cy="200055"/>
+              </a:xfrm>
+              <a:prstGeom prst="rect">
+                <a:avLst/>
+              </a:prstGeom>
+              <a:noFill/>
+              <a:ln>
+                <a:solidFill>
+                  <a:schemeClr val="tx1"/>
+                </a:solidFill>
+              </a:ln>
+            </p:spPr>
+            <p:txBody>
+              <a:bodyPr wrap="square" rtlCol="0">
+                <a:spAutoFit/>
+              </a:bodyPr>
+              <a:lstStyle/>
+              <a:p>
+                <a:r>
+                  <a:rPr lang="en-US" sz="700" dirty="0" smtClean="0"/>
+                  <a:t>put</a:t>
+                </a:r>
+              </a:p>
+            </p:txBody>
+          </p:sp>
+          <p:grpSp>
+            <p:nvGrpSpPr>
+              <p:cNvPr id="48" name="Group 47"/>
+              <p:cNvGrpSpPr/>
+              <p:nvPr/>
+            </p:nvGrpSpPr>
+            <p:grpSpPr>
+              <a:xfrm>
+                <a:off x="256166" y="1949935"/>
+                <a:ext cx="921099" cy="360065"/>
+                <a:chOff x="423325" y="2504492"/>
+                <a:chExt cx="921099" cy="360065"/>
+              </a:xfrm>
+            </p:grpSpPr>
+            <p:sp>
+              <p:nvSpPr>
+                <p:cNvPr id="54" name="Oval 53"/>
+                <p:cNvSpPr/>
+                <p:nvPr/>
+              </p:nvSpPr>
+              <p:spPr>
+                <a:xfrm>
+                  <a:off x="423325" y="2504492"/>
+                  <a:ext cx="814634" cy="360065"/>
+                </a:xfrm>
+                <a:prstGeom prst="ellipse">
+                  <a:avLst/>
+                </a:prstGeom>
+                <a:noFill/>
+                <a:ln w="22225">
+                  <a:solidFill>
+                    <a:schemeClr val="tx1"/>
+                  </a:solidFill>
+                  <a:prstDash val="dash"/>
+                </a:ln>
+              </p:spPr>
+              <p:style>
+                <a:lnRef idx="1">
+                  <a:schemeClr val="accent1"/>
+                </a:lnRef>
+                <a:fillRef idx="3">
+                  <a:schemeClr val="accent1"/>
+                </a:fillRef>
+                <a:effectRef idx="2">
+                  <a:schemeClr val="accent1"/>
+                </a:effectRef>
+                <a:fontRef idx="minor">
+                  <a:schemeClr val="lt1"/>
+                </a:fontRef>
+              </p:style>
+              <p:txBody>
+                <a:bodyPr rtlCol="0" anchor="ctr"/>
+                <a:lstStyle/>
+                <a:p>
+                  <a:pPr algn="ctr"/>
+                  <a:endParaRPr lang="en-US"/>
+                </a:p>
+              </p:txBody>
+            </p:sp>
+            <p:sp>
+              <p:nvSpPr>
+                <p:cNvPr id="55" name="TextBox 54"/>
+                <p:cNvSpPr txBox="1"/>
+                <p:nvPr/>
+              </p:nvSpPr>
+              <p:spPr>
+                <a:xfrm>
+                  <a:off x="423325" y="2521250"/>
+                  <a:ext cx="921099" cy="230832"/>
+                </a:xfrm>
+                <a:prstGeom prst="rect">
+                  <a:avLst/>
+                </a:prstGeom>
+                <a:noFill/>
+                <a:ln>
+                  <a:noFill/>
+                </a:ln>
+              </p:spPr>
+              <p:txBody>
+                <a:bodyPr wrap="square" rtlCol="0">
+                  <a:spAutoFit/>
+                </a:bodyPr>
+                <a:lstStyle/>
+                <a:p>
+                  <a:r>
+                    <a:rPr lang="en-US" sz="900" dirty="0" smtClean="0"/>
+                    <a:t>Plotter thread</a:t>
+                  </a:r>
+                  <a:endParaRPr lang="en-US" sz="1000" dirty="0" smtClean="0"/>
+                </a:p>
+              </p:txBody>
+            </p:sp>
+          </p:grpSp>
+          <p:grpSp>
+            <p:nvGrpSpPr>
+              <p:cNvPr id="49" name="Group 48"/>
+              <p:cNvGrpSpPr/>
+              <p:nvPr/>
+            </p:nvGrpSpPr>
+            <p:grpSpPr>
+              <a:xfrm>
+                <a:off x="1324213" y="2009769"/>
+                <a:ext cx="976398" cy="651774"/>
+                <a:chOff x="1734499" y="2654551"/>
+                <a:chExt cx="1297232" cy="851203"/>
+              </a:xfrm>
+            </p:grpSpPr>
+            <p:sp>
+              <p:nvSpPr>
+                <p:cNvPr id="52" name="Rectangle 51"/>
+                <p:cNvSpPr/>
+                <p:nvPr/>
+              </p:nvSpPr>
+              <p:spPr>
+                <a:xfrm>
+                  <a:off x="1734500" y="2654551"/>
+                  <a:ext cx="1279144" cy="851203"/>
+                </a:xfrm>
+                <a:prstGeom prst="rect">
+                  <a:avLst/>
+                </a:prstGeom>
+                <a:noFill/>
+                <a:ln w="25400">
+                  <a:solidFill>
+                    <a:schemeClr val="tx1"/>
+                  </a:solidFill>
+                </a:ln>
+              </p:spPr>
+              <p:style>
+                <a:lnRef idx="1">
+                  <a:schemeClr val="accent1"/>
+                </a:lnRef>
+                <a:fillRef idx="3">
+                  <a:schemeClr val="accent1"/>
+                </a:fillRef>
+                <a:effectRef idx="2">
+                  <a:schemeClr val="accent1"/>
+                </a:effectRef>
+                <a:fontRef idx="minor">
+                  <a:schemeClr val="lt1"/>
+                </a:fontRef>
+              </p:style>
+              <p:txBody>
+                <a:bodyPr rtlCol="0" anchor="ctr"/>
+                <a:lstStyle/>
+                <a:p>
+                  <a:pPr algn="ctr"/>
+                  <a:endParaRPr lang="en-US"/>
+                </a:p>
+              </p:txBody>
+            </p:sp>
+            <p:sp>
+              <p:nvSpPr>
+                <p:cNvPr id="53" name="TextBox 52"/>
+                <p:cNvSpPr txBox="1"/>
+                <p:nvPr/>
+              </p:nvSpPr>
+              <p:spPr>
+                <a:xfrm>
+                  <a:off x="1734499" y="2663681"/>
+                  <a:ext cx="1297232" cy="301462"/>
+                </a:xfrm>
+                <a:prstGeom prst="rect">
+                  <a:avLst/>
+                </a:prstGeom>
+                <a:noFill/>
+                <a:ln>
+                  <a:solidFill>
+                    <a:schemeClr val="tx1"/>
+                  </a:solidFill>
+                </a:ln>
+              </p:spPr>
+              <p:txBody>
+                <a:bodyPr wrap="square" rtlCol="0">
+                  <a:spAutoFit/>
+                </a:bodyPr>
+                <a:lstStyle/>
+                <a:p>
+                  <a:r>
+                    <a:rPr lang="en-US" sz="900" b="1" dirty="0" smtClean="0"/>
+                    <a:t>Monitor</a:t>
+                  </a:r>
+                </a:p>
+              </p:txBody>
+            </p:sp>
+          </p:grpSp>
+          <p:sp>
+            <p:nvSpPr>
+              <p:cNvPr id="50" name="TextBox 49"/>
+              <p:cNvSpPr txBox="1"/>
+              <p:nvPr/>
+            </p:nvSpPr>
+            <p:spPr>
+              <a:xfrm>
+                <a:off x="1324214" y="2326864"/>
+                <a:ext cx="348825" cy="200055"/>
+              </a:xfrm>
+              <a:prstGeom prst="rect">
+                <a:avLst/>
+              </a:prstGeom>
+              <a:noFill/>
+              <a:ln>
+                <a:solidFill>
+                  <a:schemeClr val="tx1"/>
+                </a:solidFill>
+              </a:ln>
+            </p:spPr>
+            <p:txBody>
+              <a:bodyPr wrap="square" rtlCol="0">
+                <a:spAutoFit/>
+              </a:bodyPr>
+              <a:lstStyle/>
+              <a:p>
+                <a:r>
+                  <a:rPr lang="en-US" sz="700" dirty="0" smtClean="0"/>
+                  <a:t>get</a:t>
+                </a:r>
+              </a:p>
+            </p:txBody>
+          </p:sp>
+          <p:cxnSp>
+            <p:nvCxnSpPr>
+              <p:cNvPr id="51" name="Straight Arrow Connector 50"/>
+              <p:cNvCxnSpPr>
+                <a:stCxn id="54" idx="5"/>
+                <a:endCxn id="50" idx="1"/>
+              </p:cNvCxnSpPr>
+              <p:nvPr/>
+            </p:nvCxnSpPr>
+            <p:spPr>
+              <a:xfrm>
+                <a:off x="951500" y="2257270"/>
+                <a:ext cx="372714" cy="169622"/>
+              </a:xfrm>
+              <a:prstGeom prst="straightConnector1">
+                <a:avLst/>
+              </a:prstGeom>
+              <a:ln>
+                <a:solidFill>
+                  <a:schemeClr val="tx1"/>
+                </a:solidFill>
+                <a:tailEnd type="arrow"/>
+              </a:ln>
+            </p:spPr>
+            <p:style>
+              <a:lnRef idx="2">
+                <a:schemeClr val="accent1"/>
+              </a:lnRef>
+              <a:fillRef idx="0">
+                <a:schemeClr val="accent1"/>
+              </a:fillRef>
+              <a:effectRef idx="1">
+                <a:schemeClr val="accent1"/>
+              </a:effectRef>
+              <a:fontRef idx="minor">
+                <a:schemeClr val="tx1"/>
+              </a:fontRef>
+            </p:style>
+          </p:cxnSp>
+        </p:grpSp>
+        <p:grpSp>
+          <p:nvGrpSpPr>
+            <p:cNvPr id="56" name="Group 55"/>
+            <p:cNvGrpSpPr/>
+            <p:nvPr/>
+          </p:nvGrpSpPr>
+          <p:grpSpPr>
+            <a:xfrm>
+              <a:off x="463167" y="3059511"/>
+              <a:ext cx="2030831" cy="711608"/>
+              <a:chOff x="256166" y="1949935"/>
+              <a:chExt cx="2030831" cy="711608"/>
+            </a:xfrm>
+          </p:grpSpPr>
+          <p:sp>
+            <p:nvSpPr>
+              <p:cNvPr id="57" name="TextBox 56"/>
+              <p:cNvSpPr txBox="1"/>
+              <p:nvPr/>
+            </p:nvSpPr>
+            <p:spPr>
+              <a:xfrm>
+                <a:off x="1938172" y="2330194"/>
+                <a:ext cx="348825" cy="200055"/>
+              </a:xfrm>
+              <a:prstGeom prst="rect">
+                <a:avLst/>
+              </a:prstGeom>
+              <a:noFill/>
+              <a:ln>
+                <a:solidFill>
+                  <a:schemeClr val="tx1"/>
+                </a:solidFill>
+              </a:ln>
+            </p:spPr>
+            <p:txBody>
+              <a:bodyPr wrap="square" rtlCol="0">
+                <a:spAutoFit/>
+              </a:bodyPr>
+              <a:lstStyle/>
+              <a:p>
+                <a:r>
+                  <a:rPr lang="en-US" sz="700" dirty="0" smtClean="0"/>
+                  <a:t>put</a:t>
+                </a:r>
+              </a:p>
+            </p:txBody>
+          </p:sp>
+          <p:grpSp>
+            <p:nvGrpSpPr>
+              <p:cNvPr id="58" name="Group 57"/>
+              <p:cNvGrpSpPr/>
+              <p:nvPr/>
+            </p:nvGrpSpPr>
+            <p:grpSpPr>
+              <a:xfrm>
+                <a:off x="256166" y="1949935"/>
+                <a:ext cx="921099" cy="360065"/>
+                <a:chOff x="423325" y="2504492"/>
+                <a:chExt cx="921099" cy="360065"/>
+              </a:xfrm>
+            </p:grpSpPr>
+            <p:sp>
+              <p:nvSpPr>
+                <p:cNvPr id="64" name="Oval 63"/>
+                <p:cNvSpPr/>
+                <p:nvPr/>
+              </p:nvSpPr>
+              <p:spPr>
+                <a:xfrm>
+                  <a:off x="423325" y="2504492"/>
+                  <a:ext cx="814634" cy="360065"/>
+                </a:xfrm>
+                <a:prstGeom prst="ellipse">
+                  <a:avLst/>
+                </a:prstGeom>
+                <a:noFill/>
+                <a:ln w="22225">
+                  <a:solidFill>
+                    <a:schemeClr val="tx1"/>
+                  </a:solidFill>
+                  <a:prstDash val="dash"/>
+                </a:ln>
+              </p:spPr>
+              <p:style>
+                <a:lnRef idx="1">
+                  <a:schemeClr val="accent1"/>
+                </a:lnRef>
+                <a:fillRef idx="3">
+                  <a:schemeClr val="accent1"/>
+                </a:fillRef>
+                <a:effectRef idx="2">
+                  <a:schemeClr val="accent1"/>
+                </a:effectRef>
+                <a:fontRef idx="minor">
+                  <a:schemeClr val="lt1"/>
+                </a:fontRef>
+              </p:style>
+              <p:txBody>
+                <a:bodyPr rtlCol="0" anchor="ctr"/>
+                <a:lstStyle/>
+                <a:p>
+                  <a:pPr algn="ctr"/>
+                  <a:endParaRPr lang="en-US"/>
+                </a:p>
+              </p:txBody>
+            </p:sp>
+            <p:sp>
+              <p:nvSpPr>
+                <p:cNvPr id="65" name="TextBox 64"/>
+                <p:cNvSpPr txBox="1"/>
+                <p:nvPr/>
+              </p:nvSpPr>
+              <p:spPr>
+                <a:xfrm>
+                  <a:off x="423325" y="2521250"/>
+                  <a:ext cx="921099" cy="230832"/>
+                </a:xfrm>
+                <a:prstGeom prst="rect">
+                  <a:avLst/>
+                </a:prstGeom>
+                <a:noFill/>
+                <a:ln>
+                  <a:noFill/>
+                </a:ln>
+              </p:spPr>
+              <p:txBody>
+                <a:bodyPr wrap="square" rtlCol="0">
+                  <a:spAutoFit/>
+                </a:bodyPr>
+                <a:lstStyle/>
+                <a:p>
+                  <a:r>
+                    <a:rPr lang="en-US" sz="900" dirty="0" smtClean="0"/>
+                    <a:t>Plotter thread</a:t>
+                  </a:r>
+                  <a:endParaRPr lang="en-US" sz="1000" dirty="0" smtClean="0"/>
+                </a:p>
+              </p:txBody>
+            </p:sp>
+          </p:grpSp>
+          <p:grpSp>
+            <p:nvGrpSpPr>
+              <p:cNvPr id="59" name="Group 58"/>
+              <p:cNvGrpSpPr/>
+              <p:nvPr/>
+            </p:nvGrpSpPr>
+            <p:grpSpPr>
+              <a:xfrm>
+                <a:off x="1324213" y="2009769"/>
+                <a:ext cx="962784" cy="651774"/>
+                <a:chOff x="1734499" y="2654551"/>
+                <a:chExt cx="1279145" cy="851203"/>
+              </a:xfrm>
+            </p:grpSpPr>
+            <p:sp>
+              <p:nvSpPr>
+                <p:cNvPr id="62" name="Rectangle 61"/>
+                <p:cNvSpPr/>
+                <p:nvPr/>
+              </p:nvSpPr>
+              <p:spPr>
+                <a:xfrm>
+                  <a:off x="1734500" y="2654551"/>
+                  <a:ext cx="1279144" cy="851203"/>
+                </a:xfrm>
+                <a:prstGeom prst="rect">
+                  <a:avLst/>
+                </a:prstGeom>
+                <a:noFill/>
+                <a:ln w="25400">
+                  <a:solidFill>
+                    <a:schemeClr val="tx1"/>
+                  </a:solidFill>
+                </a:ln>
+              </p:spPr>
+              <p:style>
+                <a:lnRef idx="1">
+                  <a:schemeClr val="accent1"/>
+                </a:lnRef>
+                <a:fillRef idx="3">
+                  <a:schemeClr val="accent1"/>
+                </a:fillRef>
+                <a:effectRef idx="2">
+                  <a:schemeClr val="accent1"/>
+                </a:effectRef>
+                <a:fontRef idx="minor">
+                  <a:schemeClr val="lt1"/>
+                </a:fontRef>
+              </p:style>
+              <p:txBody>
+                <a:bodyPr rtlCol="0" anchor="ctr"/>
+                <a:lstStyle/>
+                <a:p>
+                  <a:pPr algn="ctr"/>
+                  <a:endParaRPr lang="en-US"/>
+                </a:p>
+              </p:txBody>
+            </p:sp>
+            <p:sp>
+              <p:nvSpPr>
+                <p:cNvPr id="63" name="TextBox 62"/>
+                <p:cNvSpPr txBox="1"/>
+                <p:nvPr/>
+              </p:nvSpPr>
+              <p:spPr>
+                <a:xfrm>
+                  <a:off x="1734499" y="2673732"/>
+                  <a:ext cx="1279145" cy="301462"/>
+                </a:xfrm>
+                <a:prstGeom prst="rect">
+                  <a:avLst/>
+                </a:prstGeom>
+                <a:noFill/>
+                <a:ln>
+                  <a:solidFill>
+                    <a:schemeClr val="tx1"/>
+                  </a:solidFill>
+                </a:ln>
+              </p:spPr>
+              <p:txBody>
+                <a:bodyPr wrap="square" rtlCol="0">
+                  <a:spAutoFit/>
+                </a:bodyPr>
+                <a:lstStyle/>
+                <a:p>
+                  <a:r>
+                    <a:rPr lang="en-US" sz="900" b="1" dirty="0" smtClean="0"/>
+                    <a:t>Monitor</a:t>
+                  </a:r>
+                </a:p>
+              </p:txBody>
+            </p:sp>
+          </p:grpSp>
+          <p:sp>
+            <p:nvSpPr>
+              <p:cNvPr id="60" name="TextBox 59"/>
+              <p:cNvSpPr txBox="1"/>
+              <p:nvPr/>
+            </p:nvSpPr>
+            <p:spPr>
+              <a:xfrm>
+                <a:off x="1324214" y="2326864"/>
+                <a:ext cx="348825" cy="200055"/>
+              </a:xfrm>
+              <a:prstGeom prst="rect">
+                <a:avLst/>
+              </a:prstGeom>
+              <a:noFill/>
+              <a:ln>
+                <a:solidFill>
+                  <a:schemeClr val="tx1"/>
+                </a:solidFill>
+              </a:ln>
+            </p:spPr>
+            <p:txBody>
+              <a:bodyPr wrap="square" rtlCol="0">
+                <a:spAutoFit/>
+              </a:bodyPr>
+              <a:lstStyle/>
+              <a:p>
+                <a:r>
+                  <a:rPr lang="en-US" sz="700" dirty="0" smtClean="0"/>
+                  <a:t>get</a:t>
+                </a:r>
+              </a:p>
+            </p:txBody>
+          </p:sp>
+          <p:cxnSp>
+            <p:nvCxnSpPr>
+              <p:cNvPr id="61" name="Straight Arrow Connector 60"/>
+              <p:cNvCxnSpPr>
+                <a:stCxn id="64" idx="5"/>
+                <a:endCxn id="60" idx="1"/>
+              </p:cNvCxnSpPr>
+              <p:nvPr/>
+            </p:nvCxnSpPr>
+            <p:spPr>
+              <a:xfrm>
+                <a:off x="951500" y="2257270"/>
+                <a:ext cx="372714" cy="169622"/>
+              </a:xfrm>
+              <a:prstGeom prst="straightConnector1">
+                <a:avLst/>
+              </a:prstGeom>
+              <a:ln>
+                <a:solidFill>
+                  <a:schemeClr val="tx1"/>
+                </a:solidFill>
+                <a:tailEnd type="arrow"/>
+              </a:ln>
+            </p:spPr>
+            <p:style>
+              <a:lnRef idx="2">
+                <a:schemeClr val="accent1"/>
+              </a:lnRef>
+              <a:fillRef idx="0">
+                <a:schemeClr val="accent1"/>
+              </a:fillRef>
+              <a:effectRef idx="1">
+                <a:schemeClr val="accent1"/>
+              </a:effectRef>
+              <a:fontRef idx="minor">
+                <a:schemeClr val="tx1"/>
+              </a:fontRef>
+            </p:style>
+          </p:cxnSp>
+        </p:grpSp>
+        <p:sp>
+          <p:nvSpPr>
+            <p:cNvPr id="66" name="TextBox 65"/>
+            <p:cNvSpPr txBox="1"/>
+            <p:nvPr/>
+          </p:nvSpPr>
+          <p:spPr>
+            <a:xfrm>
+              <a:off x="2214941" y="2715920"/>
+              <a:ext cx="813538" cy="200055"/>
+            </a:xfrm>
+            <a:prstGeom prst="rect">
+              <a:avLst/>
+            </a:prstGeom>
+            <a:noFill/>
+            <a:ln>
+              <a:solidFill>
+                <a:schemeClr val="tx1"/>
+              </a:solidFill>
+            </a:ln>
+          </p:spPr>
+          <p:txBody>
+            <a:bodyPr wrap="square" rtlCol="0">
+              <a:spAutoFit/>
+            </a:bodyPr>
+            <a:lstStyle/>
+            <a:p>
+              <a:r>
+                <a:rPr lang="en-US" sz="700" dirty="0" err="1" smtClean="0"/>
+                <a:t>putRLSDataPoint</a:t>
+              </a:r>
+              <a:endParaRPr lang="en-US" sz="700" dirty="0" smtClean="0"/>
+            </a:p>
+          </p:txBody>
+        </p:sp>
+        <p:sp>
+          <p:nvSpPr>
+            <p:cNvPr id="67" name="TextBox 66"/>
+            <p:cNvSpPr txBox="1"/>
+            <p:nvPr/>
+          </p:nvSpPr>
+          <p:spPr>
+            <a:xfrm>
+              <a:off x="1813795" y="1526778"/>
+              <a:ext cx="1201720" cy="200055"/>
+            </a:xfrm>
+            <a:prstGeom prst="rect">
+              <a:avLst/>
+            </a:prstGeom>
+            <a:noFill/>
+            <a:ln>
+              <a:solidFill>
+                <a:schemeClr val="tx1"/>
+              </a:solidFill>
+            </a:ln>
+          </p:spPr>
+          <p:txBody>
+            <a:bodyPr wrap="square" rtlCol="0">
+              <a:spAutoFit/>
+            </a:bodyPr>
+            <a:lstStyle/>
+            <a:p>
+              <a:r>
+                <a:rPr lang="en-US" sz="700" dirty="0" err="1" smtClean="0"/>
+                <a:t>putMeasurementDataPoint</a:t>
+              </a:r>
+              <a:endParaRPr lang="en-US" sz="700" dirty="0" smtClean="0"/>
+            </a:p>
+          </p:txBody>
+        </p:sp>
+        <p:cxnSp>
+          <p:nvCxnSpPr>
+            <p:cNvPr id="69" name="Elbow Connector 68"/>
+            <p:cNvCxnSpPr>
+              <a:stCxn id="13" idx="3"/>
+              <a:endCxn id="67" idx="1"/>
+            </p:cNvCxnSpPr>
+            <p:nvPr/>
+          </p:nvCxnSpPr>
+          <p:spPr>
+            <a:xfrm flipH="1">
+              <a:off x="1813795" y="1091143"/>
+              <a:ext cx="613958" cy="535663"/>
+            </a:xfrm>
+            <a:prstGeom prst="bentConnector5">
+              <a:avLst>
+                <a:gd name="adj1" fmla="val -37234"/>
+                <a:gd name="adj2" fmla="val 62932"/>
+                <a:gd name="adj3" fmla="val 137234"/>
+              </a:avLst>
+            </a:prstGeom>
+            <a:ln>
+              <a:solidFill>
+                <a:schemeClr val="tx1"/>
+              </a:solidFill>
+              <a:tailEnd type="arrow"/>
+            </a:ln>
+          </p:spPr>
+          <p:style>
+            <a:lnRef idx="2">
+              <a:schemeClr val="accent1"/>
+            </a:lnRef>
+            <a:fillRef idx="0">
+              <a:schemeClr val="accent1"/>
+            </a:fillRef>
+            <a:effectRef idx="1">
+              <a:schemeClr val="accent1"/>
+            </a:effectRef>
+            <a:fontRef idx="minor">
+              <a:schemeClr val="tx1"/>
+            </a:fontRef>
+          </p:style>
+        </p:cxnSp>
+        <p:cxnSp>
+          <p:nvCxnSpPr>
+            <p:cNvPr id="71" name="Elbow Connector 70"/>
+            <p:cNvCxnSpPr>
+              <a:stCxn id="47" idx="3"/>
+              <a:endCxn id="66" idx="1"/>
+            </p:cNvCxnSpPr>
+            <p:nvPr/>
+          </p:nvCxnSpPr>
+          <p:spPr>
+            <a:xfrm flipH="1">
+              <a:off x="2214941" y="2341731"/>
+              <a:ext cx="265443" cy="474217"/>
+            </a:xfrm>
+            <a:prstGeom prst="bentConnector5">
+              <a:avLst>
+                <a:gd name="adj1" fmla="val -86120"/>
+                <a:gd name="adj2" fmla="val 62985"/>
+                <a:gd name="adj3" fmla="val 186120"/>
+              </a:avLst>
+            </a:prstGeom>
+            <a:ln>
+              <a:solidFill>
+                <a:schemeClr val="tx1"/>
+              </a:solidFill>
+              <a:tailEnd type="arrow"/>
+            </a:ln>
+          </p:spPr>
+          <p:style>
+            <a:lnRef idx="2">
+              <a:schemeClr val="accent1"/>
+            </a:lnRef>
+            <a:fillRef idx="0">
+              <a:schemeClr val="accent1"/>
+            </a:fillRef>
+            <a:effectRef idx="1">
+              <a:schemeClr val="accent1"/>
+            </a:effectRef>
+            <a:fontRef idx="minor">
+              <a:schemeClr val="tx1"/>
+            </a:fontRef>
+          </p:style>
+        </p:cxnSp>
+        <p:cxnSp>
+          <p:nvCxnSpPr>
+            <p:cNvPr id="78" name="Straight Arrow Connector 77"/>
+            <p:cNvCxnSpPr>
+              <a:stCxn id="10" idx="2"/>
+              <a:endCxn id="76" idx="3"/>
+            </p:cNvCxnSpPr>
+            <p:nvPr/>
+          </p:nvCxnSpPr>
+          <p:spPr>
+            <a:xfrm flipH="1">
+              <a:off x="4915361" y="3264811"/>
+              <a:ext cx="1130817" cy="0"/>
+            </a:xfrm>
+            <a:prstGeom prst="straightConnector1">
+              <a:avLst/>
+            </a:prstGeom>
+            <a:ln>
+              <a:solidFill>
+                <a:schemeClr val="tx1"/>
+              </a:solidFill>
+              <a:tailEnd type="arrow"/>
+            </a:ln>
+          </p:spPr>
+          <p:style>
+            <a:lnRef idx="2">
+              <a:schemeClr val="accent1"/>
+            </a:lnRef>
+            <a:fillRef idx="0">
+              <a:schemeClr val="accent1"/>
+            </a:fillRef>
+            <a:effectRef idx="1">
+              <a:schemeClr val="accent1"/>
+            </a:effectRef>
+            <a:fontRef idx="minor">
+              <a:schemeClr val="tx1"/>
+            </a:fontRef>
+          </p:style>
+        </p:cxnSp>
+        <p:sp>
+          <p:nvSpPr>
+            <p:cNvPr id="80" name="TextBox 79"/>
+            <p:cNvSpPr txBox="1"/>
+            <p:nvPr/>
+          </p:nvSpPr>
+          <p:spPr>
+            <a:xfrm>
+              <a:off x="6046178" y="3079935"/>
+              <a:ext cx="921099" cy="369332"/>
+            </a:xfrm>
+            <a:prstGeom prst="rect">
+              <a:avLst/>
+            </a:prstGeom>
+            <a:noFill/>
+            <a:ln>
+              <a:noFill/>
+            </a:ln>
+          </p:spPr>
+          <p:txBody>
+            <a:bodyPr wrap="square" rtlCol="0">
+              <a:spAutoFit/>
+            </a:bodyPr>
+            <a:lstStyle/>
+            <a:p>
+              <a:r>
+                <a:rPr lang="en-US" sz="900" dirty="0" smtClean="0"/>
+                <a:t>Controller thread</a:t>
+              </a:r>
+              <a:endParaRPr lang="en-US" sz="1000" dirty="0" smtClean="0"/>
+            </a:p>
+          </p:txBody>
+        </p:sp>
+        <p:cxnSp>
+          <p:nvCxnSpPr>
+            <p:cNvPr id="85" name="Elbow Connector 84"/>
+            <p:cNvCxnSpPr>
+              <a:stCxn id="57" idx="3"/>
+              <a:endCxn id="42" idx="1"/>
+            </p:cNvCxnSpPr>
+            <p:nvPr/>
+          </p:nvCxnSpPr>
+          <p:spPr>
+            <a:xfrm flipH="1">
+              <a:off x="2078928" y="3539798"/>
+              <a:ext cx="415070" cy="434835"/>
+            </a:xfrm>
+            <a:prstGeom prst="bentConnector5">
+              <a:avLst>
+                <a:gd name="adj1" fmla="val -55075"/>
+                <a:gd name="adj2" fmla="val 64161"/>
+                <a:gd name="adj3" fmla="val 155075"/>
+              </a:avLst>
+            </a:prstGeom>
+            <a:ln>
+              <a:solidFill>
+                <a:schemeClr val="tx1"/>
+              </a:solidFill>
+              <a:tailEnd type="arrow"/>
+            </a:ln>
+          </p:spPr>
+          <p:style>
+            <a:lnRef idx="2">
+              <a:schemeClr val="accent1"/>
+            </a:lnRef>
+            <a:fillRef idx="0">
+              <a:schemeClr val="accent1"/>
+            </a:fillRef>
+            <a:effectRef idx="1">
+              <a:schemeClr val="accent1"/>
+            </a:effectRef>
+            <a:fontRef idx="minor">
+              <a:schemeClr val="tx1"/>
+            </a:fontRef>
+          </p:style>
+        </p:cxnSp>
+        <p:grpSp>
+          <p:nvGrpSpPr>
+            <p:cNvPr id="22" name="Group 21"/>
+            <p:cNvGrpSpPr/>
+            <p:nvPr/>
+          </p:nvGrpSpPr>
+          <p:grpSpPr>
+            <a:xfrm>
+              <a:off x="3388255" y="610856"/>
+              <a:ext cx="1542621" cy="3375488"/>
+              <a:chOff x="312875" y="2053440"/>
+              <a:chExt cx="1548538" cy="1780535"/>
+            </a:xfrm>
+          </p:grpSpPr>
+          <p:sp>
+            <p:nvSpPr>
+              <p:cNvPr id="6" name="Rectangle 5"/>
+              <p:cNvSpPr/>
+              <p:nvPr/>
+            </p:nvSpPr>
+            <p:spPr>
+              <a:xfrm>
+                <a:off x="312876" y="2053440"/>
+                <a:ext cx="1548537" cy="1780535"/>
+              </a:xfrm>
+              <a:prstGeom prst="rect">
+                <a:avLst/>
+              </a:prstGeom>
+              <a:noFill/>
+              <a:ln w="25400">
+                <a:solidFill>
+                  <a:schemeClr val="tx1"/>
+                </a:solidFill>
+              </a:ln>
+            </p:spPr>
+            <p:style>
+              <a:lnRef idx="1">
+                <a:schemeClr val="accent1"/>
+              </a:lnRef>
+              <a:fillRef idx="3">
+                <a:schemeClr val="accent1"/>
+              </a:fillRef>
+              <a:effectRef idx="2">
+                <a:schemeClr val="accent1"/>
+              </a:effectRef>
+              <a:fontRef idx="minor">
+                <a:schemeClr val="lt1"/>
+              </a:fontRef>
+            </p:style>
+            <p:txBody>
+              <a:bodyPr rtlCol="0" anchor="ctr"/>
+              <a:lstStyle/>
+              <a:p>
+                <a:pPr algn="ctr"/>
+                <a:endParaRPr lang="en-US"/>
+              </a:p>
+            </p:txBody>
+          </p:sp>
+          <p:sp>
+            <p:nvSpPr>
+              <p:cNvPr id="19" name="TextBox 18"/>
+              <p:cNvSpPr txBox="1"/>
+              <p:nvPr/>
+            </p:nvSpPr>
+            <p:spPr>
+              <a:xfrm>
+                <a:off x="312875" y="2053441"/>
+                <a:ext cx="1548538" cy="130601"/>
+              </a:xfrm>
+              <a:prstGeom prst="rect">
+                <a:avLst/>
+              </a:prstGeom>
+              <a:noFill/>
+              <a:ln>
+                <a:solidFill>
+                  <a:schemeClr val="tx1"/>
+                </a:solidFill>
+              </a:ln>
+            </p:spPr>
+            <p:txBody>
+              <a:bodyPr wrap="square" rtlCol="0">
+                <a:spAutoFit/>
+              </a:bodyPr>
+              <a:lstStyle/>
+              <a:p>
+                <a:r>
+                  <a:rPr lang="en-US" sz="1000" b="1" dirty="0" err="1" smtClean="0"/>
+                  <a:t>CommunicationManager</a:t>
+                </a:r>
+                <a:endParaRPr lang="en-US" sz="1000" b="1" dirty="0" smtClean="0"/>
+              </a:p>
+            </p:txBody>
+          </p:sp>
+        </p:grpSp>
+        <p:sp>
+          <p:nvSpPr>
+            <p:cNvPr id="76" name="TextBox 75"/>
+            <p:cNvSpPr txBox="1"/>
+            <p:nvPr/>
+          </p:nvSpPr>
+          <p:spPr>
+            <a:xfrm>
+              <a:off x="4356173" y="3162776"/>
+              <a:ext cx="559188" cy="204070"/>
+            </a:xfrm>
+            <a:prstGeom prst="rect">
+              <a:avLst/>
+            </a:prstGeom>
+            <a:noFill/>
+            <a:ln>
+              <a:solidFill>
+                <a:schemeClr val="tx1"/>
+              </a:solidFill>
+            </a:ln>
+          </p:spPr>
+          <p:txBody>
+            <a:bodyPr wrap="square" rtlCol="0">
+              <a:spAutoFit/>
+            </a:bodyPr>
+            <a:lstStyle/>
+            <a:p>
+              <a:r>
+                <a:rPr lang="en-US" sz="700" dirty="0" err="1" smtClean="0"/>
+                <a:t>readInput</a:t>
+              </a:r>
+              <a:endParaRPr lang="en-US" sz="700" dirty="0" smtClean="0"/>
+            </a:p>
+          </p:txBody>
+        </p:sp>
+        <p:sp>
+          <p:nvSpPr>
+            <p:cNvPr id="94" name="TextBox 93"/>
+            <p:cNvSpPr txBox="1"/>
+            <p:nvPr/>
+          </p:nvSpPr>
+          <p:spPr>
+            <a:xfrm>
+              <a:off x="4251219" y="2715920"/>
+              <a:ext cx="685805" cy="200055"/>
+            </a:xfrm>
+            <a:prstGeom prst="rect">
+              <a:avLst/>
+            </a:prstGeom>
+            <a:noFill/>
+            <a:ln>
+              <a:solidFill>
+                <a:schemeClr val="tx1"/>
+              </a:solidFill>
+            </a:ln>
+          </p:spPr>
+          <p:txBody>
+            <a:bodyPr wrap="square" rtlCol="0">
+              <a:spAutoFit/>
+            </a:bodyPr>
+            <a:lstStyle/>
+            <a:p>
+              <a:r>
+                <a:rPr lang="en-US" sz="700" dirty="0" err="1" smtClean="0"/>
+                <a:t>writeOutput</a:t>
+              </a:r>
+              <a:endParaRPr lang="en-US" sz="700" dirty="0" smtClean="0"/>
+            </a:p>
+          </p:txBody>
+        </p:sp>
+        <p:sp>
+          <p:nvSpPr>
+            <p:cNvPr id="98" name="TextBox 97"/>
+            <p:cNvSpPr txBox="1"/>
+            <p:nvPr/>
+          </p:nvSpPr>
+          <p:spPr>
+            <a:xfrm>
+              <a:off x="5533277" y="1884051"/>
+              <a:ext cx="1161604" cy="200055"/>
             </a:xfrm>
             <a:prstGeom prst="rect">
               <a:avLst/>
@@ -5875,13 +5444,231 @@
         </p:sp>
         <p:sp>
           <p:nvSpPr>
-            <p:cNvPr id="151" name="Rectangle 150"/>
+            <p:cNvPr id="99" name="TextBox 98"/>
+            <p:cNvSpPr txBox="1"/>
+            <p:nvPr/>
+          </p:nvSpPr>
+          <p:spPr>
+            <a:xfrm>
+              <a:off x="5528558" y="2203934"/>
+              <a:ext cx="889977" cy="200055"/>
+            </a:xfrm>
+            <a:prstGeom prst="rect">
+              <a:avLst/>
+            </a:prstGeom>
+            <a:noFill/>
+            <a:ln>
+              <a:solidFill>
+                <a:schemeClr val="tx1"/>
+              </a:solidFill>
+            </a:ln>
+          </p:spPr>
+          <p:txBody>
+            <a:bodyPr wrap="square" rtlCol="0">
+              <a:spAutoFit/>
+            </a:bodyPr>
+            <a:lstStyle/>
+            <a:p>
+              <a:r>
+                <a:rPr lang="en-US" sz="700" dirty="0" err="1" smtClean="0"/>
+                <a:t>setRLSParameters</a:t>
+              </a:r>
+              <a:endParaRPr lang="en-US" sz="700" dirty="0" smtClean="0"/>
+            </a:p>
+          </p:txBody>
+        </p:sp>
+        <p:sp>
+          <p:nvSpPr>
+            <p:cNvPr id="103" name="TextBox 102"/>
+            <p:cNvSpPr txBox="1"/>
+            <p:nvPr/>
+          </p:nvSpPr>
+          <p:spPr>
+            <a:xfrm>
+              <a:off x="7342261" y="1882687"/>
+              <a:ext cx="1099400" cy="200055"/>
+            </a:xfrm>
+            <a:prstGeom prst="rect">
+              <a:avLst/>
+            </a:prstGeom>
+            <a:noFill/>
+            <a:ln>
+              <a:solidFill>
+                <a:schemeClr val="tx1"/>
+              </a:solidFill>
+            </a:ln>
+          </p:spPr>
+          <p:txBody>
+            <a:bodyPr wrap="square" rtlCol="0">
+              <a:spAutoFit/>
+            </a:bodyPr>
+            <a:lstStyle/>
+            <a:p>
+              <a:r>
+                <a:rPr lang="en-US" sz="700" dirty="0" err="1" smtClean="0"/>
+                <a:t>setControllerParameters</a:t>
+              </a:r>
+              <a:endParaRPr lang="en-US" sz="700" dirty="0" smtClean="0"/>
+            </a:p>
+          </p:txBody>
+        </p:sp>
+        <p:sp>
+          <p:nvSpPr>
+            <p:cNvPr id="105" name="TextBox 104"/>
+            <p:cNvSpPr txBox="1"/>
+            <p:nvPr/>
+          </p:nvSpPr>
+          <p:spPr>
+            <a:xfrm>
+              <a:off x="8312727" y="2155152"/>
+              <a:ext cx="184666" cy="369332"/>
+            </a:xfrm>
+            <a:prstGeom prst="rect">
+              <a:avLst/>
+            </a:prstGeom>
+            <a:noFill/>
+          </p:spPr>
+          <p:txBody>
+            <a:bodyPr wrap="none" rtlCol="0">
+              <a:spAutoFit/>
+            </a:bodyPr>
+            <a:lstStyle/>
+            <a:p>
+              <a:endParaRPr lang="en-US" dirty="0"/>
+            </a:p>
+          </p:txBody>
+        </p:sp>
+        <p:cxnSp>
+          <p:nvCxnSpPr>
+            <p:cNvPr id="110" name="Straight Arrow Connector 109"/>
+            <p:cNvCxnSpPr>
+              <a:stCxn id="98" idx="3"/>
+              <a:endCxn id="103" idx="1"/>
+            </p:cNvCxnSpPr>
+            <p:nvPr/>
+          </p:nvCxnSpPr>
+          <p:spPr>
+            <a:xfrm flipV="1">
+              <a:off x="6694881" y="1982715"/>
+              <a:ext cx="647380" cy="1364"/>
+            </a:xfrm>
+            <a:prstGeom prst="straightConnector1">
+              <a:avLst/>
+            </a:prstGeom>
+            <a:ln>
+              <a:solidFill>
+                <a:schemeClr val="tx1"/>
+              </a:solidFill>
+              <a:tailEnd type="arrow"/>
+            </a:ln>
+          </p:spPr>
+          <p:style>
+            <a:lnRef idx="2">
+              <a:schemeClr val="accent1"/>
+            </a:lnRef>
+            <a:fillRef idx="0">
+              <a:schemeClr val="accent1"/>
+            </a:fillRef>
+            <a:effectRef idx="1">
+              <a:schemeClr val="accent1"/>
+            </a:effectRef>
+            <a:fontRef idx="minor">
+              <a:schemeClr val="tx1"/>
+            </a:fontRef>
+          </p:style>
+        </p:cxnSp>
+        <p:sp>
+          <p:nvSpPr>
+            <p:cNvPr id="143" name="Freeform 142"/>
             <p:cNvSpPr/>
             <p:nvPr/>
           </p:nvSpPr>
           <p:spPr>
             <a:xfrm>
-              <a:off x="7167166" y="4114179"/>
+              <a:off x="4913582" y="2799050"/>
+              <a:ext cx="1290857" cy="303317"/>
+            </a:xfrm>
+            <a:custGeom>
+              <a:avLst/>
+              <a:gdLst>
+                <a:gd name="connsiteX0" fmla="*/ 1290857 w 1290857"/>
+                <a:gd name="connsiteY0" fmla="*/ 303317 h 303317"/>
+                <a:gd name="connsiteX1" fmla="*/ 728710 w 1290857"/>
+                <a:gd name="connsiteY1" fmla="*/ 32640 h 303317"/>
+                <a:gd name="connsiteX2" fmla="*/ 0 w 1290857"/>
+                <a:gd name="connsiteY2" fmla="*/ 1408 h 303317"/>
+              </a:gdLst>
+              <a:ahLst/>
+              <a:cxnLst>
+                <a:cxn ang="0">
+                  <a:pos x="connsiteX0" y="connsiteY0"/>
+                </a:cxn>
+                <a:cxn ang="0">
+                  <a:pos x="connsiteX1" y="connsiteY1"/>
+                </a:cxn>
+                <a:cxn ang="0">
+                  <a:pos x="connsiteX2" y="connsiteY2"/>
+                </a:cxn>
+              </a:cxnLst>
+              <a:rect l="l" t="t" r="r" b="b"/>
+              <a:pathLst>
+                <a:path w="1290857" h="303317">
+                  <a:moveTo>
+                    <a:pt x="1290857" y="303317"/>
+                  </a:moveTo>
+                  <a:cubicBezTo>
+                    <a:pt x="1117355" y="193137"/>
+                    <a:pt x="943853" y="82958"/>
+                    <a:pt x="728710" y="32640"/>
+                  </a:cubicBezTo>
+                  <a:cubicBezTo>
+                    <a:pt x="513567" y="-17678"/>
+                    <a:pt x="83281" y="6613"/>
+                    <a:pt x="0" y="1408"/>
+                  </a:cubicBezTo>
+                </a:path>
+              </a:pathLst>
+            </a:custGeom>
+            <a:ln>
+              <a:solidFill>
+                <a:schemeClr val="tx1"/>
+              </a:solidFill>
+              <a:headEnd type="none"/>
+              <a:tailEnd type="arrow"/>
+            </a:ln>
+          </p:spPr>
+          <p:style>
+            <a:lnRef idx="2">
+              <a:schemeClr val="accent1"/>
+            </a:lnRef>
+            <a:fillRef idx="0">
+              <a:schemeClr val="accent1"/>
+            </a:fillRef>
+            <a:effectRef idx="1">
+              <a:schemeClr val="accent1"/>
+            </a:effectRef>
+            <a:fontRef idx="minor">
+              <a:schemeClr val="tx1"/>
+            </a:fontRef>
+          </p:style>
+          <p:txBody>
+            <a:bodyPr rtlCol="0" anchor="ctr"/>
+            <a:lstStyle/>
+            <a:p>
+              <a:pPr algn="ctr"/>
+              <a:endParaRPr lang="en-US"/>
+            </a:p>
+          </p:txBody>
+        </p:sp>
+        <p:sp>
+          <p:nvSpPr>
+            <p:cNvPr id="149" name="Rectangle 148"/>
+            <p:cNvSpPr/>
+            <p:nvPr/>
+          </p:nvSpPr>
+          <p:spPr>
+            <a:xfrm>
+              <a:off x="7331851" y="1526778"/>
               <a:ext cx="1371878" cy="1320403"/>
             </a:xfrm>
             <a:prstGeom prst="rect">
@@ -5925,13 +5712,13 @@
         </p:sp>
         <p:sp>
           <p:nvSpPr>
-            <p:cNvPr id="152" name="TextBox 151"/>
+            <p:cNvPr id="150" name="TextBox 149"/>
             <p:cNvSpPr txBox="1"/>
             <p:nvPr/>
           </p:nvSpPr>
           <p:spPr>
             <a:xfrm>
-              <a:off x="7163946" y="4114796"/>
+              <a:off x="7328631" y="1527395"/>
               <a:ext cx="1375097" cy="230832"/>
             </a:xfrm>
             <a:prstGeom prst="rect">
@@ -5957,130 +5744,124 @@
             </a:p>
           </p:txBody>
         </p:sp>
-      </p:grpSp>
-      <p:cxnSp>
-        <p:nvCxnSpPr>
-          <p:cNvPr id="163" name="Elbow Connector 162"/>
-          <p:cNvCxnSpPr>
-            <a:stCxn id="98" idx="3"/>
-            <a:endCxn id="107" idx="1"/>
-          </p:cNvCxnSpPr>
-          <p:nvPr/>
-        </p:nvCxnSpPr>
-        <p:spPr>
-          <a:xfrm>
-            <a:off x="6694881" y="1984079"/>
-            <a:ext cx="643012" cy="1935687"/>
-          </a:xfrm>
-          <a:prstGeom prst="bentConnector3">
-            <a:avLst>
-              <a:gd name="adj1" fmla="val 50000"/>
-            </a:avLst>
-          </a:prstGeom>
-          <a:ln>
-            <a:solidFill>
-              <a:schemeClr val="tx1"/>
-            </a:solidFill>
-            <a:tailEnd type="arrow"/>
-          </a:ln>
-        </p:spPr>
-        <p:style>
-          <a:lnRef idx="2">
-            <a:schemeClr val="accent1"/>
-          </a:lnRef>
-          <a:fillRef idx="0">
-            <a:schemeClr val="accent1"/>
-          </a:fillRef>
-          <a:effectRef idx="1">
-            <a:schemeClr val="accent1"/>
-          </a:effectRef>
-          <a:fontRef idx="minor">
-            <a:schemeClr val="tx1"/>
-          </a:fontRef>
-        </p:style>
-      </p:cxnSp>
-      <p:grpSp>
-        <p:nvGrpSpPr>
-          <p:cNvPr id="166" name="Group 165"/>
-          <p:cNvGrpSpPr/>
-          <p:nvPr/>
-        </p:nvGrpSpPr>
-        <p:grpSpPr>
-          <a:xfrm>
-            <a:off x="5586589" y="4370713"/>
-            <a:ext cx="1295578" cy="1780535"/>
-            <a:chOff x="7082322" y="3755512"/>
-            <a:chExt cx="1548537" cy="1780535"/>
-          </a:xfrm>
-        </p:grpSpPr>
         <p:grpSp>
           <p:nvGrpSpPr>
-            <p:cNvPr id="167" name="Group 166"/>
+            <p:cNvPr id="157" name="Group 156"/>
             <p:cNvGrpSpPr/>
             <p:nvPr/>
           </p:nvGrpSpPr>
           <p:grpSpPr>
             <a:xfrm>
-              <a:off x="7082322" y="3755512"/>
+              <a:off x="7251655" y="3098473"/>
               <a:ext cx="1548537" cy="1780535"/>
-              <a:chOff x="270893" y="3987999"/>
+              <a:chOff x="7082322" y="3755512"/>
               <a:chExt cx="1548537" cy="1780535"/>
             </a:xfrm>
           </p:grpSpPr>
+          <p:grpSp>
+            <p:nvGrpSpPr>
+              <p:cNvPr id="26" name="Group 25"/>
+              <p:cNvGrpSpPr/>
+              <p:nvPr/>
+            </p:nvGrpSpPr>
+            <p:grpSpPr>
+              <a:xfrm>
+                <a:off x="7082322" y="3755512"/>
+                <a:ext cx="1548537" cy="1780535"/>
+                <a:chOff x="270893" y="3987999"/>
+                <a:chExt cx="1548537" cy="1780535"/>
+              </a:xfrm>
+            </p:grpSpPr>
+            <p:sp>
+              <p:nvSpPr>
+                <p:cNvPr id="24" name="Rectangle 23"/>
+                <p:cNvSpPr/>
+                <p:nvPr/>
+              </p:nvSpPr>
+              <p:spPr>
+                <a:xfrm>
+                  <a:off x="270893" y="3987999"/>
+                  <a:ext cx="1548537" cy="1780535"/>
+                </a:xfrm>
+                <a:prstGeom prst="rect">
+                  <a:avLst/>
+                </a:prstGeom>
+                <a:noFill/>
+                <a:ln w="25400">
+                  <a:solidFill>
+                    <a:schemeClr val="tx1"/>
+                  </a:solidFill>
+                </a:ln>
+              </p:spPr>
+              <p:style>
+                <a:lnRef idx="1">
+                  <a:schemeClr val="accent1"/>
+                </a:lnRef>
+                <a:fillRef idx="3">
+                  <a:schemeClr val="accent1"/>
+                </a:fillRef>
+                <a:effectRef idx="2">
+                  <a:schemeClr val="accent1"/>
+                </a:effectRef>
+                <a:fontRef idx="minor">
+                  <a:schemeClr val="lt1"/>
+                </a:fontRef>
+              </p:style>
+              <p:txBody>
+                <a:bodyPr rtlCol="0" anchor="ctr"/>
+                <a:lstStyle/>
+                <a:p>
+                  <a:pPr algn="ctr"/>
+                  <a:endParaRPr lang="en-US"/>
+                </a:p>
+              </p:txBody>
+            </p:sp>
+            <p:sp>
+              <p:nvSpPr>
+                <p:cNvPr id="25" name="TextBox 24"/>
+                <p:cNvSpPr txBox="1"/>
+                <p:nvPr/>
+              </p:nvSpPr>
+              <p:spPr>
+                <a:xfrm>
+                  <a:off x="270893" y="3987999"/>
+                  <a:ext cx="1548537" cy="230832"/>
+                </a:xfrm>
+                <a:prstGeom prst="rect">
+                  <a:avLst/>
+                </a:prstGeom>
+                <a:noFill/>
+                <a:ln>
+                  <a:solidFill>
+                    <a:schemeClr val="tx1"/>
+                  </a:solidFill>
+                </a:ln>
+              </p:spPr>
+              <p:txBody>
+                <a:bodyPr wrap="square" rtlCol="0">
+                  <a:spAutoFit/>
+                </a:bodyPr>
+                <a:lstStyle/>
+                <a:p>
+                  <a:r>
+                    <a:rPr lang="en-US" sz="900" b="1" dirty="0" err="1" smtClean="0"/>
+                    <a:t>TopController</a:t>
+                  </a:r>
+                  <a:endParaRPr lang="en-US" sz="900" b="1" dirty="0" smtClean="0"/>
+                </a:p>
+              </p:txBody>
+            </p:sp>
+          </p:grpSp>
           <p:sp>
             <p:nvSpPr>
-              <p:cNvPr id="171" name="Rectangle 170"/>
-              <p:cNvSpPr/>
-              <p:nvPr/>
-            </p:nvSpPr>
-            <p:spPr>
-              <a:xfrm>
-                <a:off x="270893" y="3987999"/>
-                <a:ext cx="1548537" cy="1780535"/>
-              </a:xfrm>
-              <a:prstGeom prst="rect">
-                <a:avLst/>
-              </a:prstGeom>
-              <a:noFill/>
-              <a:ln w="25400">
-                <a:solidFill>
-                  <a:schemeClr val="tx1"/>
-                </a:solidFill>
-              </a:ln>
-            </p:spPr>
-            <p:style>
-              <a:lnRef idx="1">
-                <a:schemeClr val="accent1"/>
-              </a:lnRef>
-              <a:fillRef idx="3">
-                <a:schemeClr val="accent1"/>
-              </a:fillRef>
-              <a:effectRef idx="2">
-                <a:schemeClr val="accent1"/>
-              </a:effectRef>
-              <a:fontRef idx="minor">
-                <a:schemeClr val="lt1"/>
-              </a:fontRef>
-            </p:style>
-            <p:txBody>
-              <a:bodyPr rtlCol="0" anchor="ctr"/>
-              <a:lstStyle/>
-              <a:p>
-                <a:pPr algn="ctr"/>
-                <a:endParaRPr lang="en-US"/>
-              </a:p>
-            </p:txBody>
-          </p:sp>
-          <p:sp>
-            <p:nvSpPr>
-              <p:cNvPr id="172" name="TextBox 171"/>
+              <p:cNvPr id="107" name="TextBox 106"/>
               <p:cNvSpPr txBox="1"/>
               <p:nvPr/>
             </p:nvSpPr>
             <p:spPr>
               <a:xfrm>
-                <a:off x="270893" y="3987999"/>
-                <a:ext cx="1548537" cy="230832"/>
+                <a:off x="7168559" y="4476777"/>
+                <a:ext cx="1365835" cy="230832"/>
               </a:xfrm>
               <a:prstGeom prst="rect">
                 <a:avLst/>
@@ -6099,24 +5880,418 @@
               <a:lstStyle/>
               <a:p>
                 <a:r>
-                  <a:rPr lang="en-US" sz="900" b="1" dirty="0" err="1" smtClean="0"/>
-                  <a:t>frictionCompensator</a:t>
+                  <a:rPr lang="en-US" sz="900" dirty="0" err="1" smtClean="0"/>
+                  <a:t>setControllerParameters</a:t>
                 </a:r>
-                <a:endParaRPr lang="en-US" sz="900" b="1" dirty="0" smtClean="0"/>
+                <a:endParaRPr lang="en-US" sz="900" dirty="0" smtClean="0"/>
+              </a:p>
+            </p:txBody>
+          </p:sp>
+          <p:sp>
+            <p:nvSpPr>
+              <p:cNvPr id="151" name="Rectangle 150"/>
+              <p:cNvSpPr/>
+              <p:nvPr/>
+            </p:nvSpPr>
+            <p:spPr>
+              <a:xfrm>
+                <a:off x="7167166" y="4114179"/>
+                <a:ext cx="1371878" cy="1320403"/>
+              </a:xfrm>
+              <a:prstGeom prst="rect">
+                <a:avLst/>
+              </a:prstGeom>
+              <a:ln>
+                <a:solidFill>
+                  <a:schemeClr val="tx1"/>
+                </a:solidFill>
+                <a:headEnd type="none"/>
+                <a:tailEnd type="arrow"/>
+              </a:ln>
+            </p:spPr>
+            <p:style>
+              <a:lnRef idx="2">
+                <a:schemeClr val="accent1"/>
+              </a:lnRef>
+              <a:fillRef idx="0">
+                <a:schemeClr val="accent1"/>
+              </a:fillRef>
+              <a:effectRef idx="1">
+                <a:schemeClr val="accent1"/>
+              </a:effectRef>
+              <a:fontRef idx="minor">
+                <a:schemeClr val="tx1"/>
+              </a:fontRef>
+            </p:style>
+            <p:txBody>
+              <a:bodyPr rot="0" spcFirstLastPara="0" vertOverflow="overflow" horzOverflow="overflow" vert="horz" wrap="square" lIns="91440" tIns="45720" rIns="91440" bIns="45720" numCol="1" spcCol="0" rtlCol="0" fromWordArt="0" anchor="ctr" anchorCtr="0" forceAA="0" compatLnSpc="1">
+                <a:prstTxWarp prst="textNoShape">
+                  <a:avLst/>
+                </a:prstTxWarp>
+                <a:noAutofit/>
+              </a:bodyPr>
+              <a:lstStyle/>
+              <a:p>
+                <a:pPr algn="ctr"/>
+                <a:endParaRPr lang="en-US"/>
+              </a:p>
+            </p:txBody>
+          </p:sp>
+          <p:sp>
+            <p:nvSpPr>
+              <p:cNvPr id="152" name="TextBox 151"/>
+              <p:cNvSpPr txBox="1"/>
+              <p:nvPr/>
+            </p:nvSpPr>
+            <p:spPr>
+              <a:xfrm>
+                <a:off x="7163946" y="4114796"/>
+                <a:ext cx="1375097" cy="230832"/>
+              </a:xfrm>
+              <a:prstGeom prst="rect">
+                <a:avLst/>
+              </a:prstGeom>
+              <a:noFill/>
+              <a:ln>
+                <a:solidFill>
+                  <a:schemeClr val="tx1"/>
+                </a:solidFill>
+              </a:ln>
+            </p:spPr>
+            <p:txBody>
+              <a:bodyPr wrap="square" rtlCol="0">
+                <a:spAutoFit/>
+              </a:bodyPr>
+              <a:lstStyle/>
+              <a:p>
+                <a:r>
+                  <a:rPr lang="en-US" sz="900" b="1" dirty="0" smtClean="0"/>
+                  <a:t>Monitor</a:t>
+                </a:r>
               </a:p>
             </p:txBody>
           </p:sp>
         </p:grpSp>
+        <p:cxnSp>
+          <p:nvCxnSpPr>
+            <p:cNvPr id="163" name="Elbow Connector 162"/>
+            <p:cNvCxnSpPr>
+              <a:stCxn id="98" idx="3"/>
+              <a:endCxn id="107" idx="1"/>
+            </p:cNvCxnSpPr>
+            <p:nvPr/>
+          </p:nvCxnSpPr>
+          <p:spPr>
+            <a:xfrm>
+              <a:off x="6694881" y="1984079"/>
+              <a:ext cx="643011" cy="1951075"/>
+            </a:xfrm>
+            <a:prstGeom prst="bentConnector3">
+              <a:avLst>
+                <a:gd name="adj1" fmla="val 50000"/>
+              </a:avLst>
+            </a:prstGeom>
+            <a:ln>
+              <a:solidFill>
+                <a:schemeClr val="tx1"/>
+              </a:solidFill>
+              <a:tailEnd type="arrow"/>
+            </a:ln>
+          </p:spPr>
+          <p:style>
+            <a:lnRef idx="2">
+              <a:schemeClr val="accent1"/>
+            </a:lnRef>
+            <a:fillRef idx="0">
+              <a:schemeClr val="accent1"/>
+            </a:fillRef>
+            <a:effectRef idx="1">
+              <a:schemeClr val="accent1"/>
+            </a:effectRef>
+            <a:fontRef idx="minor">
+              <a:schemeClr val="tx1"/>
+            </a:fontRef>
+          </p:style>
+        </p:cxnSp>
+        <p:grpSp>
+          <p:nvGrpSpPr>
+            <p:cNvPr id="166" name="Group 165"/>
+            <p:cNvGrpSpPr/>
+            <p:nvPr/>
+          </p:nvGrpSpPr>
+          <p:grpSpPr>
+            <a:xfrm>
+              <a:off x="5586589" y="4370713"/>
+              <a:ext cx="1295578" cy="1780535"/>
+              <a:chOff x="7082322" y="3755512"/>
+              <a:chExt cx="1548537" cy="1780535"/>
+            </a:xfrm>
+          </p:grpSpPr>
+          <p:grpSp>
+            <p:nvGrpSpPr>
+              <p:cNvPr id="167" name="Group 166"/>
+              <p:cNvGrpSpPr/>
+              <p:nvPr/>
+            </p:nvGrpSpPr>
+            <p:grpSpPr>
+              <a:xfrm>
+                <a:off x="7082322" y="3755512"/>
+                <a:ext cx="1548537" cy="1780535"/>
+                <a:chOff x="270893" y="3987999"/>
+                <a:chExt cx="1548537" cy="1780535"/>
+              </a:xfrm>
+            </p:grpSpPr>
+            <p:sp>
+              <p:nvSpPr>
+                <p:cNvPr id="171" name="Rectangle 170"/>
+                <p:cNvSpPr/>
+                <p:nvPr/>
+              </p:nvSpPr>
+              <p:spPr>
+                <a:xfrm>
+                  <a:off x="270893" y="3987999"/>
+                  <a:ext cx="1548537" cy="1780535"/>
+                </a:xfrm>
+                <a:prstGeom prst="rect">
+                  <a:avLst/>
+                </a:prstGeom>
+                <a:noFill/>
+                <a:ln w="25400">
+                  <a:solidFill>
+                    <a:schemeClr val="tx1"/>
+                  </a:solidFill>
+                </a:ln>
+              </p:spPr>
+              <p:style>
+                <a:lnRef idx="1">
+                  <a:schemeClr val="accent1"/>
+                </a:lnRef>
+                <a:fillRef idx="3">
+                  <a:schemeClr val="accent1"/>
+                </a:fillRef>
+                <a:effectRef idx="2">
+                  <a:schemeClr val="accent1"/>
+                </a:effectRef>
+                <a:fontRef idx="minor">
+                  <a:schemeClr val="lt1"/>
+                </a:fontRef>
+              </p:style>
+              <p:txBody>
+                <a:bodyPr rtlCol="0" anchor="ctr"/>
+                <a:lstStyle/>
+                <a:p>
+                  <a:pPr algn="ctr"/>
+                  <a:endParaRPr lang="en-US"/>
+                </a:p>
+              </p:txBody>
+            </p:sp>
+            <p:sp>
+              <p:nvSpPr>
+                <p:cNvPr id="172" name="TextBox 171"/>
+                <p:cNvSpPr txBox="1"/>
+                <p:nvPr/>
+              </p:nvSpPr>
+              <p:spPr>
+                <a:xfrm>
+                  <a:off x="270893" y="3987999"/>
+                  <a:ext cx="1548537" cy="230832"/>
+                </a:xfrm>
+                <a:prstGeom prst="rect">
+                  <a:avLst/>
+                </a:prstGeom>
+                <a:noFill/>
+                <a:ln>
+                  <a:solidFill>
+                    <a:schemeClr val="tx1"/>
+                  </a:solidFill>
+                </a:ln>
+              </p:spPr>
+              <p:txBody>
+                <a:bodyPr wrap="square" rtlCol="0">
+                  <a:spAutoFit/>
+                </a:bodyPr>
+                <a:lstStyle/>
+                <a:p>
+                  <a:r>
+                    <a:rPr lang="en-US" sz="900" b="1" dirty="0" err="1" smtClean="0"/>
+                    <a:t>frictionCompensator</a:t>
+                  </a:r>
+                  <a:endParaRPr lang="en-US" sz="900" b="1" dirty="0" smtClean="0"/>
+                </a:p>
+              </p:txBody>
+            </p:sp>
+          </p:grpSp>
+          <p:sp>
+            <p:nvSpPr>
+              <p:cNvPr id="168" name="TextBox 167"/>
+              <p:cNvSpPr txBox="1"/>
+              <p:nvPr/>
+            </p:nvSpPr>
+            <p:spPr>
+              <a:xfrm>
+                <a:off x="7222164" y="4476777"/>
+                <a:ext cx="1315559" cy="200055"/>
+              </a:xfrm>
+              <a:prstGeom prst="rect">
+                <a:avLst/>
+              </a:prstGeom>
+              <a:noFill/>
+              <a:ln>
+                <a:solidFill>
+                  <a:schemeClr val="tx1"/>
+                </a:solidFill>
+              </a:ln>
+            </p:spPr>
+            <p:txBody>
+              <a:bodyPr wrap="square" rtlCol="0">
+                <a:spAutoFit/>
+              </a:bodyPr>
+              <a:lstStyle/>
+              <a:p>
+                <a:r>
+                  <a:rPr lang="en-US" sz="700" dirty="0" err="1" smtClean="0"/>
+                  <a:t>setControllerParameters</a:t>
+                </a:r>
+                <a:endParaRPr lang="en-US" sz="700" dirty="0" smtClean="0"/>
+              </a:p>
+            </p:txBody>
+          </p:sp>
+          <p:sp>
+            <p:nvSpPr>
+              <p:cNvPr id="169" name="Rectangle 168"/>
+              <p:cNvSpPr/>
+              <p:nvPr/>
+            </p:nvSpPr>
+            <p:spPr>
+              <a:xfrm>
+                <a:off x="7167166" y="4114179"/>
+                <a:ext cx="1371878" cy="1320403"/>
+              </a:xfrm>
+              <a:prstGeom prst="rect">
+                <a:avLst/>
+              </a:prstGeom>
+              <a:ln>
+                <a:solidFill>
+                  <a:schemeClr val="tx1"/>
+                </a:solidFill>
+                <a:headEnd type="none"/>
+                <a:tailEnd type="arrow"/>
+              </a:ln>
+            </p:spPr>
+            <p:style>
+              <a:lnRef idx="2">
+                <a:schemeClr val="accent1"/>
+              </a:lnRef>
+              <a:fillRef idx="0">
+                <a:schemeClr val="accent1"/>
+              </a:fillRef>
+              <a:effectRef idx="1">
+                <a:schemeClr val="accent1"/>
+              </a:effectRef>
+              <a:fontRef idx="minor">
+                <a:schemeClr val="tx1"/>
+              </a:fontRef>
+            </p:style>
+            <p:txBody>
+              <a:bodyPr rot="0" spcFirstLastPara="0" vertOverflow="overflow" horzOverflow="overflow" vert="horz" wrap="square" lIns="91440" tIns="45720" rIns="91440" bIns="45720" numCol="1" spcCol="0" rtlCol="0" fromWordArt="0" anchor="ctr" anchorCtr="0" forceAA="0" compatLnSpc="1">
+                <a:prstTxWarp prst="textNoShape">
+                  <a:avLst/>
+                </a:prstTxWarp>
+                <a:noAutofit/>
+              </a:bodyPr>
+              <a:lstStyle/>
+              <a:p>
+                <a:pPr algn="ctr"/>
+                <a:endParaRPr lang="en-US"/>
+              </a:p>
+            </p:txBody>
+          </p:sp>
+          <p:sp>
+            <p:nvSpPr>
+              <p:cNvPr id="170" name="TextBox 169"/>
+              <p:cNvSpPr txBox="1"/>
+              <p:nvPr/>
+            </p:nvSpPr>
+            <p:spPr>
+              <a:xfrm>
+                <a:off x="7163946" y="4114796"/>
+                <a:ext cx="1375097" cy="230832"/>
+              </a:xfrm>
+              <a:prstGeom prst="rect">
+                <a:avLst/>
+              </a:prstGeom>
+              <a:noFill/>
+              <a:ln>
+                <a:solidFill>
+                  <a:schemeClr val="tx1"/>
+                </a:solidFill>
+              </a:ln>
+            </p:spPr>
+            <p:txBody>
+              <a:bodyPr wrap="square" rtlCol="0">
+                <a:spAutoFit/>
+              </a:bodyPr>
+              <a:lstStyle/>
+              <a:p>
+                <a:r>
+                  <a:rPr lang="en-US" sz="900" b="1" dirty="0" smtClean="0"/>
+                  <a:t>Monitor</a:t>
+                </a:r>
+              </a:p>
+            </p:txBody>
+          </p:sp>
+        </p:grpSp>
+        <p:cxnSp>
+          <p:nvCxnSpPr>
+            <p:cNvPr id="174" name="Elbow Connector 173"/>
+            <p:cNvCxnSpPr>
+              <a:stCxn id="99" idx="3"/>
+              <a:endCxn id="168" idx="3"/>
+            </p:cNvCxnSpPr>
+            <p:nvPr/>
+          </p:nvCxnSpPr>
+          <p:spPr>
+            <a:xfrm>
+              <a:off x="6418535" y="2303962"/>
+              <a:ext cx="385710" cy="2888044"/>
+            </a:xfrm>
+            <a:prstGeom prst="bentConnector3">
+              <a:avLst>
+                <a:gd name="adj1" fmla="val 159267"/>
+              </a:avLst>
+            </a:prstGeom>
+            <a:ln>
+              <a:solidFill>
+                <a:schemeClr val="tx1"/>
+              </a:solidFill>
+              <a:tailEnd type="arrow"/>
+            </a:ln>
+          </p:spPr>
+          <p:style>
+            <a:lnRef idx="2">
+              <a:schemeClr val="accent1"/>
+            </a:lnRef>
+            <a:fillRef idx="0">
+              <a:schemeClr val="accent1"/>
+            </a:fillRef>
+            <a:effectRef idx="1">
+              <a:schemeClr val="accent1"/>
+            </a:effectRef>
+            <a:fontRef idx="minor">
+              <a:schemeClr val="tx1"/>
+            </a:fontRef>
+          </p:style>
+        </p:cxnSp>
         <p:sp>
           <p:nvSpPr>
-            <p:cNvPr id="168" name="TextBox 167"/>
+            <p:cNvPr id="176" name="TextBox 175"/>
             <p:cNvSpPr txBox="1"/>
             <p:nvPr/>
           </p:nvSpPr>
           <p:spPr>
             <a:xfrm>
-              <a:off x="7222164" y="4476777"/>
-              <a:ext cx="1315559" cy="200055"/>
+              <a:off x="7342261" y="2324429"/>
+              <a:ext cx="1099400" cy="246221"/>
             </a:xfrm>
             <a:prstGeom prst="rect">
               <a:avLst/>
@@ -6135,30 +6310,103 @@
             <a:lstStyle/>
             <a:p>
               <a:r>
-                <a:rPr lang="en-US" sz="700" dirty="0" err="1" smtClean="0"/>
-                <a:t>setControllerParameters</a:t>
+                <a:rPr lang="en-US" sz="1000" dirty="0" err="1" smtClean="0"/>
+                <a:t>calculateOutput</a:t>
               </a:r>
-              <a:endParaRPr lang="en-US" sz="700" dirty="0" smtClean="0"/>
+              <a:endParaRPr lang="en-US" sz="1000" dirty="0" smtClean="0"/>
             </a:p>
           </p:txBody>
         </p:sp>
         <p:sp>
           <p:nvSpPr>
-            <p:cNvPr id="169" name="Rectangle 168"/>
+            <p:cNvPr id="177" name="TextBox 176"/>
+            <p:cNvSpPr txBox="1"/>
+            <p:nvPr/>
+          </p:nvSpPr>
+          <p:spPr>
+            <a:xfrm>
+              <a:off x="7328631" y="4122670"/>
+              <a:ext cx="1099400" cy="246221"/>
+            </a:xfrm>
+            <a:prstGeom prst="rect">
+              <a:avLst/>
+            </a:prstGeom>
+            <a:noFill/>
+            <a:ln>
+              <a:solidFill>
+                <a:schemeClr val="tx1"/>
+              </a:solidFill>
+            </a:ln>
+          </p:spPr>
+          <p:txBody>
+            <a:bodyPr wrap="square" rtlCol="0">
+              <a:spAutoFit/>
+            </a:bodyPr>
+            <a:lstStyle/>
+            <a:p>
+              <a:r>
+                <a:rPr lang="en-US" sz="1000" dirty="0" err="1" smtClean="0"/>
+                <a:t>calculateOutput</a:t>
+              </a:r>
+              <a:endParaRPr lang="en-US" sz="1000" dirty="0" smtClean="0"/>
+            </a:p>
+          </p:txBody>
+        </p:sp>
+        <p:sp>
+          <p:nvSpPr>
+            <p:cNvPr id="179" name="Freeform 178"/>
             <p:cNvSpPr/>
             <p:nvPr/>
           </p:nvSpPr>
           <p:spPr>
             <a:xfrm>
-              <a:off x="7167166" y="4114179"/>
-              <a:ext cx="1371878" cy="1320403"/>
+              <a:off x="6537563" y="2455751"/>
+              <a:ext cx="811990" cy="604973"/>
             </a:xfrm>
-            <a:prstGeom prst="rect">
+            <a:custGeom>
               <a:avLst/>
-            </a:prstGeom>
+              <a:gdLst>
+                <a:gd name="connsiteX0" fmla="*/ 0 w 811990"/>
+                <a:gd name="connsiteY0" fmla="*/ 604973 h 604973"/>
+                <a:gd name="connsiteX1" fmla="*/ 208203 w 811990"/>
+                <a:gd name="connsiteY1" fmla="*/ 105263 h 604973"/>
+                <a:gd name="connsiteX2" fmla="*/ 811990 w 811990"/>
+                <a:gd name="connsiteY2" fmla="*/ 1157 h 604973"/>
+              </a:gdLst>
+              <a:ahLst/>
+              <a:cxnLst>
+                <a:cxn ang="0">
+                  <a:pos x="connsiteX0" y="connsiteY0"/>
+                </a:cxn>
+                <a:cxn ang="0">
+                  <a:pos x="connsiteX1" y="connsiteY1"/>
+                </a:cxn>
+                <a:cxn ang="0">
+                  <a:pos x="connsiteX2" y="connsiteY2"/>
+                </a:cxn>
+              </a:cxnLst>
+              <a:rect l="l" t="t" r="r" b="b"/>
+              <a:pathLst>
+                <a:path w="811990" h="604973">
+                  <a:moveTo>
+                    <a:pt x="0" y="604973"/>
+                  </a:moveTo>
+                  <a:cubicBezTo>
+                    <a:pt x="36435" y="405436"/>
+                    <a:pt x="72871" y="205899"/>
+                    <a:pt x="208203" y="105263"/>
+                  </a:cubicBezTo>
+                  <a:cubicBezTo>
+                    <a:pt x="343535" y="4627"/>
+                    <a:pt x="758204" y="-4048"/>
+                    <a:pt x="811990" y="1157"/>
+                  </a:cubicBezTo>
+                </a:path>
+              </a:pathLst>
+            </a:custGeom>
             <a:ln>
               <a:solidFill>
-                <a:schemeClr val="tx1"/>
+                <a:srgbClr val="000000"/>
               </a:solidFill>
               <a:headEnd type="none"/>
               <a:tailEnd type="arrow"/>
@@ -6179,12 +6427,7 @@
             </a:fontRef>
           </p:style>
           <p:txBody>
-            <a:bodyPr rot="0" spcFirstLastPara="0" vertOverflow="overflow" horzOverflow="overflow" vert="horz" wrap="square" lIns="91440" tIns="45720" rIns="91440" bIns="45720" numCol="1" spcCol="0" rtlCol="0" fromWordArt="0" anchor="ctr" anchorCtr="0" forceAA="0" compatLnSpc="1">
-              <a:prstTxWarp prst="textNoShape">
-                <a:avLst/>
-              </a:prstTxWarp>
-              <a:noAutofit/>
-            </a:bodyPr>
+            <a:bodyPr rtlCol="0" anchor="ctr"/>
             <a:lstStyle/>
             <a:p>
               <a:pPr algn="ctr"/>
@@ -6194,14 +6437,97 @@
         </p:sp>
         <p:sp>
           <p:nvSpPr>
-            <p:cNvPr id="170" name="TextBox 169"/>
+            <p:cNvPr id="181" name="Freeform 180"/>
+            <p:cNvSpPr/>
+            <p:nvPr/>
+          </p:nvSpPr>
+          <p:spPr>
+            <a:xfrm>
+              <a:off x="6589614" y="3414685"/>
+              <a:ext cx="770350" cy="864889"/>
+            </a:xfrm>
+            <a:custGeom>
+              <a:avLst/>
+              <a:gdLst>
+                <a:gd name="connsiteX0" fmla="*/ 0 w 770350"/>
+                <a:gd name="connsiteY0" fmla="*/ 0 h 864889"/>
+                <a:gd name="connsiteX1" fmla="*/ 218613 w 770350"/>
+                <a:gd name="connsiteY1" fmla="*/ 780797 h 864889"/>
+                <a:gd name="connsiteX2" fmla="*/ 770350 w 770350"/>
+                <a:gd name="connsiteY2" fmla="*/ 843261 h 864889"/>
+              </a:gdLst>
+              <a:ahLst/>
+              <a:cxnLst>
+                <a:cxn ang="0">
+                  <a:pos x="connsiteX0" y="connsiteY0"/>
+                </a:cxn>
+                <a:cxn ang="0">
+                  <a:pos x="connsiteX1" y="connsiteY1"/>
+                </a:cxn>
+                <a:cxn ang="0">
+                  <a:pos x="connsiteX2" y="connsiteY2"/>
+                </a:cxn>
+              </a:cxnLst>
+              <a:rect l="l" t="t" r="r" b="b"/>
+              <a:pathLst>
+                <a:path w="770350" h="864889">
+                  <a:moveTo>
+                    <a:pt x="0" y="0"/>
+                  </a:moveTo>
+                  <a:cubicBezTo>
+                    <a:pt x="45110" y="320127"/>
+                    <a:pt x="90221" y="640254"/>
+                    <a:pt x="218613" y="780797"/>
+                  </a:cubicBezTo>
+                  <a:cubicBezTo>
+                    <a:pt x="347005" y="921340"/>
+                    <a:pt x="770350" y="843261"/>
+                    <a:pt x="770350" y="843261"/>
+                  </a:cubicBezTo>
+                </a:path>
+              </a:pathLst>
+            </a:custGeom>
+            <a:ln>
+              <a:solidFill>
+                <a:srgbClr val="000000"/>
+              </a:solidFill>
+              <a:headEnd type="none"/>
+              <a:tailEnd type="arrow"/>
+            </a:ln>
+          </p:spPr>
+          <p:style>
+            <a:lnRef idx="2">
+              <a:schemeClr val="accent1"/>
+            </a:lnRef>
+            <a:fillRef idx="0">
+              <a:schemeClr val="accent1"/>
+            </a:fillRef>
+            <a:effectRef idx="1">
+              <a:schemeClr val="accent1"/>
+            </a:effectRef>
+            <a:fontRef idx="minor">
+              <a:schemeClr val="tx1"/>
+            </a:fontRef>
+          </p:style>
+          <p:txBody>
+            <a:bodyPr rtlCol="0" anchor="ctr"/>
+            <a:lstStyle/>
+            <a:p>
+              <a:pPr algn="ctr"/>
+              <a:endParaRPr lang="en-US"/>
+            </a:p>
+          </p:txBody>
+        </p:sp>
+        <p:sp>
+          <p:nvSpPr>
+            <p:cNvPr id="183" name="TextBox 182"/>
             <p:cNvSpPr txBox="1"/>
             <p:nvPr/>
           </p:nvSpPr>
           <p:spPr>
             <a:xfrm>
-              <a:off x="7163946" y="4114796"/>
-              <a:ext cx="1375097" cy="230832"/>
+              <a:off x="2456123" y="5525427"/>
+              <a:ext cx="566781" cy="246221"/>
             </a:xfrm>
             <a:prstGeom prst="rect">
               <a:avLst/>
@@ -6220,829 +6546,63 @@
             <a:lstStyle/>
             <a:p>
               <a:r>
-                <a:rPr lang="en-US" sz="900" b="1" dirty="0" smtClean="0"/>
-                <a:t>Monitor</a:t>
+                <a:rPr lang="en-US" sz="1000" dirty="0" smtClean="0"/>
+                <a:t>start</a:t>
               </a:r>
             </a:p>
           </p:txBody>
         </p:sp>
-      </p:grpSp>
-      <p:cxnSp>
-        <p:nvCxnSpPr>
-          <p:cNvPr id="174" name="Elbow Connector 173"/>
-          <p:cNvCxnSpPr>
-            <a:stCxn id="99" idx="3"/>
-            <a:endCxn id="168" idx="3"/>
-          </p:cNvCxnSpPr>
-          <p:nvPr/>
-        </p:nvCxnSpPr>
-        <p:spPr>
-          <a:xfrm>
-            <a:off x="6418535" y="2303962"/>
-            <a:ext cx="385710" cy="2888044"/>
-          </a:xfrm>
-          <a:prstGeom prst="bentConnector3">
-            <a:avLst>
-              <a:gd name="adj1" fmla="val 159267"/>
-            </a:avLst>
-          </a:prstGeom>
-          <a:ln>
-            <a:solidFill>
-              <a:schemeClr val="tx1"/>
-            </a:solidFill>
-            <a:tailEnd type="arrow"/>
-          </a:ln>
-        </p:spPr>
-        <p:style>
-          <a:lnRef idx="2">
-            <a:schemeClr val="accent1"/>
-          </a:lnRef>
-          <a:fillRef idx="0">
-            <a:schemeClr val="accent1"/>
-          </a:fillRef>
-          <a:effectRef idx="1">
-            <a:schemeClr val="accent1"/>
-          </a:effectRef>
-          <a:fontRef idx="minor">
-            <a:schemeClr val="tx1"/>
-          </a:fontRef>
-        </p:style>
-      </p:cxnSp>
-      <p:sp>
-        <p:nvSpPr>
-          <p:cNvPr id="176" name="TextBox 175"/>
-          <p:cNvSpPr txBox="1"/>
-          <p:nvPr/>
-        </p:nvSpPr>
-        <p:spPr>
-          <a:xfrm>
-            <a:off x="7342261" y="2324429"/>
-            <a:ext cx="1099400" cy="246221"/>
-          </a:xfrm>
-          <a:prstGeom prst="rect">
-            <a:avLst/>
-          </a:prstGeom>
-          <a:noFill/>
-          <a:ln>
-            <a:solidFill>
-              <a:schemeClr val="tx1"/>
-            </a:solidFill>
-          </a:ln>
-        </p:spPr>
-        <p:txBody>
-          <a:bodyPr wrap="square" rtlCol="0">
-            <a:spAutoFit/>
-          </a:bodyPr>
-          <a:lstStyle/>
-          <a:p>
-            <a:r>
-              <a:rPr lang="en-US" sz="1000" dirty="0" err="1" smtClean="0"/>
-              <a:t>calculateOutput</a:t>
-            </a:r>
-            <a:endParaRPr lang="en-US" sz="1000" dirty="0" smtClean="0"/>
-          </a:p>
-        </p:txBody>
-      </p:sp>
-      <p:sp>
-        <p:nvSpPr>
-          <p:cNvPr id="177" name="TextBox 176"/>
-          <p:cNvSpPr txBox="1"/>
-          <p:nvPr/>
-        </p:nvSpPr>
-        <p:spPr>
-          <a:xfrm>
-            <a:off x="7328631" y="4122670"/>
-            <a:ext cx="1099400" cy="246221"/>
-          </a:xfrm>
-          <a:prstGeom prst="rect">
-            <a:avLst/>
-          </a:prstGeom>
-          <a:noFill/>
-          <a:ln>
-            <a:solidFill>
-              <a:schemeClr val="tx1"/>
-            </a:solidFill>
-          </a:ln>
-        </p:spPr>
-        <p:txBody>
-          <a:bodyPr wrap="square" rtlCol="0">
-            <a:spAutoFit/>
-          </a:bodyPr>
-          <a:lstStyle/>
-          <a:p>
-            <a:r>
-              <a:rPr lang="en-US" sz="1000" dirty="0" err="1" smtClean="0"/>
-              <a:t>calculateOutput</a:t>
-            </a:r>
-            <a:endParaRPr lang="en-US" sz="1000" dirty="0" smtClean="0"/>
-          </a:p>
-        </p:txBody>
-      </p:sp>
-      <p:sp>
-        <p:nvSpPr>
-          <p:cNvPr id="179" name="Freeform 178"/>
-          <p:cNvSpPr/>
-          <p:nvPr/>
-        </p:nvSpPr>
-        <p:spPr>
-          <a:xfrm>
-            <a:off x="6537563" y="2455751"/>
-            <a:ext cx="811990" cy="604973"/>
-          </a:xfrm>
-          <a:custGeom>
-            <a:avLst/>
-            <a:gdLst>
-              <a:gd name="connsiteX0" fmla="*/ 0 w 811990"/>
-              <a:gd name="connsiteY0" fmla="*/ 604973 h 604973"/>
-              <a:gd name="connsiteX1" fmla="*/ 208203 w 811990"/>
-              <a:gd name="connsiteY1" fmla="*/ 105263 h 604973"/>
-              <a:gd name="connsiteX2" fmla="*/ 811990 w 811990"/>
-              <a:gd name="connsiteY2" fmla="*/ 1157 h 604973"/>
-            </a:gdLst>
-            <a:ahLst/>
-            <a:cxnLst>
-              <a:cxn ang="0">
-                <a:pos x="connsiteX0" y="connsiteY0"/>
-              </a:cxn>
-              <a:cxn ang="0">
-                <a:pos x="connsiteX1" y="connsiteY1"/>
-              </a:cxn>
-              <a:cxn ang="0">
-                <a:pos x="connsiteX2" y="connsiteY2"/>
-              </a:cxn>
-            </a:cxnLst>
-            <a:rect l="l" t="t" r="r" b="b"/>
-            <a:pathLst>
-              <a:path w="811990" h="604973">
-                <a:moveTo>
-                  <a:pt x="0" y="604973"/>
-                </a:moveTo>
-                <a:cubicBezTo>
-                  <a:pt x="36435" y="405436"/>
-                  <a:pt x="72871" y="205899"/>
-                  <a:pt x="208203" y="105263"/>
-                </a:cubicBezTo>
-                <a:cubicBezTo>
-                  <a:pt x="343535" y="4627"/>
-                  <a:pt x="758204" y="-4048"/>
-                  <a:pt x="811990" y="1157"/>
-                </a:cubicBezTo>
-              </a:path>
-            </a:pathLst>
-          </a:custGeom>
-          <a:ln>
-            <a:solidFill>
-              <a:srgbClr val="000000"/>
-            </a:solidFill>
-            <a:headEnd type="none"/>
-            <a:tailEnd type="arrow"/>
-          </a:ln>
-        </p:spPr>
-        <p:style>
-          <a:lnRef idx="2">
-            <a:schemeClr val="accent1"/>
-          </a:lnRef>
-          <a:fillRef idx="0">
-            <a:schemeClr val="accent1"/>
-          </a:fillRef>
-          <a:effectRef idx="1">
-            <a:schemeClr val="accent1"/>
-          </a:effectRef>
-          <a:fontRef idx="minor">
-            <a:schemeClr val="tx1"/>
-          </a:fontRef>
-        </p:style>
-        <p:txBody>
-          <a:bodyPr rtlCol="0" anchor="ctr"/>
-          <a:lstStyle/>
-          <a:p>
-            <a:pPr algn="ctr"/>
-            <a:endParaRPr lang="en-US"/>
-          </a:p>
-        </p:txBody>
-      </p:sp>
-      <p:sp>
-        <p:nvSpPr>
-          <p:cNvPr id="181" name="Freeform 180"/>
-          <p:cNvSpPr/>
-          <p:nvPr/>
-        </p:nvSpPr>
-        <p:spPr>
-          <a:xfrm>
-            <a:off x="6589614" y="3414685"/>
-            <a:ext cx="770350" cy="864889"/>
-          </a:xfrm>
-          <a:custGeom>
-            <a:avLst/>
-            <a:gdLst>
-              <a:gd name="connsiteX0" fmla="*/ 0 w 770350"/>
-              <a:gd name="connsiteY0" fmla="*/ 0 h 864889"/>
-              <a:gd name="connsiteX1" fmla="*/ 218613 w 770350"/>
-              <a:gd name="connsiteY1" fmla="*/ 780797 h 864889"/>
-              <a:gd name="connsiteX2" fmla="*/ 770350 w 770350"/>
-              <a:gd name="connsiteY2" fmla="*/ 843261 h 864889"/>
-            </a:gdLst>
-            <a:ahLst/>
-            <a:cxnLst>
-              <a:cxn ang="0">
-                <a:pos x="connsiteX0" y="connsiteY0"/>
-              </a:cxn>
-              <a:cxn ang="0">
-                <a:pos x="connsiteX1" y="connsiteY1"/>
-              </a:cxn>
-              <a:cxn ang="0">
-                <a:pos x="connsiteX2" y="connsiteY2"/>
-              </a:cxn>
-            </a:cxnLst>
-            <a:rect l="l" t="t" r="r" b="b"/>
-            <a:pathLst>
-              <a:path w="770350" h="864889">
-                <a:moveTo>
-                  <a:pt x="0" y="0"/>
-                </a:moveTo>
-                <a:cubicBezTo>
-                  <a:pt x="45110" y="320127"/>
-                  <a:pt x="90221" y="640254"/>
-                  <a:pt x="218613" y="780797"/>
-                </a:cubicBezTo>
-                <a:cubicBezTo>
-                  <a:pt x="347005" y="921340"/>
-                  <a:pt x="770350" y="843261"/>
-                  <a:pt x="770350" y="843261"/>
-                </a:cubicBezTo>
-              </a:path>
-            </a:pathLst>
-          </a:custGeom>
-          <a:ln>
-            <a:solidFill>
-              <a:srgbClr val="000000"/>
-            </a:solidFill>
-            <a:headEnd type="none"/>
-            <a:tailEnd type="arrow"/>
-          </a:ln>
-        </p:spPr>
-        <p:style>
-          <a:lnRef idx="2">
-            <a:schemeClr val="accent1"/>
-          </a:lnRef>
-          <a:fillRef idx="0">
-            <a:schemeClr val="accent1"/>
-          </a:fillRef>
-          <a:effectRef idx="1">
-            <a:schemeClr val="accent1"/>
-          </a:effectRef>
-          <a:fontRef idx="minor">
-            <a:schemeClr val="tx1"/>
-          </a:fontRef>
-        </p:style>
-        <p:txBody>
-          <a:bodyPr rtlCol="0" anchor="ctr"/>
-          <a:lstStyle/>
-          <a:p>
-            <a:pPr algn="ctr"/>
-            <a:endParaRPr lang="en-US"/>
-          </a:p>
-        </p:txBody>
-      </p:sp>
-      <p:sp>
-        <p:nvSpPr>
-          <p:cNvPr id="183" name="TextBox 182"/>
-          <p:cNvSpPr txBox="1"/>
-          <p:nvPr/>
-        </p:nvSpPr>
-        <p:spPr>
-          <a:xfrm>
-            <a:off x="2456123" y="5525427"/>
-            <a:ext cx="566781" cy="246221"/>
-          </a:xfrm>
-          <a:prstGeom prst="rect">
-            <a:avLst/>
-          </a:prstGeom>
-          <a:noFill/>
-          <a:ln>
-            <a:solidFill>
-              <a:schemeClr val="tx1"/>
-            </a:solidFill>
-          </a:ln>
-        </p:spPr>
-        <p:txBody>
-          <a:bodyPr wrap="square" rtlCol="0">
-            <a:spAutoFit/>
-          </a:bodyPr>
-          <a:lstStyle/>
-          <a:p>
-            <a:r>
-              <a:rPr lang="en-US" sz="1000" dirty="0" smtClean="0"/>
-              <a:t>start</a:t>
-            </a:r>
-          </a:p>
-        </p:txBody>
-      </p:sp>
-      <p:sp>
-        <p:nvSpPr>
-          <p:cNvPr id="184" name="TextBox 183"/>
-          <p:cNvSpPr txBox="1"/>
-          <p:nvPr/>
-        </p:nvSpPr>
-        <p:spPr>
-          <a:xfrm>
-            <a:off x="5524357" y="3970148"/>
-            <a:ext cx="566781" cy="246221"/>
-          </a:xfrm>
-          <a:prstGeom prst="rect">
-            <a:avLst/>
-          </a:prstGeom>
-          <a:noFill/>
-          <a:ln>
-            <a:solidFill>
-              <a:schemeClr val="tx1"/>
-            </a:solidFill>
-          </a:ln>
-        </p:spPr>
-        <p:txBody>
-          <a:bodyPr wrap="square" rtlCol="0">
-            <a:spAutoFit/>
-          </a:bodyPr>
-          <a:lstStyle/>
-          <a:p>
-            <a:r>
-              <a:rPr lang="en-US" sz="1000" dirty="0" smtClean="0"/>
-              <a:t>start</a:t>
-            </a:r>
-          </a:p>
-        </p:txBody>
-      </p:sp>
-      <p:cxnSp>
-        <p:nvCxnSpPr>
-          <p:cNvPr id="187" name="Curved Connector 186"/>
-          <p:cNvCxnSpPr>
-            <a:stCxn id="15" idx="2"/>
-            <a:endCxn id="183" idx="3"/>
-          </p:cNvCxnSpPr>
-          <p:nvPr/>
-        </p:nvCxnSpPr>
-        <p:spPr>
-          <a:xfrm rot="10800000" flipV="1">
-            <a:off x="3022904" y="5329732"/>
-            <a:ext cx="441660" cy="318805"/>
-          </a:xfrm>
-          <a:prstGeom prst="curvedConnector3">
-            <a:avLst>
-              <a:gd name="adj1" fmla="val 50000"/>
-            </a:avLst>
-          </a:prstGeom>
-          <a:ln>
-            <a:solidFill>
-              <a:schemeClr val="tx1"/>
-            </a:solidFill>
-            <a:tailEnd type="arrow"/>
-          </a:ln>
-        </p:spPr>
-        <p:style>
-          <a:lnRef idx="2">
-            <a:schemeClr val="accent1"/>
-          </a:lnRef>
-          <a:fillRef idx="0">
-            <a:schemeClr val="accent1"/>
-          </a:fillRef>
-          <a:effectRef idx="1">
-            <a:schemeClr val="accent1"/>
-          </a:effectRef>
-          <a:fontRef idx="minor">
-            <a:schemeClr val="tx1"/>
-          </a:fontRef>
-        </p:style>
-      </p:cxnSp>
-      <p:cxnSp>
-        <p:nvCxnSpPr>
-          <p:cNvPr id="191" name="Curved Connector 190"/>
-          <p:cNvCxnSpPr>
-            <a:stCxn id="15" idx="6"/>
-            <a:endCxn id="184" idx="1"/>
-          </p:cNvCxnSpPr>
-          <p:nvPr/>
-        </p:nvCxnSpPr>
-        <p:spPr>
-          <a:xfrm flipV="1">
-            <a:off x="4930874" y="4093259"/>
-            <a:ext cx="593483" cy="1236474"/>
-          </a:xfrm>
-          <a:prstGeom prst="curvedConnector3">
-            <a:avLst/>
-          </a:prstGeom>
-          <a:ln>
-            <a:solidFill>
-              <a:schemeClr val="tx1"/>
-            </a:solidFill>
-            <a:tailEnd type="arrow"/>
-          </a:ln>
-        </p:spPr>
-        <p:style>
-          <a:lnRef idx="2">
-            <a:schemeClr val="accent1"/>
-          </a:lnRef>
-          <a:fillRef idx="0">
-            <a:schemeClr val="accent1"/>
-          </a:fillRef>
-          <a:effectRef idx="1">
-            <a:schemeClr val="accent1"/>
-          </a:effectRef>
-          <a:fontRef idx="minor">
-            <a:schemeClr val="tx1"/>
-          </a:fontRef>
-        </p:style>
-      </p:cxnSp>
-      <p:cxnSp>
-        <p:nvCxnSpPr>
-          <p:cNvPr id="193" name="Curved Connector 192"/>
-          <p:cNvCxnSpPr>
-            <a:stCxn id="94" idx="1"/>
-            <a:endCxn id="67" idx="3"/>
-          </p:cNvCxnSpPr>
-          <p:nvPr/>
-        </p:nvCxnSpPr>
-        <p:spPr>
-          <a:xfrm rot="10800000">
-            <a:off x="3015515" y="1626806"/>
-            <a:ext cx="1235704" cy="1189142"/>
-          </a:xfrm>
-          <a:prstGeom prst="curvedConnector3">
-            <a:avLst/>
-          </a:prstGeom>
-          <a:ln>
-            <a:solidFill>
-              <a:schemeClr val="tx1"/>
-            </a:solidFill>
-            <a:tailEnd type="arrow"/>
-          </a:ln>
-        </p:spPr>
-        <p:style>
-          <a:lnRef idx="2">
-            <a:schemeClr val="accent1"/>
-          </a:lnRef>
-          <a:fillRef idx="0">
-            <a:schemeClr val="accent1"/>
-          </a:fillRef>
-          <a:effectRef idx="1">
-            <a:schemeClr val="accent1"/>
-          </a:effectRef>
-          <a:fontRef idx="minor">
-            <a:schemeClr val="tx1"/>
-          </a:fontRef>
-        </p:style>
-      </p:cxnSp>
-      <p:cxnSp>
-        <p:nvCxnSpPr>
-          <p:cNvPr id="194" name="Curved Connector 193"/>
-          <p:cNvCxnSpPr>
-            <a:stCxn id="94" idx="1"/>
-            <a:endCxn id="42" idx="3"/>
-          </p:cNvCxnSpPr>
-          <p:nvPr/>
-        </p:nvCxnSpPr>
-        <p:spPr>
-          <a:xfrm rot="10800000" flipV="1">
-            <a:off x="3028109" y="2815947"/>
-            <a:ext cx="1223110" cy="1158685"/>
-          </a:xfrm>
-          <a:prstGeom prst="curvedConnector3">
-            <a:avLst/>
-          </a:prstGeom>
-          <a:ln>
-            <a:solidFill>
-              <a:schemeClr val="tx1"/>
-            </a:solidFill>
-            <a:tailEnd type="arrow"/>
-          </a:ln>
-        </p:spPr>
-        <p:style>
-          <a:lnRef idx="2">
-            <a:schemeClr val="accent1"/>
-          </a:lnRef>
-          <a:fillRef idx="0">
-            <a:schemeClr val="accent1"/>
-          </a:fillRef>
-          <a:effectRef idx="1">
-            <a:schemeClr val="accent1"/>
-          </a:effectRef>
-          <a:fontRef idx="minor">
-            <a:schemeClr val="tx1"/>
-          </a:fontRef>
-        </p:style>
-      </p:cxnSp>
-      <p:cxnSp>
-        <p:nvCxnSpPr>
-          <p:cNvPr id="195" name="Curved Connector 194"/>
-          <p:cNvCxnSpPr>
-            <a:stCxn id="224" idx="1"/>
-            <a:endCxn id="66" idx="3"/>
-          </p:cNvCxnSpPr>
-          <p:nvPr/>
-        </p:nvCxnSpPr>
-        <p:spPr>
-          <a:xfrm rot="10800000">
-            <a:off x="3028480" y="2815948"/>
-            <a:ext cx="879837" cy="888340"/>
-          </a:xfrm>
-          <a:prstGeom prst="curvedConnector3">
-            <a:avLst/>
-          </a:prstGeom>
-          <a:ln>
-            <a:solidFill>
-              <a:schemeClr val="tx1"/>
-            </a:solidFill>
-            <a:tailEnd type="arrow"/>
-          </a:ln>
-        </p:spPr>
-        <p:style>
-          <a:lnRef idx="2">
-            <a:schemeClr val="accent1"/>
-          </a:lnRef>
-          <a:fillRef idx="0">
-            <a:schemeClr val="accent1"/>
-          </a:fillRef>
-          <a:effectRef idx="1">
-            <a:schemeClr val="accent1"/>
-          </a:effectRef>
-          <a:fontRef idx="minor">
-            <a:schemeClr val="tx1"/>
-          </a:fontRef>
-        </p:style>
-      </p:cxnSp>
-      <p:sp>
-        <p:nvSpPr>
-          <p:cNvPr id="202" name="TextBox 201"/>
-          <p:cNvSpPr txBox="1"/>
-          <p:nvPr/>
-        </p:nvSpPr>
-        <p:spPr>
-          <a:xfrm>
-            <a:off x="196727" y="5771648"/>
-            <a:ext cx="872012" cy="246221"/>
-          </a:xfrm>
-          <a:prstGeom prst="rect">
-            <a:avLst/>
-          </a:prstGeom>
-          <a:noFill/>
-          <a:ln>
-            <a:solidFill>
-              <a:schemeClr val="tx1"/>
-            </a:solidFill>
-          </a:ln>
-        </p:spPr>
-        <p:txBody>
-          <a:bodyPr wrap="square" rtlCol="0">
-            <a:spAutoFit/>
-          </a:bodyPr>
-          <a:lstStyle/>
-          <a:p>
-            <a:r>
-              <a:rPr lang="en-US" sz="1000" dirty="0" err="1" smtClean="0"/>
-              <a:t>initializeGUI</a:t>
-            </a:r>
-            <a:endParaRPr lang="en-US" sz="1000" dirty="0" smtClean="0"/>
-          </a:p>
-        </p:txBody>
-      </p:sp>
-      <p:cxnSp>
-        <p:nvCxnSpPr>
-          <p:cNvPr id="204" name="Curved Connector 203"/>
-          <p:cNvCxnSpPr>
-            <a:stCxn id="15" idx="3"/>
-            <a:endCxn id="202" idx="2"/>
-          </p:cNvCxnSpPr>
-          <p:nvPr/>
-        </p:nvCxnSpPr>
-        <p:spPr>
-          <a:xfrm rot="5400000">
-            <a:off x="1881138" y="4219706"/>
-            <a:ext cx="549759" cy="3046567"/>
-          </a:xfrm>
-          <a:prstGeom prst="curvedConnector3">
-            <a:avLst>
-              <a:gd name="adj1" fmla="val 141582"/>
-            </a:avLst>
-          </a:prstGeom>
-          <a:ln>
-            <a:solidFill>
-              <a:schemeClr val="tx1"/>
-            </a:solidFill>
-            <a:tailEnd type="arrow"/>
-          </a:ln>
-        </p:spPr>
-        <p:style>
-          <a:lnRef idx="2">
-            <a:schemeClr val="accent1"/>
-          </a:lnRef>
-          <a:fillRef idx="0">
-            <a:schemeClr val="accent1"/>
-          </a:fillRef>
-          <a:effectRef idx="1">
-            <a:schemeClr val="accent1"/>
-          </a:effectRef>
-          <a:fontRef idx="minor">
-            <a:schemeClr val="tx1"/>
-          </a:fontRef>
-        </p:style>
-      </p:cxnSp>
-      <p:sp>
-        <p:nvSpPr>
-          <p:cNvPr id="206" name="TextBox 205"/>
-          <p:cNvSpPr txBox="1"/>
-          <p:nvPr/>
-        </p:nvSpPr>
-        <p:spPr>
-          <a:xfrm>
-            <a:off x="1221139" y="5760710"/>
-            <a:ext cx="872012" cy="246221"/>
-          </a:xfrm>
-          <a:prstGeom prst="rect">
-            <a:avLst/>
-          </a:prstGeom>
-          <a:noFill/>
-          <a:ln>
-            <a:solidFill>
-              <a:schemeClr val="tx1"/>
-            </a:solidFill>
-          </a:ln>
-        </p:spPr>
-        <p:txBody>
-          <a:bodyPr wrap="square" rtlCol="0">
-            <a:spAutoFit/>
-          </a:bodyPr>
-          <a:lstStyle/>
-          <a:p>
-            <a:r>
-              <a:rPr lang="en-US" sz="1000" dirty="0" err="1" smtClean="0"/>
-              <a:t>setController</a:t>
-            </a:r>
-            <a:endParaRPr lang="en-US" sz="1000" dirty="0" smtClean="0"/>
-          </a:p>
-        </p:txBody>
-      </p:sp>
-      <p:cxnSp>
-        <p:nvCxnSpPr>
-          <p:cNvPr id="208" name="Curved Connector 207"/>
-          <p:cNvCxnSpPr>
-            <a:stCxn id="15" idx="3"/>
-            <a:endCxn id="7" idx="2"/>
-          </p:cNvCxnSpPr>
-          <p:nvPr/>
-        </p:nvCxnSpPr>
-        <p:spPr>
-          <a:xfrm rot="5400000">
-            <a:off x="2377786" y="4705416"/>
-            <a:ext cx="538821" cy="2064209"/>
-          </a:xfrm>
-          <a:prstGeom prst="curvedConnector3">
-            <a:avLst>
-              <a:gd name="adj1" fmla="val 142426"/>
-            </a:avLst>
-          </a:prstGeom>
-          <a:ln>
-            <a:solidFill>
-              <a:schemeClr val="tx1"/>
-            </a:solidFill>
-            <a:tailEnd type="arrow"/>
-          </a:ln>
-        </p:spPr>
-        <p:style>
-          <a:lnRef idx="2">
-            <a:schemeClr val="accent1"/>
-          </a:lnRef>
-          <a:fillRef idx="0">
-            <a:schemeClr val="accent1"/>
-          </a:fillRef>
-          <a:effectRef idx="1">
-            <a:schemeClr val="accent1"/>
-          </a:effectRef>
-          <a:fontRef idx="minor">
-            <a:schemeClr val="tx1"/>
-          </a:fontRef>
-        </p:style>
-      </p:cxnSp>
-      <p:grpSp>
-        <p:nvGrpSpPr>
-          <p:cNvPr id="218" name="Group 217"/>
-          <p:cNvGrpSpPr/>
-          <p:nvPr/>
-        </p:nvGrpSpPr>
-        <p:grpSpPr>
-          <a:xfrm>
-            <a:off x="719114" y="1984079"/>
-            <a:ext cx="4814163" cy="2623678"/>
-            <a:chOff x="719114" y="1984079"/>
-            <a:chExt cx="4814163" cy="2623678"/>
-          </a:xfrm>
-        </p:grpSpPr>
-        <p:grpSp>
-          <p:nvGrpSpPr>
-            <p:cNvPr id="200" name="Group 199"/>
-            <p:cNvGrpSpPr/>
+        <p:sp>
+          <p:nvSpPr>
+            <p:cNvPr id="184" name="TextBox 183"/>
+            <p:cNvSpPr txBox="1"/>
             <p:nvPr/>
-          </p:nvGrpSpPr>
-          <p:grpSpPr>
+          </p:nvSpPr>
+          <p:spPr>
             <a:xfrm>
-              <a:off x="719114" y="4216369"/>
-              <a:ext cx="1596971" cy="391388"/>
-              <a:chOff x="782517" y="5122717"/>
-              <a:chExt cx="1596971" cy="391388"/>
+              <a:off x="5524357" y="3970148"/>
+              <a:ext cx="566781" cy="246221"/>
             </a:xfrm>
-          </p:grpSpPr>
-          <p:sp>
-            <p:nvSpPr>
-              <p:cNvPr id="146" name="Oval 145"/>
-              <p:cNvSpPr/>
-              <p:nvPr/>
-            </p:nvSpPr>
-            <p:spPr>
-              <a:xfrm>
-                <a:off x="782517" y="5122717"/>
-                <a:ext cx="1596971" cy="391388"/>
-              </a:xfrm>
-              <a:prstGeom prst="ellipse">
-                <a:avLst/>
-              </a:prstGeom>
-              <a:noFill/>
-              <a:ln w="22225">
-                <a:solidFill>
-                  <a:schemeClr val="tx1"/>
-                </a:solidFill>
-                <a:prstDash val="dash"/>
-              </a:ln>
-            </p:spPr>
-            <p:style>
-              <a:lnRef idx="1">
-                <a:schemeClr val="accent1"/>
-              </a:lnRef>
-              <a:fillRef idx="3">
-                <a:schemeClr val="accent1"/>
-              </a:fillRef>
-              <a:effectRef idx="2">
-                <a:schemeClr val="accent1"/>
-              </a:effectRef>
-              <a:fontRef idx="minor">
-                <a:schemeClr val="lt1"/>
-              </a:fontRef>
-            </p:style>
-            <p:txBody>
-              <a:bodyPr rtlCol="0" anchor="ctr"/>
-              <a:lstStyle/>
-              <a:p>
-                <a:pPr algn="ctr"/>
-                <a:endParaRPr lang="en-US"/>
-              </a:p>
-            </p:txBody>
-          </p:sp>
-          <p:sp>
-            <p:nvSpPr>
-              <p:cNvPr id="147" name="TextBox 146"/>
-              <p:cNvSpPr txBox="1"/>
-              <p:nvPr/>
-            </p:nvSpPr>
-            <p:spPr>
-              <a:xfrm>
-                <a:off x="1068209" y="5146261"/>
-                <a:ext cx="1183366" cy="276999"/>
-              </a:xfrm>
-              <a:prstGeom prst="rect">
-                <a:avLst/>
-              </a:prstGeom>
-              <a:noFill/>
-              <a:ln>
-                <a:noFill/>
-              </a:ln>
-            </p:spPr>
-            <p:txBody>
-              <a:bodyPr wrap="square" rtlCol="0">
-                <a:spAutoFit/>
-              </a:bodyPr>
-              <a:lstStyle/>
-              <a:p>
-                <a:r>
-                  <a:rPr lang="en-US" sz="1200" dirty="0" smtClean="0"/>
-                  <a:t>GUI thread</a:t>
-                </a:r>
-              </a:p>
-            </p:txBody>
-          </p:sp>
-        </p:grpSp>
+            <a:prstGeom prst="rect">
+              <a:avLst/>
+            </a:prstGeom>
+            <a:noFill/>
+            <a:ln>
+              <a:solidFill>
+                <a:schemeClr val="tx1"/>
+              </a:solidFill>
+            </a:ln>
+          </p:spPr>
+          <p:txBody>
+            <a:bodyPr wrap="square" rtlCol="0">
+              <a:spAutoFit/>
+            </a:bodyPr>
+            <a:lstStyle/>
+            <a:p>
+              <a:r>
+                <a:rPr lang="en-US" sz="1000" dirty="0" smtClean="0"/>
+                <a:t>start</a:t>
+              </a:r>
+            </a:p>
+          </p:txBody>
+        </p:sp>
         <p:cxnSp>
           <p:nvCxnSpPr>
-            <p:cNvPr id="210" name="Elbow Connector 209"/>
+            <p:cNvPr id="187" name="Curved Connector 186"/>
             <p:cNvCxnSpPr>
-              <a:endCxn id="98" idx="1"/>
+              <a:stCxn id="15" idx="2"/>
+              <a:endCxn id="183" idx="3"/>
             </p:cNvCxnSpPr>
             <p:nvPr/>
           </p:nvCxnSpPr>
           <p:spPr>
-            <a:xfrm flipV="1">
-              <a:off x="2316086" y="1984079"/>
-              <a:ext cx="3217191" cy="2423781"/>
+            <a:xfrm rot="10800000" flipV="1">
+              <a:off x="3022904" y="5329732"/>
+              <a:ext cx="441660" cy="318805"/>
             </a:xfrm>
-            <a:prstGeom prst="bentConnector3">
+            <a:prstGeom prst="curvedConnector3">
               <a:avLst>
-                <a:gd name="adj1" fmla="val 88830"/>
+                <a:gd name="adj1" fmla="val 50000"/>
               </a:avLst>
             </a:prstGeom>
             <a:ln>
@@ -7069,21 +6629,858 @@
         </p:cxnSp>
         <p:cxnSp>
           <p:nvCxnSpPr>
-            <p:cNvPr id="216" name="Elbow Connector 215"/>
+            <p:cNvPr id="191" name="Curved Connector 190"/>
             <p:cNvCxnSpPr>
-              <a:stCxn id="146" idx="6"/>
-              <a:endCxn id="99" idx="1"/>
+              <a:stCxn id="15" idx="6"/>
+              <a:endCxn id="184" idx="1"/>
             </p:cNvCxnSpPr>
             <p:nvPr/>
           </p:nvCxnSpPr>
           <p:spPr>
             <a:xfrm flipV="1">
-              <a:off x="2316085" y="2303962"/>
-              <a:ext cx="3212473" cy="2108101"/>
+              <a:off x="4930874" y="4093259"/>
+              <a:ext cx="593483" cy="1236474"/>
+            </a:xfrm>
+            <a:prstGeom prst="curvedConnector3">
+              <a:avLst/>
+            </a:prstGeom>
+            <a:ln>
+              <a:solidFill>
+                <a:schemeClr val="tx1"/>
+              </a:solidFill>
+              <a:tailEnd type="arrow"/>
+            </a:ln>
+          </p:spPr>
+          <p:style>
+            <a:lnRef idx="2">
+              <a:schemeClr val="accent1"/>
+            </a:lnRef>
+            <a:fillRef idx="0">
+              <a:schemeClr val="accent1"/>
+            </a:fillRef>
+            <a:effectRef idx="1">
+              <a:schemeClr val="accent1"/>
+            </a:effectRef>
+            <a:fontRef idx="minor">
+              <a:schemeClr val="tx1"/>
+            </a:fontRef>
+          </p:style>
+        </p:cxnSp>
+        <p:cxnSp>
+          <p:nvCxnSpPr>
+            <p:cNvPr id="193" name="Curved Connector 192"/>
+            <p:cNvCxnSpPr>
+              <a:stCxn id="94" idx="1"/>
+              <a:endCxn id="67" idx="3"/>
+            </p:cNvCxnSpPr>
+            <p:nvPr/>
+          </p:nvCxnSpPr>
+          <p:spPr>
+            <a:xfrm rot="10800000">
+              <a:off x="3015515" y="1626806"/>
+              <a:ext cx="1235704" cy="1189142"/>
+            </a:xfrm>
+            <a:prstGeom prst="curvedConnector3">
+              <a:avLst/>
+            </a:prstGeom>
+            <a:ln>
+              <a:solidFill>
+                <a:schemeClr val="tx1"/>
+              </a:solidFill>
+              <a:tailEnd type="arrow"/>
+            </a:ln>
+          </p:spPr>
+          <p:style>
+            <a:lnRef idx="2">
+              <a:schemeClr val="accent1"/>
+            </a:lnRef>
+            <a:fillRef idx="0">
+              <a:schemeClr val="accent1"/>
+            </a:fillRef>
+            <a:effectRef idx="1">
+              <a:schemeClr val="accent1"/>
+            </a:effectRef>
+            <a:fontRef idx="minor">
+              <a:schemeClr val="tx1"/>
+            </a:fontRef>
+          </p:style>
+        </p:cxnSp>
+        <p:cxnSp>
+          <p:nvCxnSpPr>
+            <p:cNvPr id="194" name="Curved Connector 193"/>
+            <p:cNvCxnSpPr>
+              <a:stCxn id="94" idx="1"/>
+              <a:endCxn id="42" idx="3"/>
+            </p:cNvCxnSpPr>
+            <p:nvPr/>
+          </p:nvCxnSpPr>
+          <p:spPr>
+            <a:xfrm rot="10800000" flipV="1">
+              <a:off x="3028109" y="2815947"/>
+              <a:ext cx="1223110" cy="1158685"/>
+            </a:xfrm>
+            <a:prstGeom prst="curvedConnector3">
+              <a:avLst/>
+            </a:prstGeom>
+            <a:ln>
+              <a:solidFill>
+                <a:schemeClr val="tx1"/>
+              </a:solidFill>
+              <a:tailEnd type="arrow"/>
+            </a:ln>
+          </p:spPr>
+          <p:style>
+            <a:lnRef idx="2">
+              <a:schemeClr val="accent1"/>
+            </a:lnRef>
+            <a:fillRef idx="0">
+              <a:schemeClr val="accent1"/>
+            </a:fillRef>
+            <a:effectRef idx="1">
+              <a:schemeClr val="accent1"/>
+            </a:effectRef>
+            <a:fontRef idx="minor">
+              <a:schemeClr val="tx1"/>
+            </a:fontRef>
+          </p:style>
+        </p:cxnSp>
+        <p:cxnSp>
+          <p:nvCxnSpPr>
+            <p:cNvPr id="195" name="Curved Connector 194"/>
+            <p:cNvCxnSpPr>
+              <a:stCxn id="224" idx="1"/>
+              <a:endCxn id="66" idx="3"/>
+            </p:cNvCxnSpPr>
+            <p:nvPr/>
+          </p:nvCxnSpPr>
+          <p:spPr>
+            <a:xfrm rot="10800000">
+              <a:off x="3028480" y="2815948"/>
+              <a:ext cx="879837" cy="888340"/>
+            </a:xfrm>
+            <a:prstGeom prst="curvedConnector3">
+              <a:avLst/>
+            </a:prstGeom>
+            <a:ln>
+              <a:solidFill>
+                <a:schemeClr val="tx1"/>
+              </a:solidFill>
+              <a:tailEnd type="arrow"/>
+            </a:ln>
+          </p:spPr>
+          <p:style>
+            <a:lnRef idx="2">
+              <a:schemeClr val="accent1"/>
+            </a:lnRef>
+            <a:fillRef idx="0">
+              <a:schemeClr val="accent1"/>
+            </a:fillRef>
+            <a:effectRef idx="1">
+              <a:schemeClr val="accent1"/>
+            </a:effectRef>
+            <a:fontRef idx="minor">
+              <a:schemeClr val="tx1"/>
+            </a:fontRef>
+          </p:style>
+        </p:cxnSp>
+        <p:sp>
+          <p:nvSpPr>
+            <p:cNvPr id="202" name="TextBox 201"/>
+            <p:cNvSpPr txBox="1"/>
+            <p:nvPr/>
+          </p:nvSpPr>
+          <p:spPr>
+            <a:xfrm>
+              <a:off x="196727" y="5771648"/>
+              <a:ext cx="872012" cy="246221"/>
+            </a:xfrm>
+            <a:prstGeom prst="rect">
+              <a:avLst/>
+            </a:prstGeom>
+            <a:noFill/>
+            <a:ln>
+              <a:solidFill>
+                <a:schemeClr val="tx1"/>
+              </a:solidFill>
+            </a:ln>
+          </p:spPr>
+          <p:txBody>
+            <a:bodyPr wrap="square" rtlCol="0">
+              <a:spAutoFit/>
+            </a:bodyPr>
+            <a:lstStyle/>
+            <a:p>
+              <a:r>
+                <a:rPr lang="en-US" sz="1000" dirty="0" err="1" smtClean="0"/>
+                <a:t>initializeGUI</a:t>
+              </a:r>
+              <a:endParaRPr lang="en-US" sz="1000" dirty="0" smtClean="0"/>
+            </a:p>
+          </p:txBody>
+        </p:sp>
+        <p:cxnSp>
+          <p:nvCxnSpPr>
+            <p:cNvPr id="204" name="Curved Connector 203"/>
+            <p:cNvCxnSpPr>
+              <a:stCxn id="15" idx="3"/>
+              <a:endCxn id="202" idx="2"/>
+            </p:cNvCxnSpPr>
+            <p:nvPr/>
+          </p:nvCxnSpPr>
+          <p:spPr>
+            <a:xfrm rot="5400000">
+              <a:off x="1881138" y="4219706"/>
+              <a:ext cx="549759" cy="3046567"/>
+            </a:xfrm>
+            <a:prstGeom prst="curvedConnector3">
+              <a:avLst>
+                <a:gd name="adj1" fmla="val 141582"/>
+              </a:avLst>
+            </a:prstGeom>
+            <a:ln>
+              <a:solidFill>
+                <a:schemeClr val="tx1"/>
+              </a:solidFill>
+              <a:tailEnd type="arrow"/>
+            </a:ln>
+          </p:spPr>
+          <p:style>
+            <a:lnRef idx="2">
+              <a:schemeClr val="accent1"/>
+            </a:lnRef>
+            <a:fillRef idx="0">
+              <a:schemeClr val="accent1"/>
+            </a:fillRef>
+            <a:effectRef idx="1">
+              <a:schemeClr val="accent1"/>
+            </a:effectRef>
+            <a:fontRef idx="minor">
+              <a:schemeClr val="tx1"/>
+            </a:fontRef>
+          </p:style>
+        </p:cxnSp>
+        <p:sp>
+          <p:nvSpPr>
+            <p:cNvPr id="206" name="TextBox 205"/>
+            <p:cNvSpPr txBox="1"/>
+            <p:nvPr/>
+          </p:nvSpPr>
+          <p:spPr>
+            <a:xfrm>
+              <a:off x="1221139" y="5760710"/>
+              <a:ext cx="872012" cy="246221"/>
+            </a:xfrm>
+            <a:prstGeom prst="rect">
+              <a:avLst/>
+            </a:prstGeom>
+            <a:noFill/>
+            <a:ln>
+              <a:solidFill>
+                <a:schemeClr val="tx1"/>
+              </a:solidFill>
+            </a:ln>
+          </p:spPr>
+          <p:txBody>
+            <a:bodyPr wrap="square" rtlCol="0">
+              <a:spAutoFit/>
+            </a:bodyPr>
+            <a:lstStyle/>
+            <a:p>
+              <a:r>
+                <a:rPr lang="en-US" sz="1000" dirty="0" err="1" smtClean="0"/>
+                <a:t>setController</a:t>
+              </a:r>
+              <a:endParaRPr lang="en-US" sz="1000" dirty="0" smtClean="0"/>
+            </a:p>
+          </p:txBody>
+        </p:sp>
+        <p:cxnSp>
+          <p:nvCxnSpPr>
+            <p:cNvPr id="208" name="Curved Connector 207"/>
+            <p:cNvCxnSpPr>
+              <a:stCxn id="15" idx="3"/>
+              <a:endCxn id="7" idx="2"/>
+            </p:cNvCxnSpPr>
+            <p:nvPr/>
+          </p:nvCxnSpPr>
+          <p:spPr>
+            <a:xfrm rot="5400000">
+              <a:off x="2377786" y="4705416"/>
+              <a:ext cx="538821" cy="2064209"/>
+            </a:xfrm>
+            <a:prstGeom prst="curvedConnector3">
+              <a:avLst>
+                <a:gd name="adj1" fmla="val 142426"/>
+              </a:avLst>
+            </a:prstGeom>
+            <a:ln>
+              <a:solidFill>
+                <a:schemeClr val="tx1"/>
+              </a:solidFill>
+              <a:tailEnd type="arrow"/>
+            </a:ln>
+          </p:spPr>
+          <p:style>
+            <a:lnRef idx="2">
+              <a:schemeClr val="accent1"/>
+            </a:lnRef>
+            <a:fillRef idx="0">
+              <a:schemeClr val="accent1"/>
+            </a:fillRef>
+            <a:effectRef idx="1">
+              <a:schemeClr val="accent1"/>
+            </a:effectRef>
+            <a:fontRef idx="minor">
+              <a:schemeClr val="tx1"/>
+            </a:fontRef>
+          </p:style>
+        </p:cxnSp>
+        <p:grpSp>
+          <p:nvGrpSpPr>
+            <p:cNvPr id="218" name="Group 217"/>
+            <p:cNvGrpSpPr/>
+            <p:nvPr/>
+          </p:nvGrpSpPr>
+          <p:grpSpPr>
+            <a:xfrm>
+              <a:off x="719114" y="1984079"/>
+              <a:ext cx="4814163" cy="2623678"/>
+              <a:chOff x="719114" y="1984079"/>
+              <a:chExt cx="4814163" cy="2623678"/>
+            </a:xfrm>
+          </p:grpSpPr>
+          <p:grpSp>
+            <p:nvGrpSpPr>
+              <p:cNvPr id="200" name="Group 199"/>
+              <p:cNvGrpSpPr/>
+              <p:nvPr/>
+            </p:nvGrpSpPr>
+            <p:grpSpPr>
+              <a:xfrm>
+                <a:off x="719114" y="4216369"/>
+                <a:ext cx="1596971" cy="391388"/>
+                <a:chOff x="782517" y="5122717"/>
+                <a:chExt cx="1596971" cy="391388"/>
+              </a:xfrm>
+            </p:grpSpPr>
+            <p:sp>
+              <p:nvSpPr>
+                <p:cNvPr id="146" name="Oval 145"/>
+                <p:cNvSpPr/>
+                <p:nvPr/>
+              </p:nvSpPr>
+              <p:spPr>
+                <a:xfrm>
+                  <a:off x="782517" y="5122717"/>
+                  <a:ext cx="1596971" cy="391388"/>
+                </a:xfrm>
+                <a:prstGeom prst="ellipse">
+                  <a:avLst/>
+                </a:prstGeom>
+                <a:noFill/>
+                <a:ln w="22225">
+                  <a:solidFill>
+                    <a:schemeClr val="tx1"/>
+                  </a:solidFill>
+                  <a:prstDash val="dash"/>
+                </a:ln>
+              </p:spPr>
+              <p:style>
+                <a:lnRef idx="1">
+                  <a:schemeClr val="accent1"/>
+                </a:lnRef>
+                <a:fillRef idx="3">
+                  <a:schemeClr val="accent1"/>
+                </a:fillRef>
+                <a:effectRef idx="2">
+                  <a:schemeClr val="accent1"/>
+                </a:effectRef>
+                <a:fontRef idx="minor">
+                  <a:schemeClr val="lt1"/>
+                </a:fontRef>
+              </p:style>
+              <p:txBody>
+                <a:bodyPr rtlCol="0" anchor="ctr"/>
+                <a:lstStyle/>
+                <a:p>
+                  <a:pPr algn="ctr"/>
+                  <a:endParaRPr lang="en-US"/>
+                </a:p>
+              </p:txBody>
+            </p:sp>
+            <p:sp>
+              <p:nvSpPr>
+                <p:cNvPr id="147" name="TextBox 146"/>
+                <p:cNvSpPr txBox="1"/>
+                <p:nvPr/>
+              </p:nvSpPr>
+              <p:spPr>
+                <a:xfrm>
+                  <a:off x="1068209" y="5146261"/>
+                  <a:ext cx="1183366" cy="276999"/>
+                </a:xfrm>
+                <a:prstGeom prst="rect">
+                  <a:avLst/>
+                </a:prstGeom>
+                <a:noFill/>
+                <a:ln>
+                  <a:noFill/>
+                </a:ln>
+              </p:spPr>
+              <p:txBody>
+                <a:bodyPr wrap="square" rtlCol="0">
+                  <a:spAutoFit/>
+                </a:bodyPr>
+                <a:lstStyle/>
+                <a:p>
+                  <a:r>
+                    <a:rPr lang="en-US" sz="1200" dirty="0" smtClean="0"/>
+                    <a:t>GUI thread</a:t>
+                  </a:r>
+                </a:p>
+              </p:txBody>
+            </p:sp>
+          </p:grpSp>
+          <p:cxnSp>
+            <p:nvCxnSpPr>
+              <p:cNvPr id="210" name="Elbow Connector 209"/>
+              <p:cNvCxnSpPr>
+                <a:endCxn id="98" idx="1"/>
+              </p:cNvCxnSpPr>
+              <p:nvPr/>
+            </p:nvCxnSpPr>
+            <p:spPr>
+              <a:xfrm flipV="1">
+                <a:off x="2316086" y="1984079"/>
+                <a:ext cx="3217191" cy="2423781"/>
+              </a:xfrm>
+              <a:prstGeom prst="bentConnector3">
+                <a:avLst>
+                  <a:gd name="adj1" fmla="val 88830"/>
+                </a:avLst>
+              </a:prstGeom>
+              <a:ln>
+                <a:solidFill>
+                  <a:schemeClr val="tx1"/>
+                </a:solidFill>
+                <a:tailEnd type="arrow"/>
+              </a:ln>
+            </p:spPr>
+            <p:style>
+              <a:lnRef idx="2">
+                <a:schemeClr val="accent1"/>
+              </a:lnRef>
+              <a:fillRef idx="0">
+                <a:schemeClr val="accent1"/>
+              </a:fillRef>
+              <a:effectRef idx="1">
+                <a:schemeClr val="accent1"/>
+              </a:effectRef>
+              <a:fontRef idx="minor">
+                <a:schemeClr val="tx1"/>
+              </a:fontRef>
+            </p:style>
+          </p:cxnSp>
+          <p:cxnSp>
+            <p:nvCxnSpPr>
+              <p:cNvPr id="216" name="Elbow Connector 215"/>
+              <p:cNvCxnSpPr>
+                <a:stCxn id="146" idx="6"/>
+                <a:endCxn id="99" idx="1"/>
+              </p:cNvCxnSpPr>
+              <p:nvPr/>
+            </p:nvCxnSpPr>
+            <p:spPr>
+              <a:xfrm flipV="1">
+                <a:off x="2316085" y="2303962"/>
+                <a:ext cx="3212473" cy="2108101"/>
+              </a:xfrm>
+              <a:prstGeom prst="bentConnector3">
+                <a:avLst>
+                  <a:gd name="adj1" fmla="val 88886"/>
+                </a:avLst>
+              </a:prstGeom>
+              <a:ln>
+                <a:solidFill>
+                  <a:schemeClr val="tx1"/>
+                </a:solidFill>
+                <a:tailEnd type="arrow"/>
+              </a:ln>
+            </p:spPr>
+            <p:style>
+              <a:lnRef idx="2">
+                <a:schemeClr val="accent1"/>
+              </a:lnRef>
+              <a:fillRef idx="0">
+                <a:schemeClr val="accent1"/>
+              </a:fillRef>
+              <a:effectRef idx="1">
+                <a:schemeClr val="accent1"/>
+              </a:effectRef>
+              <a:fontRef idx="minor">
+                <a:schemeClr val="tx1"/>
+              </a:fontRef>
+            </p:style>
+          </p:cxnSp>
+        </p:grpSp>
+        <p:sp>
+          <p:nvSpPr>
+            <p:cNvPr id="219" name="TextBox 218"/>
+            <p:cNvSpPr txBox="1"/>
+            <p:nvPr/>
+          </p:nvSpPr>
+          <p:spPr>
+            <a:xfrm>
+              <a:off x="1318021" y="5078471"/>
+              <a:ext cx="1702453" cy="246221"/>
+            </a:xfrm>
+            <a:prstGeom prst="rect">
+              <a:avLst/>
+            </a:prstGeom>
+            <a:noFill/>
+            <a:ln>
+              <a:solidFill>
+                <a:schemeClr val="tx1"/>
+              </a:solidFill>
+            </a:ln>
+          </p:spPr>
+          <p:txBody>
+            <a:bodyPr wrap="square" rtlCol="0">
+              <a:spAutoFit/>
+            </a:bodyPr>
+            <a:lstStyle/>
+            <a:p>
+              <a:r>
+                <a:rPr lang="en-US" sz="1000" dirty="0" err="1" smtClean="0"/>
+                <a:t>setCommunicationsManager</a:t>
+              </a:r>
+              <a:endParaRPr lang="en-US" sz="1000" dirty="0" smtClean="0"/>
+            </a:p>
+          </p:txBody>
+        </p:sp>
+        <p:cxnSp>
+          <p:nvCxnSpPr>
+            <p:cNvPr id="221" name="Elbow Connector 220"/>
+            <p:cNvCxnSpPr>
+              <a:stCxn id="15" idx="1"/>
+              <a:endCxn id="219" idx="3"/>
+            </p:cNvCxnSpPr>
+            <p:nvPr/>
+          </p:nvCxnSpPr>
+          <p:spPr>
+            <a:xfrm rot="16200000" flipH="1" flipV="1">
+              <a:off x="3344774" y="4867056"/>
+              <a:ext cx="10226" cy="658826"/>
+            </a:xfrm>
+            <a:prstGeom prst="bentConnector4">
+              <a:avLst>
+                <a:gd name="adj1" fmla="val -2235478"/>
+                <a:gd name="adj2" fmla="val 66297"/>
+              </a:avLst>
+            </a:prstGeom>
+            <a:ln>
+              <a:solidFill>
+                <a:schemeClr val="tx1"/>
+              </a:solidFill>
+              <a:tailEnd type="arrow"/>
+            </a:ln>
+          </p:spPr>
+          <p:style>
+            <a:lnRef idx="2">
+              <a:schemeClr val="accent1"/>
+            </a:lnRef>
+            <a:fillRef idx="0">
+              <a:schemeClr val="accent1"/>
+            </a:fillRef>
+            <a:effectRef idx="1">
+              <a:schemeClr val="accent1"/>
+            </a:effectRef>
+            <a:fontRef idx="minor">
+              <a:schemeClr val="tx1"/>
+            </a:fontRef>
+          </p:style>
+        </p:cxnSp>
+        <p:sp>
+          <p:nvSpPr>
+            <p:cNvPr id="224" name="TextBox 223"/>
+            <p:cNvSpPr txBox="1"/>
+            <p:nvPr/>
+          </p:nvSpPr>
+          <p:spPr>
+            <a:xfrm>
+              <a:off x="3908316" y="3604260"/>
+              <a:ext cx="1005266" cy="200055"/>
+            </a:xfrm>
+            <a:prstGeom prst="rect">
+              <a:avLst/>
+            </a:prstGeom>
+            <a:noFill/>
+            <a:ln>
+              <a:solidFill>
+                <a:schemeClr val="tx1"/>
+              </a:solidFill>
+            </a:ln>
+          </p:spPr>
+          <p:txBody>
+            <a:bodyPr wrap="square" rtlCol="0">
+              <a:spAutoFit/>
+            </a:bodyPr>
+            <a:lstStyle/>
+            <a:p>
+              <a:r>
+                <a:rPr lang="en-US" sz="700" dirty="0" err="1" smtClean="0"/>
+                <a:t>writeRLSparameters</a:t>
+              </a:r>
+              <a:endParaRPr lang="en-US" sz="700" dirty="0" smtClean="0"/>
+            </a:p>
+          </p:txBody>
+        </p:sp>
+        <p:cxnSp>
+          <p:nvCxnSpPr>
+            <p:cNvPr id="226" name="Curved Connector 225"/>
+            <p:cNvCxnSpPr>
+              <a:stCxn id="10" idx="2"/>
+              <a:endCxn id="224" idx="3"/>
+            </p:cNvCxnSpPr>
+            <p:nvPr/>
+          </p:nvCxnSpPr>
+          <p:spPr>
+            <a:xfrm rot="10800000" flipV="1">
+              <a:off x="4913582" y="3264810"/>
+              <a:ext cx="1132596" cy="439477"/>
+            </a:xfrm>
+            <a:prstGeom prst="curvedConnector3">
+              <a:avLst>
+                <a:gd name="adj1" fmla="val 33455"/>
+              </a:avLst>
+            </a:prstGeom>
+            <a:ln>
+              <a:solidFill>
+                <a:schemeClr val="tx1"/>
+              </a:solidFill>
+              <a:tailEnd type="arrow"/>
+            </a:ln>
+          </p:spPr>
+          <p:style>
+            <a:lnRef idx="2">
+              <a:schemeClr val="accent1"/>
+            </a:lnRef>
+            <a:fillRef idx="0">
+              <a:schemeClr val="accent1"/>
+            </a:fillRef>
+            <a:effectRef idx="1">
+              <a:schemeClr val="accent1"/>
+            </a:effectRef>
+            <a:fontRef idx="minor">
+              <a:schemeClr val="tx1"/>
+            </a:fontRef>
+          </p:style>
+        </p:cxnSp>
+        <p:sp>
+          <p:nvSpPr>
+            <p:cNvPr id="232" name="TextBox 231"/>
+            <p:cNvSpPr txBox="1"/>
+            <p:nvPr/>
+          </p:nvSpPr>
+          <p:spPr>
+            <a:xfrm>
+              <a:off x="5654879" y="5571593"/>
+              <a:ext cx="1150470" cy="215444"/>
+            </a:xfrm>
+            <a:prstGeom prst="rect">
+              <a:avLst/>
+            </a:prstGeom>
+            <a:noFill/>
+            <a:ln>
+              <a:solidFill>
+                <a:schemeClr val="tx1"/>
+              </a:solidFill>
+            </a:ln>
+          </p:spPr>
+          <p:txBody>
+            <a:bodyPr wrap="square" rtlCol="0">
+              <a:spAutoFit/>
+            </a:bodyPr>
+            <a:lstStyle/>
+            <a:p>
+              <a:r>
+                <a:rPr lang="en-US" sz="800" dirty="0" err="1" smtClean="0"/>
+                <a:t>calculateCompensation</a:t>
+              </a:r>
+              <a:endParaRPr lang="en-US" sz="800" dirty="0" smtClean="0"/>
+            </a:p>
+          </p:txBody>
+        </p:sp>
+        <p:cxnSp>
+          <p:nvCxnSpPr>
+            <p:cNvPr id="235" name="Elbow Connector 234"/>
+            <p:cNvCxnSpPr>
+              <a:stCxn id="10" idx="4"/>
+              <a:endCxn id="232" idx="3"/>
+            </p:cNvCxnSpPr>
+            <p:nvPr/>
+          </p:nvCxnSpPr>
+          <p:spPr>
+            <a:xfrm rot="16200000" flipH="1">
+              <a:off x="5512186" y="4386152"/>
+              <a:ext cx="2234472" cy="351854"/>
+            </a:xfrm>
+            <a:prstGeom prst="bentConnector4">
+              <a:avLst>
+                <a:gd name="adj1" fmla="val 47590"/>
+                <a:gd name="adj2" fmla="val 180733"/>
+              </a:avLst>
+            </a:prstGeom>
+            <a:ln>
+              <a:solidFill>
+                <a:schemeClr val="tx1"/>
+              </a:solidFill>
+              <a:tailEnd type="arrow"/>
+            </a:ln>
+          </p:spPr>
+          <p:style>
+            <a:lnRef idx="2">
+              <a:schemeClr val="accent1"/>
+            </a:lnRef>
+            <a:fillRef idx="0">
+              <a:schemeClr val="accent1"/>
+            </a:fillRef>
+            <a:effectRef idx="1">
+              <a:schemeClr val="accent1"/>
+            </a:effectRef>
+            <a:fontRef idx="minor">
+              <a:schemeClr val="tx1"/>
+            </a:fontRef>
+          </p:style>
+        </p:cxnSp>
+        <p:sp>
+          <p:nvSpPr>
+            <p:cNvPr id="239" name="TextBox 238"/>
+            <p:cNvSpPr txBox="1"/>
+            <p:nvPr/>
+          </p:nvSpPr>
+          <p:spPr>
+            <a:xfrm>
+              <a:off x="5524357" y="1010215"/>
+              <a:ext cx="566781" cy="200055"/>
+            </a:xfrm>
+            <a:prstGeom prst="rect">
+              <a:avLst/>
+            </a:prstGeom>
+            <a:noFill/>
+            <a:ln>
+              <a:solidFill>
+                <a:schemeClr val="tx1"/>
+              </a:solidFill>
+            </a:ln>
+          </p:spPr>
+          <p:txBody>
+            <a:bodyPr wrap="square" rtlCol="0">
+              <a:spAutoFit/>
+            </a:bodyPr>
+            <a:lstStyle/>
+            <a:p>
+              <a:r>
+                <a:rPr lang="en-US" sz="700" dirty="0" err="1" smtClean="0"/>
+                <a:t>shutDown</a:t>
+              </a:r>
+              <a:endParaRPr lang="en-US" sz="700" dirty="0" smtClean="0"/>
+            </a:p>
+          </p:txBody>
+        </p:sp>
+        <p:sp>
+          <p:nvSpPr>
+            <p:cNvPr id="240" name="TextBox 239"/>
+            <p:cNvSpPr txBox="1"/>
+            <p:nvPr/>
+          </p:nvSpPr>
+          <p:spPr>
+            <a:xfrm>
+              <a:off x="5524357" y="1341073"/>
+              <a:ext cx="815414" cy="200055"/>
+            </a:xfrm>
+            <a:prstGeom prst="rect">
+              <a:avLst/>
+            </a:prstGeom>
+            <a:noFill/>
+            <a:ln>
+              <a:solidFill>
+                <a:schemeClr val="tx1"/>
+              </a:solidFill>
+            </a:ln>
+          </p:spPr>
+          <p:txBody>
+            <a:bodyPr wrap="square" rtlCol="0">
+              <a:spAutoFit/>
+            </a:bodyPr>
+            <a:lstStyle/>
+            <a:p>
+              <a:r>
+                <a:rPr lang="en-US" sz="700" dirty="0" err="1" smtClean="0"/>
+                <a:t>regulatorActive</a:t>
+              </a:r>
+              <a:endParaRPr lang="en-US" sz="700" dirty="0" smtClean="0"/>
+            </a:p>
+          </p:txBody>
+        </p:sp>
+        <p:cxnSp>
+          <p:nvCxnSpPr>
+            <p:cNvPr id="242" name="Elbow Connector 241"/>
+            <p:cNvCxnSpPr>
+              <a:stCxn id="146" idx="6"/>
+              <a:endCxn id="240" idx="1"/>
+            </p:cNvCxnSpPr>
+            <p:nvPr/>
+          </p:nvCxnSpPr>
+          <p:spPr>
+            <a:xfrm flipV="1">
+              <a:off x="2316085" y="1441101"/>
+              <a:ext cx="3208272" cy="2970962"/>
             </a:xfrm>
             <a:prstGeom prst="bentConnector3">
               <a:avLst>
-                <a:gd name="adj1" fmla="val 88886"/>
+                <a:gd name="adj1" fmla="val 88937"/>
+              </a:avLst>
+            </a:prstGeom>
+            <a:ln>
+              <a:solidFill>
+                <a:schemeClr val="tx1"/>
+              </a:solidFill>
+              <a:tailEnd type="arrow"/>
+            </a:ln>
+          </p:spPr>
+          <p:style>
+            <a:lnRef idx="2">
+              <a:schemeClr val="accent1"/>
+            </a:lnRef>
+            <a:fillRef idx="0">
+              <a:schemeClr val="accent1"/>
+            </a:fillRef>
+            <a:effectRef idx="1">
+              <a:schemeClr val="accent1"/>
+            </a:effectRef>
+            <a:fontRef idx="minor">
+              <a:schemeClr val="tx1"/>
+            </a:fontRef>
+          </p:style>
+        </p:cxnSp>
+        <p:cxnSp>
+          <p:nvCxnSpPr>
+            <p:cNvPr id="247" name="Elbow Connector 246"/>
+            <p:cNvCxnSpPr>
+              <a:stCxn id="146" idx="6"/>
+              <a:endCxn id="239" idx="1"/>
+            </p:cNvCxnSpPr>
+            <p:nvPr/>
+          </p:nvCxnSpPr>
+          <p:spPr>
+            <a:xfrm flipV="1">
+              <a:off x="2316085" y="1110243"/>
+              <a:ext cx="3208272" cy="3301820"/>
+            </a:xfrm>
+            <a:prstGeom prst="bentConnector3">
+              <a:avLst>
+                <a:gd name="adj1" fmla="val 89262"/>
               </a:avLst>
             </a:prstGeom>
             <a:ln>
@@ -7109,388 +7506,6 @@
           </p:style>
         </p:cxnSp>
       </p:grpSp>
-      <p:sp>
-        <p:nvSpPr>
-          <p:cNvPr id="219" name="TextBox 218"/>
-          <p:cNvSpPr txBox="1"/>
-          <p:nvPr/>
-        </p:nvSpPr>
-        <p:spPr>
-          <a:xfrm>
-            <a:off x="1318021" y="5078471"/>
-            <a:ext cx="1702453" cy="246221"/>
-          </a:xfrm>
-          <a:prstGeom prst="rect">
-            <a:avLst/>
-          </a:prstGeom>
-          <a:noFill/>
-          <a:ln>
-            <a:solidFill>
-              <a:schemeClr val="tx1"/>
-            </a:solidFill>
-          </a:ln>
-        </p:spPr>
-        <p:txBody>
-          <a:bodyPr wrap="square" rtlCol="0">
-            <a:spAutoFit/>
-          </a:bodyPr>
-          <a:lstStyle/>
-          <a:p>
-            <a:r>
-              <a:rPr lang="en-US" sz="1000" dirty="0" err="1" smtClean="0"/>
-              <a:t>setCommunicationsManager</a:t>
-            </a:r>
-            <a:endParaRPr lang="en-US" sz="1000" dirty="0" smtClean="0"/>
-          </a:p>
-        </p:txBody>
-      </p:sp>
-      <p:cxnSp>
-        <p:nvCxnSpPr>
-          <p:cNvPr id="221" name="Elbow Connector 220"/>
-          <p:cNvCxnSpPr>
-            <a:stCxn id="15" idx="1"/>
-            <a:endCxn id="219" idx="3"/>
-          </p:cNvCxnSpPr>
-          <p:nvPr/>
-        </p:nvCxnSpPr>
-        <p:spPr>
-          <a:xfrm rot="16200000" flipH="1" flipV="1">
-            <a:off x="3344774" y="4867056"/>
-            <a:ext cx="10226" cy="658826"/>
-          </a:xfrm>
-          <a:prstGeom prst="bentConnector4">
-            <a:avLst>
-              <a:gd name="adj1" fmla="val -2235478"/>
-              <a:gd name="adj2" fmla="val 66297"/>
-            </a:avLst>
-          </a:prstGeom>
-          <a:ln>
-            <a:solidFill>
-              <a:schemeClr val="tx1"/>
-            </a:solidFill>
-            <a:tailEnd type="arrow"/>
-          </a:ln>
-        </p:spPr>
-        <p:style>
-          <a:lnRef idx="2">
-            <a:schemeClr val="accent1"/>
-          </a:lnRef>
-          <a:fillRef idx="0">
-            <a:schemeClr val="accent1"/>
-          </a:fillRef>
-          <a:effectRef idx="1">
-            <a:schemeClr val="accent1"/>
-          </a:effectRef>
-          <a:fontRef idx="minor">
-            <a:schemeClr val="tx1"/>
-          </a:fontRef>
-        </p:style>
-      </p:cxnSp>
-      <p:sp>
-        <p:nvSpPr>
-          <p:cNvPr id="224" name="TextBox 223"/>
-          <p:cNvSpPr txBox="1"/>
-          <p:nvPr/>
-        </p:nvSpPr>
-        <p:spPr>
-          <a:xfrm>
-            <a:off x="3908316" y="3604260"/>
-            <a:ext cx="1005266" cy="200055"/>
-          </a:xfrm>
-          <a:prstGeom prst="rect">
-            <a:avLst/>
-          </a:prstGeom>
-          <a:noFill/>
-          <a:ln>
-            <a:solidFill>
-              <a:schemeClr val="tx1"/>
-            </a:solidFill>
-          </a:ln>
-        </p:spPr>
-        <p:txBody>
-          <a:bodyPr wrap="square" rtlCol="0">
-            <a:spAutoFit/>
-          </a:bodyPr>
-          <a:lstStyle/>
-          <a:p>
-            <a:r>
-              <a:rPr lang="en-US" sz="700" dirty="0" err="1" smtClean="0"/>
-              <a:t>writeRLSparameters</a:t>
-            </a:r>
-            <a:endParaRPr lang="en-US" sz="700" dirty="0" smtClean="0"/>
-          </a:p>
-        </p:txBody>
-      </p:sp>
-      <p:cxnSp>
-        <p:nvCxnSpPr>
-          <p:cNvPr id="226" name="Curved Connector 225"/>
-          <p:cNvCxnSpPr>
-            <a:stCxn id="10" idx="2"/>
-            <a:endCxn id="224" idx="3"/>
-          </p:cNvCxnSpPr>
-          <p:nvPr/>
-        </p:nvCxnSpPr>
-        <p:spPr>
-          <a:xfrm rot="10800000" flipV="1">
-            <a:off x="4913582" y="3264810"/>
-            <a:ext cx="1132596" cy="439477"/>
-          </a:xfrm>
-          <a:prstGeom prst="curvedConnector3">
-            <a:avLst>
-              <a:gd name="adj1" fmla="val 33455"/>
-            </a:avLst>
-          </a:prstGeom>
-          <a:ln>
-            <a:solidFill>
-              <a:schemeClr val="tx1"/>
-            </a:solidFill>
-            <a:tailEnd type="arrow"/>
-          </a:ln>
-        </p:spPr>
-        <p:style>
-          <a:lnRef idx="2">
-            <a:schemeClr val="accent1"/>
-          </a:lnRef>
-          <a:fillRef idx="0">
-            <a:schemeClr val="accent1"/>
-          </a:fillRef>
-          <a:effectRef idx="1">
-            <a:schemeClr val="accent1"/>
-          </a:effectRef>
-          <a:fontRef idx="minor">
-            <a:schemeClr val="tx1"/>
-          </a:fontRef>
-        </p:style>
-      </p:cxnSp>
-      <p:sp>
-        <p:nvSpPr>
-          <p:cNvPr id="232" name="TextBox 231"/>
-          <p:cNvSpPr txBox="1"/>
-          <p:nvPr/>
-        </p:nvSpPr>
-        <p:spPr>
-          <a:xfrm>
-            <a:off x="5735983" y="5571593"/>
-            <a:ext cx="1069366" cy="200055"/>
-          </a:xfrm>
-          <a:prstGeom prst="rect">
-            <a:avLst/>
-          </a:prstGeom>
-          <a:noFill/>
-          <a:ln>
-            <a:solidFill>
-              <a:schemeClr val="tx1"/>
-            </a:solidFill>
-          </a:ln>
-        </p:spPr>
-        <p:txBody>
-          <a:bodyPr wrap="square" rtlCol="0">
-            <a:spAutoFit/>
-          </a:bodyPr>
-          <a:lstStyle/>
-          <a:p>
-            <a:r>
-              <a:rPr lang="en-US" sz="700" dirty="0" err="1" smtClean="0"/>
-              <a:t>calculateCompensation</a:t>
-            </a:r>
-            <a:endParaRPr lang="en-US" sz="700" dirty="0" smtClean="0"/>
-          </a:p>
-        </p:txBody>
-      </p:sp>
-      <p:cxnSp>
-        <p:nvCxnSpPr>
-          <p:cNvPr id="235" name="Elbow Connector 234"/>
-          <p:cNvCxnSpPr>
-            <a:stCxn id="10" idx="4"/>
-            <a:endCxn id="232" idx="3"/>
-          </p:cNvCxnSpPr>
-          <p:nvPr/>
-        </p:nvCxnSpPr>
-        <p:spPr>
-          <a:xfrm rot="16200000" flipH="1">
-            <a:off x="5516033" y="4382305"/>
-            <a:ext cx="2226778" cy="351854"/>
-          </a:xfrm>
-          <a:prstGeom prst="bentConnector4">
-            <a:avLst>
-              <a:gd name="adj1" fmla="val 6145"/>
-              <a:gd name="adj2" fmla="val 180733"/>
-            </a:avLst>
-          </a:prstGeom>
-          <a:ln>
-            <a:solidFill>
-              <a:schemeClr val="tx1"/>
-            </a:solidFill>
-            <a:tailEnd type="arrow"/>
-          </a:ln>
-        </p:spPr>
-        <p:style>
-          <a:lnRef idx="2">
-            <a:schemeClr val="accent1"/>
-          </a:lnRef>
-          <a:fillRef idx="0">
-            <a:schemeClr val="accent1"/>
-          </a:fillRef>
-          <a:effectRef idx="1">
-            <a:schemeClr val="accent1"/>
-          </a:effectRef>
-          <a:fontRef idx="minor">
-            <a:schemeClr val="tx1"/>
-          </a:fontRef>
-        </p:style>
-      </p:cxnSp>
-      <p:sp>
-        <p:nvSpPr>
-          <p:cNvPr id="239" name="TextBox 238"/>
-          <p:cNvSpPr txBox="1"/>
-          <p:nvPr/>
-        </p:nvSpPr>
-        <p:spPr>
-          <a:xfrm>
-            <a:off x="5524357" y="1010215"/>
-            <a:ext cx="566781" cy="200055"/>
-          </a:xfrm>
-          <a:prstGeom prst="rect">
-            <a:avLst/>
-          </a:prstGeom>
-          <a:noFill/>
-          <a:ln>
-            <a:solidFill>
-              <a:schemeClr val="tx1"/>
-            </a:solidFill>
-          </a:ln>
-        </p:spPr>
-        <p:txBody>
-          <a:bodyPr wrap="square" rtlCol="0">
-            <a:spAutoFit/>
-          </a:bodyPr>
-          <a:lstStyle/>
-          <a:p>
-            <a:r>
-              <a:rPr lang="en-US" sz="700" dirty="0" err="1" smtClean="0"/>
-              <a:t>shutDown</a:t>
-            </a:r>
-            <a:endParaRPr lang="en-US" sz="700" dirty="0" smtClean="0"/>
-          </a:p>
-        </p:txBody>
-      </p:sp>
-      <p:sp>
-        <p:nvSpPr>
-          <p:cNvPr id="240" name="TextBox 239"/>
-          <p:cNvSpPr txBox="1"/>
-          <p:nvPr/>
-        </p:nvSpPr>
-        <p:spPr>
-          <a:xfrm>
-            <a:off x="5524357" y="1341073"/>
-            <a:ext cx="815414" cy="200055"/>
-          </a:xfrm>
-          <a:prstGeom prst="rect">
-            <a:avLst/>
-          </a:prstGeom>
-          <a:noFill/>
-          <a:ln>
-            <a:solidFill>
-              <a:schemeClr val="tx1"/>
-            </a:solidFill>
-          </a:ln>
-        </p:spPr>
-        <p:txBody>
-          <a:bodyPr wrap="square" rtlCol="0">
-            <a:spAutoFit/>
-          </a:bodyPr>
-          <a:lstStyle/>
-          <a:p>
-            <a:r>
-              <a:rPr lang="en-US" sz="700" dirty="0" err="1" smtClean="0"/>
-              <a:t>regulatorActive</a:t>
-            </a:r>
-            <a:endParaRPr lang="en-US" sz="700" dirty="0" smtClean="0"/>
-          </a:p>
-        </p:txBody>
-      </p:sp>
-      <p:cxnSp>
-        <p:nvCxnSpPr>
-          <p:cNvPr id="242" name="Elbow Connector 241"/>
-          <p:cNvCxnSpPr>
-            <a:stCxn id="146" idx="6"/>
-            <a:endCxn id="240" idx="1"/>
-          </p:cNvCxnSpPr>
-          <p:nvPr/>
-        </p:nvCxnSpPr>
-        <p:spPr>
-          <a:xfrm flipV="1">
-            <a:off x="2316085" y="1441101"/>
-            <a:ext cx="3208272" cy="2970962"/>
-          </a:xfrm>
-          <a:prstGeom prst="bentConnector3">
-            <a:avLst>
-              <a:gd name="adj1" fmla="val 88937"/>
-            </a:avLst>
-          </a:prstGeom>
-          <a:ln>
-            <a:solidFill>
-              <a:schemeClr val="tx1"/>
-            </a:solidFill>
-            <a:tailEnd type="arrow"/>
-          </a:ln>
-        </p:spPr>
-        <p:style>
-          <a:lnRef idx="2">
-            <a:schemeClr val="accent1"/>
-          </a:lnRef>
-          <a:fillRef idx="0">
-            <a:schemeClr val="accent1"/>
-          </a:fillRef>
-          <a:effectRef idx="1">
-            <a:schemeClr val="accent1"/>
-          </a:effectRef>
-          <a:fontRef idx="minor">
-            <a:schemeClr val="tx1"/>
-          </a:fontRef>
-        </p:style>
-      </p:cxnSp>
-      <p:cxnSp>
-        <p:nvCxnSpPr>
-          <p:cNvPr id="247" name="Elbow Connector 246"/>
-          <p:cNvCxnSpPr>
-            <a:stCxn id="146" idx="6"/>
-            <a:endCxn id="239" idx="1"/>
-          </p:cNvCxnSpPr>
-          <p:nvPr/>
-        </p:nvCxnSpPr>
-        <p:spPr>
-          <a:xfrm flipV="1">
-            <a:off x="2316085" y="1110243"/>
-            <a:ext cx="3208272" cy="3301820"/>
-          </a:xfrm>
-          <a:prstGeom prst="bentConnector3">
-            <a:avLst>
-              <a:gd name="adj1" fmla="val 89262"/>
-            </a:avLst>
-          </a:prstGeom>
-          <a:ln>
-            <a:solidFill>
-              <a:schemeClr val="tx1"/>
-            </a:solidFill>
-            <a:tailEnd type="arrow"/>
-          </a:ln>
-        </p:spPr>
-        <p:style>
-          <a:lnRef idx="2">
-            <a:schemeClr val="accent1"/>
-          </a:lnRef>
-          <a:fillRef idx="0">
-            <a:schemeClr val="accent1"/>
-          </a:fillRef>
-          <a:effectRef idx="1">
-            <a:schemeClr val="accent1"/>
-          </a:effectRef>
-          <a:fontRef idx="minor">
-            <a:schemeClr val="tx1"/>
-          </a:fontRef>
-        </p:style>
-      </p:cxnSp>
     </p:spTree>
     <p:extLst>
       <p:ext uri="{BB962C8B-B14F-4D97-AF65-F5344CB8AC3E}">
